--- a/docs/presentations/Sage300SDK_2019WebSDKOverview.pptx
+++ b/docs/presentations/Sage300SDK_2019WebSDKOverview.pptx
@@ -5,21 +5,22 @@
     <p:sldMasterId id="2147483660" r:id="rId1"/>
   </p:sldMasterIdLst>
   <p:notesMasterIdLst>
-    <p:notesMasterId r:id="rId14"/>
+    <p:notesMasterId r:id="rId15"/>
   </p:notesMasterIdLst>
   <p:sldIdLst>
     <p:sldId id="257" r:id="rId2"/>
-    <p:sldId id="259" r:id="rId3"/>
-    <p:sldId id="295" r:id="rId4"/>
-    <p:sldId id="294" r:id="rId5"/>
-    <p:sldId id="271" r:id="rId6"/>
-    <p:sldId id="273" r:id="rId7"/>
-    <p:sldId id="299" r:id="rId8"/>
-    <p:sldId id="301" r:id="rId9"/>
-    <p:sldId id="300" r:id="rId10"/>
-    <p:sldId id="297" r:id="rId11"/>
-    <p:sldId id="298" r:id="rId12"/>
-    <p:sldId id="265" r:id="rId13"/>
+    <p:sldId id="295" r:id="rId3"/>
+    <p:sldId id="294" r:id="rId4"/>
+    <p:sldId id="259" r:id="rId5"/>
+    <p:sldId id="301" r:id="rId6"/>
+    <p:sldId id="302" r:id="rId7"/>
+    <p:sldId id="271" r:id="rId8"/>
+    <p:sldId id="273" r:id="rId9"/>
+    <p:sldId id="299" r:id="rId10"/>
+    <p:sldId id="300" r:id="rId11"/>
+    <p:sldId id="297" r:id="rId12"/>
+    <p:sldId id="298" r:id="rId13"/>
+    <p:sldId id="265" r:id="rId14"/>
   </p:sldIdLst>
   <p:sldSz cx="12192000" cy="6858000"/>
   <p:notesSz cx="6858000" cy="9144000"/>
@@ -208,7 +209,7 @@
           <a:p>
             <a:fld id="{F8DE098C-C2B2-472C-9728-F51906A9149D}" type="datetimeFigureOut">
               <a:rPr lang="en-US" smtClean="0"/>
-              <a:t>6/28/2018</a:t>
+              <a:t>8/14/2018</a:t>
             </a:fld>
             <a:endParaRPr lang="en-US"/>
           </a:p>
@@ -606,7 +607,7 @@
     </p:spTree>
     <p:extLst>
       <p:ext uri="{BB962C8B-B14F-4D97-AF65-F5344CB8AC3E}">
-        <p14:creationId xmlns:p14="http://schemas.microsoft.com/office/powerpoint/2010/main" val="4047850685"/>
+        <p14:creationId xmlns:p14="http://schemas.microsoft.com/office/powerpoint/2010/main" val="3657124445"/>
       </p:ext>
     </p:extLst>
   </p:cSld>
@@ -747,7 +748,7 @@
     </p:spTree>
     <p:extLst>
       <p:ext uri="{BB962C8B-B14F-4D97-AF65-F5344CB8AC3E}">
-        <p14:creationId xmlns:p14="http://schemas.microsoft.com/office/powerpoint/2010/main" val="2222112418"/>
+        <p14:creationId xmlns:p14="http://schemas.microsoft.com/office/powerpoint/2010/main" val="2789881261"/>
       </p:ext>
     </p:extLst>
   </p:cSld>
@@ -888,6 +889,147 @@
     </p:spTree>
     <p:extLst>
       <p:ext uri="{BB962C8B-B14F-4D97-AF65-F5344CB8AC3E}">
+        <p14:creationId xmlns:p14="http://schemas.microsoft.com/office/powerpoint/2010/main" val="2222112418"/>
+      </p:ext>
+    </p:extLst>
+  </p:cSld>
+  <p:clrMapOvr>
+    <a:masterClrMapping/>
+  </p:clrMapOvr>
+</p:notes>
+</file>
+
+<file path=ppt/notesSlides/notesSlide12.xml><?xml version="1.0" encoding="utf-8"?>
+<p:notes xmlns:a="http://schemas.openxmlformats.org/drawingml/2006/main" xmlns:r="http://schemas.openxmlformats.org/officeDocument/2006/relationships" xmlns:p="http://schemas.openxmlformats.org/presentationml/2006/main">
+  <p:cSld>
+    <p:spTree>
+      <p:nvGrpSpPr>
+        <p:cNvPr id="1" name=""/>
+        <p:cNvGrpSpPr/>
+        <p:nvPr/>
+      </p:nvGrpSpPr>
+      <p:grpSpPr>
+        <a:xfrm>
+          <a:off x="0" y="0"/>
+          <a:ext cx="0" cy="0"/>
+          <a:chOff x="0" y="0"/>
+          <a:chExt cx="0" cy="0"/>
+        </a:xfrm>
+      </p:grpSpPr>
+      <p:sp>
+        <p:nvSpPr>
+          <p:cNvPr id="2" name="Slide Image Placeholder 1"/>
+          <p:cNvSpPr>
+            <a:spLocks noGrp="1" noRot="1" noChangeAspect="1"/>
+          </p:cNvSpPr>
+          <p:nvPr>
+            <p:ph type="sldImg"/>
+          </p:nvPr>
+        </p:nvSpPr>
+        <p:spPr/>
+      </p:sp>
+      <p:sp>
+        <p:nvSpPr>
+          <p:cNvPr id="3" name="Notes Placeholder 2"/>
+          <p:cNvSpPr>
+            <a:spLocks noGrp="1"/>
+          </p:cNvSpPr>
+          <p:nvPr>
+            <p:ph type="body" idx="1"/>
+          </p:nvPr>
+        </p:nvSpPr>
+        <p:spPr/>
+        <p:txBody>
+          <a:bodyPr/>
+          <a:lstStyle/>
+          <a:p>
+            <a:endParaRPr lang="en-US" dirty="0"/>
+          </a:p>
+          <a:p>
+            <a:endParaRPr lang="en-US" dirty="0"/>
+          </a:p>
+        </p:txBody>
+      </p:sp>
+      <p:sp>
+        <p:nvSpPr>
+          <p:cNvPr id="4" name="Slide Number Placeholder 3"/>
+          <p:cNvSpPr>
+            <a:spLocks noGrp="1"/>
+          </p:cNvSpPr>
+          <p:nvPr>
+            <p:ph type="sldNum" sz="quarter" idx="10"/>
+          </p:nvPr>
+        </p:nvSpPr>
+        <p:spPr/>
+        <p:txBody>
+          <a:bodyPr/>
+          <a:lstStyle/>
+          <a:p>
+            <a:pPr marL="0" marR="0" lvl="0" indent="0" defTabSz="914400" eaLnBrk="1" fontAlgn="auto" latinLnBrk="0" hangingPunct="1">
+              <a:lnSpc>
+                <a:spcPct val="100000"/>
+              </a:lnSpc>
+              <a:spcBef>
+                <a:spcPts val="0"/>
+              </a:spcBef>
+              <a:spcAft>
+                <a:spcPts val="0"/>
+              </a:spcAft>
+              <a:buClrTx/>
+              <a:buSzTx/>
+              <a:buFontTx/>
+              <a:buNone/>
+              <a:tabLst/>
+              <a:defRPr/>
+            </a:pPr>
+            <a:fld id="{AB69E77B-23F2-4D26-B3FA-6109AB5D8139}" type="slidenum">
+              <a:rPr kumimoji="0" lang="en-GB" sz="1800" b="0" i="0" u="none" strike="noStrike" kern="0" cap="none" spc="0" normalizeH="0" baseline="0" noProof="0" smtClean="0">
+                <a:ln>
+                  <a:noFill/>
+                </a:ln>
+                <a:solidFill>
+                  <a:prstClr val="black"/>
+                </a:solidFill>
+                <a:effectLst/>
+                <a:uLnTx/>
+                <a:uFillTx/>
+              </a:rPr>
+              <a:pPr marL="0" marR="0" lvl="0" indent="0" defTabSz="914400" eaLnBrk="1" fontAlgn="auto" latinLnBrk="0" hangingPunct="1">
+                <a:lnSpc>
+                  <a:spcPct val="100000"/>
+                </a:lnSpc>
+                <a:spcBef>
+                  <a:spcPts val="0"/>
+                </a:spcBef>
+                <a:spcAft>
+                  <a:spcPts val="0"/>
+                </a:spcAft>
+                <a:buClrTx/>
+                <a:buSzTx/>
+                <a:buFontTx/>
+                <a:buNone/>
+                <a:tabLst/>
+                <a:defRPr/>
+              </a:pPr>
+              <a:t>13</a:t>
+            </a:fld>
+            <a:endParaRPr kumimoji="0" lang="en-GB" sz="1800" b="0" i="0" u="none" strike="noStrike" kern="0" cap="none" spc="0" normalizeH="0" baseline="0" noProof="0">
+              <a:ln>
+                <a:noFill/>
+              </a:ln>
+              <a:solidFill>
+                <a:prstClr val="black"/>
+              </a:solidFill>
+              <a:effectLst/>
+              <a:uLnTx/>
+              <a:uFillTx/>
+            </a:endParaRPr>
+          </a:p>
+        </p:txBody>
+      </p:sp>
+    </p:spTree>
+    <p:extLst>
+      <p:ext uri="{BB962C8B-B14F-4D97-AF65-F5344CB8AC3E}">
         <p14:creationId xmlns:p14="http://schemas.microsoft.com/office/powerpoint/2010/main" val="250796128"/>
       </p:ext>
     </p:extLst>
@@ -1029,7 +1171,7 @@
     </p:spTree>
     <p:extLst>
       <p:ext uri="{BB962C8B-B14F-4D97-AF65-F5344CB8AC3E}">
-        <p14:creationId xmlns:p14="http://schemas.microsoft.com/office/powerpoint/2010/main" val="3657124445"/>
+        <p14:creationId xmlns:p14="http://schemas.microsoft.com/office/powerpoint/2010/main" val="206395726"/>
       </p:ext>
     </p:extLst>
   </p:cSld>
@@ -1170,7 +1312,7 @@
     </p:spTree>
     <p:extLst>
       <p:ext uri="{BB962C8B-B14F-4D97-AF65-F5344CB8AC3E}">
-        <p14:creationId xmlns:p14="http://schemas.microsoft.com/office/powerpoint/2010/main" val="206395726"/>
+        <p14:creationId xmlns:p14="http://schemas.microsoft.com/office/powerpoint/2010/main" val="4047850685"/>
       </p:ext>
     </p:extLst>
   </p:cSld>
@@ -1311,7 +1453,7 @@
     </p:spTree>
     <p:extLst>
       <p:ext uri="{BB962C8B-B14F-4D97-AF65-F5344CB8AC3E}">
-        <p14:creationId xmlns:p14="http://schemas.microsoft.com/office/powerpoint/2010/main" val="3984031117"/>
+        <p14:creationId xmlns:p14="http://schemas.microsoft.com/office/powerpoint/2010/main" val="1840353148"/>
       </p:ext>
     </p:extLst>
   </p:cSld>
@@ -1452,7 +1594,7 @@
     </p:spTree>
     <p:extLst>
       <p:ext uri="{BB962C8B-B14F-4D97-AF65-F5344CB8AC3E}">
-        <p14:creationId xmlns:p14="http://schemas.microsoft.com/office/powerpoint/2010/main" val="1209397364"/>
+        <p14:creationId xmlns:p14="http://schemas.microsoft.com/office/powerpoint/2010/main" val="1412807540"/>
       </p:ext>
     </p:extLst>
   </p:cSld>
@@ -1593,7 +1735,7 @@
     </p:spTree>
     <p:extLst>
       <p:ext uri="{BB962C8B-B14F-4D97-AF65-F5344CB8AC3E}">
-        <p14:creationId xmlns:p14="http://schemas.microsoft.com/office/powerpoint/2010/main" val="3446995596"/>
+        <p14:creationId xmlns:p14="http://schemas.microsoft.com/office/powerpoint/2010/main" val="3984031117"/>
       </p:ext>
     </p:extLst>
   </p:cSld>
@@ -1734,7 +1876,7 @@
     </p:spTree>
     <p:extLst>
       <p:ext uri="{BB962C8B-B14F-4D97-AF65-F5344CB8AC3E}">
-        <p14:creationId xmlns:p14="http://schemas.microsoft.com/office/powerpoint/2010/main" val="2986276005"/>
+        <p14:creationId xmlns:p14="http://schemas.microsoft.com/office/powerpoint/2010/main" val="1209397364"/>
       </p:ext>
     </p:extLst>
   </p:cSld>
@@ -1875,7 +2017,7 @@
     </p:spTree>
     <p:extLst>
       <p:ext uri="{BB962C8B-B14F-4D97-AF65-F5344CB8AC3E}">
-        <p14:creationId xmlns:p14="http://schemas.microsoft.com/office/powerpoint/2010/main" val="1942140452"/>
+        <p14:creationId xmlns:p14="http://schemas.microsoft.com/office/powerpoint/2010/main" val="3446995596"/>
       </p:ext>
     </p:extLst>
   </p:cSld>
@@ -2016,7 +2158,7 @@
     </p:spTree>
     <p:extLst>
       <p:ext uri="{BB962C8B-B14F-4D97-AF65-F5344CB8AC3E}">
-        <p14:creationId xmlns:p14="http://schemas.microsoft.com/office/powerpoint/2010/main" val="2789881261"/>
+        <p14:creationId xmlns:p14="http://schemas.microsoft.com/office/powerpoint/2010/main" val="1942140452"/>
       </p:ext>
     </p:extLst>
   </p:cSld>
@@ -2122,7 +2264,7 @@
                 </a:solidFill>
               </a:rPr>
               <a:pPr/>
-              <a:t>2018/06/28</a:t>
+              <a:t>2018/08/14</a:t>
             </a:fld>
             <a:endParaRPr lang="en-US">
               <a:solidFill>
@@ -2427,7 +2569,7 @@
                 </a:solidFill>
               </a:rPr>
               <a:pPr/>
-              <a:t>2018/06/28</a:t>
+              <a:t>2018/08/14</a:t>
             </a:fld>
             <a:endParaRPr lang="en-US">
               <a:solidFill>
@@ -2664,7 +2806,7 @@
             <a:fld id="{EE1C84F4-270C-2249-89D9-A705BDADDAAB}" type="datetime1">
               <a:rPr lang="en-ZA" smtClean="0"/>
               <a:pPr/>
-              <a:t>2018/06/28</a:t>
+              <a:t>2018/08/14</a:t>
             </a:fld>
             <a:endParaRPr lang="en-US"/>
           </a:p>
@@ -3003,7 +3145,7 @@
             <a:fld id="{2AE6851E-022E-D141-8BE0-1745E9557F71}" type="datetime1">
               <a:rPr lang="en-ZA" smtClean="0"/>
               <a:pPr/>
-              <a:t>2018/06/28</a:t>
+              <a:t>2018/08/14</a:t>
             </a:fld>
             <a:endParaRPr lang="en-US"/>
           </a:p>
@@ -3575,7 +3717,7 @@
           <a:p>
             <a:r>
               <a:rPr lang="en-US" dirty="0"/>
-              <a:t>June 2018</a:t>
+              <a:t>August 2018</a:t>
             </a:r>
           </a:p>
         </p:txBody>
@@ -3627,6 +3769,167 @@
           <a:p>
             <a:r>
               <a:rPr lang="en-US" dirty="0"/>
+              <a:t>Unit of Work Enhancement</a:t>
+            </a:r>
+          </a:p>
+        </p:txBody>
+      </p:sp>
+      <p:sp>
+        <p:nvSpPr>
+          <p:cNvPr id="12" name="Content Placeholder 4"/>
+          <p:cNvSpPr>
+            <a:spLocks noGrp="1"/>
+          </p:cNvSpPr>
+          <p:nvPr>
+            <p:ph idx="1"/>
+          </p:nvPr>
+        </p:nvSpPr>
+        <p:spPr>
+          <a:xfrm>
+            <a:off x="466025" y="1366944"/>
+            <a:ext cx="9917047" cy="5008456"/>
+          </a:xfrm>
+        </p:spPr>
+        <p:txBody>
+          <a:bodyPr numCol="1"/>
+          <a:lstStyle/>
+          <a:p>
+            <a:pPr lvl="1"/>
+            <a:r>
+              <a:rPr lang="en-US" sz="2400" dirty="0"/>
+              <a:t>ProcessUow base class’ OnExecute() method needed to be overridden to be able to set ResultObject</a:t>
+            </a:r>
+          </a:p>
+          <a:p>
+            <a:pPr lvl="2"/>
+            <a:r>
+              <a:rPr lang="en-US" sz="2000" dirty="0"/>
+              <a:t>Partner’s unable to see base class method without peeking into object to override</a:t>
+            </a:r>
+          </a:p>
+          <a:p>
+            <a:pPr lvl="2"/>
+            <a:r>
+              <a:rPr lang="en-US" sz="2000" dirty="0"/>
+              <a:t>Even 10 Sage process screens did this!</a:t>
+            </a:r>
+          </a:p>
+          <a:p>
+            <a:pPr lvl="1"/>
+            <a:r>
+              <a:rPr lang="en-US" sz="2400" dirty="0"/>
+              <a:t>New GetResultObject(T model) method can simply be implemented and no longer have to override OnExecute()</a:t>
+            </a:r>
+          </a:p>
+        </p:txBody>
+      </p:sp>
+      <p:pic>
+        <p:nvPicPr>
+          <p:cNvPr id="2" name="Picture 1">
+            <a:extLst>
+              <a:ext uri="{FF2B5EF4-FFF2-40B4-BE49-F238E27FC236}">
+                <a16:creationId xmlns:a16="http://schemas.microsoft.com/office/drawing/2014/main" id="{E47930E5-2B75-4916-8BF2-92A8CD26A87F}"/>
+              </a:ext>
+            </a:extLst>
+          </p:cNvPr>
+          <p:cNvPicPr>
+            <a:picLocks noChangeAspect="1"/>
+          </p:cNvPicPr>
+          <p:nvPr/>
+        </p:nvPicPr>
+        <p:blipFill>
+          <a:blip r:embed="rId3"/>
+          <a:stretch>
+            <a:fillRect/>
+          </a:stretch>
+        </p:blipFill>
+        <p:spPr>
+          <a:xfrm>
+            <a:off x="367162" y="4039338"/>
+            <a:ext cx="3840965" cy="2730062"/>
+          </a:xfrm>
+          <a:prstGeom prst="rect">
+            <a:avLst/>
+          </a:prstGeom>
+        </p:spPr>
+      </p:pic>
+      <p:pic>
+        <p:nvPicPr>
+          <p:cNvPr id="3" name="Picture 2">
+            <a:extLst>
+              <a:ext uri="{FF2B5EF4-FFF2-40B4-BE49-F238E27FC236}">
+                <a16:creationId xmlns:a16="http://schemas.microsoft.com/office/drawing/2014/main" id="{02DF468C-CE3C-4CAE-8F57-7898A775EAA9}"/>
+              </a:ext>
+            </a:extLst>
+          </p:cNvPr>
+          <p:cNvPicPr>
+            <a:picLocks noChangeAspect="1"/>
+          </p:cNvPicPr>
+          <p:nvPr/>
+        </p:nvPicPr>
+        <p:blipFill>
+          <a:blip r:embed="rId4"/>
+          <a:stretch>
+            <a:fillRect/>
+          </a:stretch>
+        </p:blipFill>
+        <p:spPr>
+          <a:xfrm>
+            <a:off x="4485365" y="4324404"/>
+            <a:ext cx="7339473" cy="2050996"/>
+          </a:xfrm>
+          <a:prstGeom prst="rect">
+            <a:avLst/>
+          </a:prstGeom>
+        </p:spPr>
+      </p:pic>
+    </p:spTree>
+    <p:extLst>
+      <p:ext uri="{BB962C8B-B14F-4D97-AF65-F5344CB8AC3E}">
+        <p14:creationId xmlns:p14="http://schemas.microsoft.com/office/powerpoint/2010/main" val="175324122"/>
+      </p:ext>
+    </p:extLst>
+  </p:cSld>
+  <p:clrMapOvr>
+    <a:masterClrMapping/>
+  </p:clrMapOvr>
+</p:sld>
+</file>
+
+<file path=ppt/slides/slide11.xml><?xml version="1.0" encoding="utf-8"?>
+<p:sld xmlns:a="http://schemas.openxmlformats.org/drawingml/2006/main" xmlns:r="http://schemas.openxmlformats.org/officeDocument/2006/relationships" xmlns:p="http://schemas.openxmlformats.org/presentationml/2006/main">
+  <p:cSld>
+    <p:spTree>
+      <p:nvGrpSpPr>
+        <p:cNvPr id="1" name=""/>
+        <p:cNvGrpSpPr/>
+        <p:nvPr/>
+      </p:nvGrpSpPr>
+      <p:grpSpPr>
+        <a:xfrm>
+          <a:off x="0" y="0"/>
+          <a:ext cx="0" cy="0"/>
+          <a:chOff x="0" y="0"/>
+          <a:chExt cx="0" cy="0"/>
+        </a:xfrm>
+      </p:grpSpPr>
+      <p:sp>
+        <p:nvSpPr>
+          <p:cNvPr id="8" name="Title 7"/>
+          <p:cNvSpPr>
+            <a:spLocks noGrp="1"/>
+          </p:cNvSpPr>
+          <p:nvPr>
+            <p:ph type="title"/>
+          </p:nvPr>
+        </p:nvSpPr>
+        <p:spPr/>
+        <p:txBody>
+          <a:bodyPr/>
+          <a:lstStyle/>
+          <a:p>
+            <a:r>
+              <a:rPr lang="en-US" dirty="0"/>
               <a:t>In-Progress Items – Non-Committed Items</a:t>
             </a:r>
           </a:p>
@@ -3822,7 +4125,7 @@
 </p:sld>
 </file>
 
-<file path=ppt/slides/slide11.xml><?xml version="1.0" encoding="utf-8"?>
+<file path=ppt/slides/slide12.xml><?xml version="1.0" encoding="utf-8"?>
 <p:sld xmlns:a="http://schemas.openxmlformats.org/drawingml/2006/main" xmlns:r="http://schemas.openxmlformats.org/officeDocument/2006/relationships" xmlns:p="http://schemas.openxmlformats.org/presentationml/2006/main">
   <p:cSld>
     <p:spTree>
@@ -4052,7 +4355,7 @@
 </p:sld>
 </file>
 
-<file path=ppt/slides/slide12.xml><?xml version="1.0" encoding="utf-8"?>
+<file path=ppt/slides/slide13.xml><?xml version="1.0" encoding="utf-8"?>
 <p:sld xmlns:a="http://schemas.openxmlformats.org/drawingml/2006/main" xmlns:r="http://schemas.openxmlformats.org/officeDocument/2006/relationships" xmlns:p="http://schemas.openxmlformats.org/presentationml/2006/main">
   <p:cSld>
     <p:spTree>
@@ -4186,63 +4489,6 @@
           <a:p>
             <a:pPr lvl="2"/>
             <a:endParaRPr lang="en-US" dirty="0"/>
-          </a:p>
-        </p:txBody>
-      </p:sp>
-      <p:sp>
-        <p:nvSpPr>
-          <p:cNvPr id="2" name="Rectangle 1">
-            <a:extLst>
-              <a:ext uri="{FF2B5EF4-FFF2-40B4-BE49-F238E27FC236}">
-                <a16:creationId xmlns:a16="http://schemas.microsoft.com/office/drawing/2014/main" id="{AA6E9489-5DAD-41DA-B40C-D2B2CA6D5439}"/>
-              </a:ext>
-            </a:extLst>
-          </p:cNvPr>
-          <p:cNvSpPr/>
-          <p:nvPr/>
-        </p:nvSpPr>
-        <p:spPr>
-          <a:xfrm>
-            <a:off x="849289" y="5913735"/>
-            <a:ext cx="9895145" cy="830997"/>
-          </a:xfrm>
-          <a:prstGeom prst="rect">
-            <a:avLst/>
-          </a:prstGeom>
-          <a:noFill/>
-        </p:spPr>
-        <p:txBody>
-          <a:bodyPr wrap="square" lIns="91440" tIns="45720" rIns="91440" bIns="45720">
-            <a:spAutoFit/>
-          </a:bodyPr>
-          <a:lstStyle/>
-          <a:p>
-            <a:pPr algn="ctr"/>
-            <a:r>
-              <a:rPr lang="en-US" sz="4800" b="1">
-                <a:ln w="22225">
-                  <a:solidFill>
-                    <a:schemeClr val="accent2"/>
-                  </a:solidFill>
-                  <a:prstDash val="solid"/>
-                </a:ln>
-                <a:solidFill>
-                  <a:srgbClr val="FF0000"/>
-                </a:solidFill>
-              </a:rPr>
-              <a:t>In-Progress</a:t>
-            </a:r>
-            <a:endParaRPr lang="en-US" sz="4800" b="1" dirty="0">
-              <a:ln w="22225">
-                <a:solidFill>
-                  <a:schemeClr val="accent2"/>
-                </a:solidFill>
-                <a:prstDash val="solid"/>
-              </a:ln>
-              <a:solidFill>
-                <a:srgbClr val="FF0000"/>
-              </a:solidFill>
-            </a:endParaRPr>
           </a:p>
         </p:txBody>
       </p:sp>
@@ -4293,100 +4539,6 @@
           <a:p>
             <a:r>
               <a:rPr lang="en-US" dirty="0"/>
-              <a:t>Defects Corrected</a:t>
-            </a:r>
-          </a:p>
-        </p:txBody>
-      </p:sp>
-      <p:sp>
-        <p:nvSpPr>
-          <p:cNvPr id="12" name="Content Placeholder 4"/>
-          <p:cNvSpPr>
-            <a:spLocks noGrp="1"/>
-          </p:cNvSpPr>
-          <p:nvPr>
-            <p:ph idx="1"/>
-          </p:nvPr>
-        </p:nvSpPr>
-        <p:spPr>
-          <a:xfrm>
-            <a:off x="466025" y="1366944"/>
-            <a:ext cx="11571077" cy="5008456"/>
-          </a:xfrm>
-        </p:spPr>
-        <p:txBody>
-          <a:bodyPr numCol="1"/>
-          <a:lstStyle/>
-          <a:p>
-            <a:pPr lvl="1"/>
-            <a:r>
-              <a:rPr lang="en-US" sz="2000" dirty="0"/>
-              <a:t>Code Generation Wizard</a:t>
-            </a:r>
-          </a:p>
-          <a:p>
-            <a:pPr lvl="2"/>
-            <a:r>
-              <a:rPr lang="en-US" sz="1800" dirty="0"/>
-              <a:t>Replaced invalid character ‘%’, if discovered, in property naming algorithm</a:t>
-            </a:r>
-          </a:p>
-          <a:p>
-            <a:pPr lvl="2"/>
-            <a:r>
-              <a:rPr lang="en-US" sz="1800" dirty="0"/>
-              <a:t>Add property name to user message if invalid, duplicate or blank properties discovered on Save action</a:t>
-            </a:r>
-          </a:p>
-        </p:txBody>
-      </p:sp>
-    </p:spTree>
-    <p:extLst>
-      <p:ext uri="{BB962C8B-B14F-4D97-AF65-F5344CB8AC3E}">
-        <p14:creationId xmlns:p14="http://schemas.microsoft.com/office/powerpoint/2010/main" val="2363019514"/>
-      </p:ext>
-    </p:extLst>
-  </p:cSld>
-  <p:clrMapOvr>
-    <a:masterClrMapping/>
-  </p:clrMapOvr>
-</p:sld>
-</file>
-
-<file path=ppt/slides/slide3.xml><?xml version="1.0" encoding="utf-8"?>
-<p:sld xmlns:a="http://schemas.openxmlformats.org/drawingml/2006/main" xmlns:r="http://schemas.openxmlformats.org/officeDocument/2006/relationships" xmlns:p="http://schemas.openxmlformats.org/presentationml/2006/main">
-  <p:cSld>
-    <p:spTree>
-      <p:nvGrpSpPr>
-        <p:cNvPr id="1" name=""/>
-        <p:cNvGrpSpPr/>
-        <p:nvPr/>
-      </p:nvGrpSpPr>
-      <p:grpSpPr>
-        <a:xfrm>
-          <a:off x="0" y="0"/>
-          <a:ext cx="0" cy="0"/>
-          <a:chOff x="0" y="0"/>
-          <a:chExt cx="0" cy="0"/>
-        </a:xfrm>
-      </p:grpSpPr>
-      <p:sp>
-        <p:nvSpPr>
-          <p:cNvPr id="8" name="Title 7"/>
-          <p:cNvSpPr>
-            <a:spLocks noGrp="1"/>
-          </p:cNvSpPr>
-          <p:nvPr>
-            <p:ph type="title"/>
-          </p:nvPr>
-        </p:nvSpPr>
-        <p:spPr/>
-        <p:txBody>
-          <a:bodyPr/>
-          <a:lstStyle/>
-          <a:p>
-            <a:r>
-              <a:rPr lang="en-US" dirty="0"/>
               <a:t>Version Change</a:t>
             </a:r>
           </a:p>
@@ -4415,14 +4567,18 @@
             <a:pPr lvl="1"/>
             <a:r>
               <a:rPr lang="en-US" sz="2400" dirty="0"/>
-              <a:t>Accpac.Advantage and Accpac.Advantage.Types versions are now 6.6.0.0</a:t>
+              <a:t>Accpac.Advantage and Accpac.Advantage.Types versions are now </a:t>
+            </a:r>
+            <a:r>
+              <a:rPr lang="en-US" sz="2400" b="1" dirty="0"/>
+              <a:t>6.6.0.0</a:t>
             </a:r>
           </a:p>
           <a:p>
             <a:pPr lvl="2"/>
             <a:r>
               <a:rPr lang="en-US" sz="2000" dirty="0"/>
-              <a:t>AccpacDotNetVersion.props files have been updated in samples and source</a:t>
+              <a:t>AccpacDotNetVersion.props files have been updated for samples and source</a:t>
             </a:r>
           </a:p>
           <a:p>
@@ -4498,7 +4654,7 @@
 </p:sld>
 </file>
 
-<file path=ppt/slides/slide4.xml><?xml version="1.0" encoding="utf-8"?>
+<file path=ppt/slides/slide3.xml><?xml version="1.0" encoding="utf-8"?>
 <p:sld xmlns:a="http://schemas.openxmlformats.org/drawingml/2006/main" xmlns:r="http://schemas.openxmlformats.org/officeDocument/2006/relationships" xmlns:p="http://schemas.openxmlformats.org/presentationml/2006/main">
   <p:cSld>
     <p:spTree>
@@ -4560,40 +4716,14 @@
             <a:pPr lvl="1"/>
             <a:r>
               <a:rPr lang="en-US" sz="2000" dirty="0"/>
-              <a:t>Wizard manifests include Visual Studio 2017 as a targeted IDE</a:t>
+              <a:t>Wizard manifests ONLY include Visual Studio 2017 as a targeted IDE</a:t>
             </a:r>
           </a:p>
           <a:p>
             <a:pPr lvl="1"/>
             <a:r>
               <a:rPr lang="en-US" sz="2000" dirty="0"/>
-              <a:t>Visual Studio 2013 and Visual Studio 2015 as targeted IDE </a:t>
-            </a:r>
-            <a:r>
-              <a:rPr lang="en-US" sz="2000" dirty="0">
-                <a:solidFill>
-                  <a:srgbClr val="FF0000"/>
-                </a:solidFill>
-              </a:rPr>
-              <a:t>MIGHT</a:t>
-            </a:r>
-            <a:r>
-              <a:rPr lang="en-US" sz="2000" dirty="0"/>
-              <a:t> be deprecated</a:t>
-            </a:r>
-          </a:p>
-          <a:p>
-            <a:pPr lvl="2"/>
-            <a:r>
-              <a:rPr lang="en-US" sz="1800" dirty="0"/>
-              <a:t>Survey sent to certain partners with overwhelming support for VS 2017 as IDE and okay with deprecation of VS 2013/2015 as IDE for web screen development</a:t>
-            </a:r>
-          </a:p>
-          <a:p>
-            <a:pPr lvl="2"/>
-            <a:r>
-              <a:rPr lang="en-US" sz="1800" dirty="0"/>
-              <a:t>Still in discussions with PM</a:t>
+              <a:t>Visual Studio 2013 and Visual Studio 2015 as targeted IDEs have been deprecated</a:t>
             </a:r>
           </a:p>
           <a:p>
@@ -4624,7 +4754,7 @@
         </p:blipFill>
         <p:spPr>
           <a:xfrm>
-            <a:off x="7446479" y="5174994"/>
+            <a:off x="7446478" y="3171691"/>
             <a:ext cx="3095238" cy="961905"/>
           </a:xfrm>
           <a:prstGeom prst="rect">
@@ -4654,7 +4784,7 @@
         </p:blipFill>
         <p:spPr>
           <a:xfrm>
-            <a:off x="4063644" y="5174994"/>
+            <a:off x="3895477" y="3024236"/>
             <a:ext cx="2428571" cy="809524"/>
           </a:xfrm>
           <a:prstGeom prst="rect">
@@ -4684,7 +4814,7 @@
         </p:blipFill>
         <p:spPr>
           <a:xfrm>
-            <a:off x="466022" y="4667246"/>
+            <a:off x="466020" y="2828835"/>
             <a:ext cx="2657143" cy="1647619"/>
           </a:xfrm>
           <a:prstGeom prst="rect">
@@ -4706,7 +4836,7 @@
         </p:nvSpPr>
         <p:spPr>
           <a:xfrm>
-            <a:off x="203347" y="4784189"/>
+            <a:off x="187837" y="2828835"/>
             <a:ext cx="3213511" cy="1200329"/>
           </a:xfrm>
           <a:prstGeom prst="rect">
@@ -4768,7 +4898,7 @@
         </p:nvSpPr>
         <p:spPr>
           <a:xfrm>
-            <a:off x="3688895" y="4936570"/>
+            <a:off x="3503008" y="2828834"/>
             <a:ext cx="3213511" cy="1200329"/>
           </a:xfrm>
           <a:prstGeom prst="rect">
@@ -4816,10 +4946,338 @@
           </a:p>
         </p:txBody>
       </p:sp>
+      <p:sp>
+        <p:nvSpPr>
+          <p:cNvPr id="10" name="Rectangle 9">
+            <a:extLst>
+              <a:ext uri="{FF2B5EF4-FFF2-40B4-BE49-F238E27FC236}">
+                <a16:creationId xmlns:a16="http://schemas.microsoft.com/office/drawing/2014/main" id="{178E2287-F26A-4AF5-B24E-0D5498B61952}"/>
+              </a:ext>
+            </a:extLst>
+          </p:cNvPr>
+          <p:cNvSpPr/>
+          <p:nvPr/>
+        </p:nvSpPr>
+        <p:spPr>
+          <a:xfrm>
+            <a:off x="187837" y="4099935"/>
+            <a:ext cx="3213511" cy="646331"/>
+          </a:xfrm>
+          <a:prstGeom prst="rect">
+            <a:avLst/>
+          </a:prstGeom>
+          <a:noFill/>
+          <a:effectLst>
+            <a:outerShdw blurRad="50800" dist="50800" dir="5400000" algn="ctr" rotWithShape="0">
+              <a:srgbClr val="000000">
+                <a:alpha val="74000"/>
+              </a:srgbClr>
+            </a:outerShdw>
+          </a:effectLst>
+        </p:spPr>
+        <p:txBody>
+          <a:bodyPr wrap="square" lIns="91440" tIns="45720" rIns="91440" bIns="45720">
+            <a:spAutoFit/>
+          </a:bodyPr>
+          <a:lstStyle/>
+          <a:p>
+            <a:pPr algn="ctr"/>
+            <a:r>
+              <a:rPr lang="en-US" sz="3600" b="1" dirty="0">
+                <a:ln w="12700">
+                  <a:solidFill>
+                    <a:schemeClr val="tx2">
+                      <a:lumMod val="75000"/>
+                    </a:schemeClr>
+                  </a:solidFill>
+                  <a:prstDash val="solid"/>
+                </a:ln>
+                <a:solidFill>
+                  <a:srgbClr val="7030A0"/>
+                </a:solidFill>
+                <a:effectLst>
+                  <a:outerShdw dist="38100" dir="2640000" algn="bl" rotWithShape="0">
+                    <a:schemeClr val="bg1"/>
+                  </a:outerShdw>
+                </a:effectLst>
+              </a:rPr>
+              <a:t>2013</a:t>
+            </a:r>
+            <a:endParaRPr lang="en-US" sz="3600" b="1" cap="none" spc="0" dirty="0">
+              <a:ln w="12700">
+                <a:solidFill>
+                  <a:schemeClr val="tx2">
+                    <a:lumMod val="75000"/>
+                  </a:schemeClr>
+                </a:solidFill>
+                <a:prstDash val="solid"/>
+              </a:ln>
+              <a:solidFill>
+                <a:srgbClr val="7030A0"/>
+              </a:solidFill>
+              <a:effectLst>
+                <a:outerShdw dist="38100" dir="2640000" algn="bl" rotWithShape="0">
+                  <a:schemeClr val="bg1"/>
+                </a:outerShdw>
+              </a:effectLst>
+            </a:endParaRPr>
+          </a:p>
+        </p:txBody>
+      </p:sp>
+      <p:sp>
+        <p:nvSpPr>
+          <p:cNvPr id="11" name="Rectangle 10">
+            <a:extLst>
+              <a:ext uri="{FF2B5EF4-FFF2-40B4-BE49-F238E27FC236}">
+                <a16:creationId xmlns:a16="http://schemas.microsoft.com/office/drawing/2014/main" id="{9D12B65A-C45A-4061-89DF-87FEAB5E3E6F}"/>
+              </a:ext>
+            </a:extLst>
+          </p:cNvPr>
+          <p:cNvSpPr/>
+          <p:nvPr/>
+        </p:nvSpPr>
+        <p:spPr>
+          <a:xfrm>
+            <a:off x="3503006" y="4099934"/>
+            <a:ext cx="3213511" cy="646331"/>
+          </a:xfrm>
+          <a:prstGeom prst="rect">
+            <a:avLst/>
+          </a:prstGeom>
+          <a:noFill/>
+          <a:effectLst>
+            <a:outerShdw blurRad="50800" dist="50800" dir="5400000" algn="ctr" rotWithShape="0">
+              <a:srgbClr val="000000">
+                <a:alpha val="74000"/>
+              </a:srgbClr>
+            </a:outerShdw>
+          </a:effectLst>
+        </p:spPr>
+        <p:txBody>
+          <a:bodyPr wrap="square" lIns="91440" tIns="45720" rIns="91440" bIns="45720">
+            <a:spAutoFit/>
+          </a:bodyPr>
+          <a:lstStyle/>
+          <a:p>
+            <a:pPr algn="ctr"/>
+            <a:r>
+              <a:rPr lang="en-US" sz="3600" b="1" dirty="0">
+                <a:ln w="12700">
+                  <a:solidFill>
+                    <a:schemeClr val="tx2">
+                      <a:lumMod val="75000"/>
+                    </a:schemeClr>
+                  </a:solidFill>
+                  <a:prstDash val="solid"/>
+                </a:ln>
+                <a:solidFill>
+                  <a:srgbClr val="7030A0"/>
+                </a:solidFill>
+                <a:effectLst>
+                  <a:outerShdw dist="38100" dir="2640000" algn="bl" rotWithShape="0">
+                    <a:schemeClr val="bg1"/>
+                  </a:outerShdw>
+                </a:effectLst>
+              </a:rPr>
+              <a:t>2015</a:t>
+            </a:r>
+            <a:endParaRPr lang="en-US" sz="3600" b="1" cap="none" spc="0" dirty="0">
+              <a:ln w="12700">
+                <a:solidFill>
+                  <a:schemeClr val="tx2">
+                    <a:lumMod val="75000"/>
+                  </a:schemeClr>
+                </a:solidFill>
+                <a:prstDash val="solid"/>
+              </a:ln>
+              <a:solidFill>
+                <a:srgbClr val="7030A0"/>
+              </a:solidFill>
+              <a:effectLst>
+                <a:outerShdw dist="38100" dir="2640000" algn="bl" rotWithShape="0">
+                  <a:schemeClr val="bg1"/>
+                </a:outerShdw>
+              </a:effectLst>
+            </a:endParaRPr>
+          </a:p>
+        </p:txBody>
+      </p:sp>
+      <p:sp>
+        <p:nvSpPr>
+          <p:cNvPr id="13" name="Rectangle 12">
+            <a:extLst>
+              <a:ext uri="{FF2B5EF4-FFF2-40B4-BE49-F238E27FC236}">
+                <a16:creationId xmlns:a16="http://schemas.microsoft.com/office/drawing/2014/main" id="{D4361630-84AB-465D-B553-BE950CE59B72}"/>
+              </a:ext>
+            </a:extLst>
+          </p:cNvPr>
+          <p:cNvSpPr/>
+          <p:nvPr/>
+        </p:nvSpPr>
+        <p:spPr>
+          <a:xfrm>
+            <a:off x="7387341" y="4099933"/>
+            <a:ext cx="3213511" cy="646331"/>
+          </a:xfrm>
+          <a:prstGeom prst="rect">
+            <a:avLst/>
+          </a:prstGeom>
+          <a:noFill/>
+          <a:effectLst>
+            <a:outerShdw blurRad="50800" dist="50800" dir="5400000" algn="ctr" rotWithShape="0">
+              <a:srgbClr val="000000">
+                <a:alpha val="74000"/>
+              </a:srgbClr>
+            </a:outerShdw>
+          </a:effectLst>
+        </p:spPr>
+        <p:txBody>
+          <a:bodyPr wrap="square" lIns="91440" tIns="45720" rIns="91440" bIns="45720">
+            <a:spAutoFit/>
+          </a:bodyPr>
+          <a:lstStyle/>
+          <a:p>
+            <a:pPr algn="ctr"/>
+            <a:r>
+              <a:rPr lang="en-US" sz="3600" b="1" dirty="0">
+                <a:ln w="12700">
+                  <a:solidFill>
+                    <a:schemeClr val="tx2">
+                      <a:lumMod val="75000"/>
+                    </a:schemeClr>
+                  </a:solidFill>
+                  <a:prstDash val="solid"/>
+                </a:ln>
+                <a:solidFill>
+                  <a:srgbClr val="7030A0"/>
+                </a:solidFill>
+                <a:effectLst>
+                  <a:outerShdw dist="38100" dir="2640000" algn="bl" rotWithShape="0">
+                    <a:schemeClr val="bg1"/>
+                  </a:outerShdw>
+                </a:effectLst>
+              </a:rPr>
+              <a:t>2017</a:t>
+            </a:r>
+            <a:endParaRPr lang="en-US" sz="3600" b="1" cap="none" spc="0" dirty="0">
+              <a:ln w="12700">
+                <a:solidFill>
+                  <a:schemeClr val="tx2">
+                    <a:lumMod val="75000"/>
+                  </a:schemeClr>
+                </a:solidFill>
+                <a:prstDash val="solid"/>
+              </a:ln>
+              <a:solidFill>
+                <a:srgbClr val="7030A0"/>
+              </a:solidFill>
+              <a:effectLst>
+                <a:outerShdw dist="38100" dir="2640000" algn="bl" rotWithShape="0">
+                  <a:schemeClr val="bg1"/>
+                </a:outerShdw>
+              </a:effectLst>
+            </a:endParaRPr>
+          </a:p>
+        </p:txBody>
+      </p:sp>
     </p:spTree>
     <p:extLst>
       <p:ext uri="{BB962C8B-B14F-4D97-AF65-F5344CB8AC3E}">
         <p14:creationId xmlns:p14="http://schemas.microsoft.com/office/powerpoint/2010/main" val="4132925335"/>
+      </p:ext>
+    </p:extLst>
+  </p:cSld>
+  <p:clrMapOvr>
+    <a:masterClrMapping/>
+  </p:clrMapOvr>
+</p:sld>
+</file>
+
+<file path=ppt/slides/slide4.xml><?xml version="1.0" encoding="utf-8"?>
+<p:sld xmlns:a="http://schemas.openxmlformats.org/drawingml/2006/main" xmlns:r="http://schemas.openxmlformats.org/officeDocument/2006/relationships" xmlns:p="http://schemas.openxmlformats.org/presentationml/2006/main">
+  <p:cSld>
+    <p:spTree>
+      <p:nvGrpSpPr>
+        <p:cNvPr id="1" name=""/>
+        <p:cNvGrpSpPr/>
+        <p:nvPr/>
+      </p:nvGrpSpPr>
+      <p:grpSpPr>
+        <a:xfrm>
+          <a:off x="0" y="0"/>
+          <a:ext cx="0" cy="0"/>
+          <a:chOff x="0" y="0"/>
+          <a:chExt cx="0" cy="0"/>
+        </a:xfrm>
+      </p:grpSpPr>
+      <p:sp>
+        <p:nvSpPr>
+          <p:cNvPr id="8" name="Title 7"/>
+          <p:cNvSpPr>
+            <a:spLocks noGrp="1"/>
+          </p:cNvSpPr>
+          <p:nvPr>
+            <p:ph type="title"/>
+          </p:nvPr>
+        </p:nvSpPr>
+        <p:spPr/>
+        <p:txBody>
+          <a:bodyPr/>
+          <a:lstStyle/>
+          <a:p>
+            <a:r>
+              <a:rPr lang="en-US" dirty="0"/>
+              <a:t>Defects Corrected</a:t>
+            </a:r>
+          </a:p>
+        </p:txBody>
+      </p:sp>
+      <p:sp>
+        <p:nvSpPr>
+          <p:cNvPr id="12" name="Content Placeholder 4"/>
+          <p:cNvSpPr>
+            <a:spLocks noGrp="1"/>
+          </p:cNvSpPr>
+          <p:nvPr>
+            <p:ph idx="1"/>
+          </p:nvPr>
+        </p:nvSpPr>
+        <p:spPr>
+          <a:xfrm>
+            <a:off x="466025" y="1366944"/>
+            <a:ext cx="11571077" cy="5008456"/>
+          </a:xfrm>
+        </p:spPr>
+        <p:txBody>
+          <a:bodyPr numCol="1"/>
+          <a:lstStyle/>
+          <a:p>
+            <a:pPr lvl="1"/>
+            <a:r>
+              <a:rPr lang="en-US" sz="2000" dirty="0"/>
+              <a:t>Code Generation Wizard</a:t>
+            </a:r>
+          </a:p>
+          <a:p>
+            <a:pPr lvl="2"/>
+            <a:r>
+              <a:rPr lang="en-US" sz="1800" dirty="0"/>
+              <a:t>Replaced invalid character ‘%’, if discovered, in property naming algorithm</a:t>
+            </a:r>
+          </a:p>
+          <a:p>
+            <a:pPr lvl="2"/>
+            <a:r>
+              <a:rPr lang="en-US" sz="1800" dirty="0"/>
+              <a:t>Add property name to user message if invalid, duplicate or blank properties discovered on Save action</a:t>
+            </a:r>
+          </a:p>
+        </p:txBody>
+      </p:sp>
+    </p:spTree>
+    <p:extLst>
+      <p:ext uri="{BB962C8B-B14F-4D97-AF65-F5344CB8AC3E}">
+        <p14:creationId xmlns:p14="http://schemas.microsoft.com/office/powerpoint/2010/main" val="2363019514"/>
       </p:ext>
     </p:extLst>
   </p:cSld>
@@ -4863,7 +5321,7 @@
           <a:p>
             <a:r>
               <a:rPr lang="en-US" dirty="0"/>
-              <a:t>Documentation</a:t>
+              <a:t>Samples</a:t>
             </a:r>
           </a:p>
         </p:txBody>
@@ -4880,8 +5338,8 @@
         </p:nvSpPr>
         <p:spPr>
           <a:xfrm>
-            <a:off x="466024" y="1366944"/>
-            <a:ext cx="10241599" cy="5008456"/>
+            <a:off x="466025" y="1366944"/>
+            <a:ext cx="11571077" cy="5008456"/>
           </a:xfrm>
         </p:spPr>
         <p:txBody>
@@ -4890,101 +5348,23 @@
           <a:p>
             <a:pPr lvl="1"/>
             <a:r>
-              <a:rPr lang="en-US" sz="2400" dirty="0"/>
-              <a:t>Upgrade Instructions for 2018.2 to 2019 in </a:t>
-            </a:r>
-            <a:r>
-              <a:rPr lang="en-US" sz="2400" b="1" dirty="0"/>
-              <a:t>docs\upgrades</a:t>
-            </a:r>
-          </a:p>
-          <a:p>
-            <a:pPr lvl="2"/>
-            <a:r>
-              <a:rPr lang="en-US" sz="2000" dirty="0">
-                <a:solidFill>
-                  <a:srgbClr val="FF0000"/>
-                </a:solidFill>
-              </a:rPr>
-              <a:t>In-progress</a:t>
+              <a:rPr lang="en-US" sz="2000" dirty="0"/>
+              <a:t>Added kendo.all.min.js to samples instead of requiring manual addition</a:t>
             </a:r>
           </a:p>
           <a:p>
             <a:pPr lvl="1"/>
             <a:r>
-              <a:rPr lang="en-US" sz="2400" dirty="0"/>
-              <a:t>New Sage300SDK_2019WebSDKOverview.pptx in </a:t>
-            </a:r>
-            <a:r>
-              <a:rPr lang="en-US" sz="2400" b="1" dirty="0"/>
-              <a:t>docs\presentations</a:t>
-            </a:r>
-          </a:p>
-          <a:p>
-            <a:pPr lvl="1"/>
-            <a:r>
-              <a:rPr lang="en-US" sz="2400" dirty="0"/>
-              <a:t>Updated Sage300SDK_MergeISVProject_Utility.docx in </a:t>
-            </a:r>
-            <a:r>
-              <a:rPr lang="en-US" sz="2400" b="1" dirty="0"/>
-              <a:t>docs\utilities</a:t>
-            </a:r>
-          </a:p>
-          <a:p>
-            <a:pPr lvl="2"/>
-            <a:r>
               <a:rPr lang="en-US" sz="2000" dirty="0"/>
-              <a:t>Added sections with detailed explanations of output folders</a:t>
-            </a:r>
-          </a:p>
-          <a:p>
-            <a:pPr lvl="2"/>
-            <a:r>
-              <a:rPr lang="en-US" sz="2000" dirty="0"/>
-              <a:t>Assists with identifying artifacts and locations for creating a partner installation</a:t>
-            </a:r>
-          </a:p>
-          <a:p>
-            <a:pPr lvl="1"/>
-            <a:r>
-              <a:rPr lang="en-US" sz="2400" dirty="0"/>
-              <a:t>KB:91472</a:t>
-            </a:r>
-          </a:p>
-          <a:p>
-            <a:pPr lvl="2"/>
-            <a:r>
-              <a:rPr lang="en-US" sz="2000" dirty="0"/>
-              <a:t>Using Visual Studio 2017 with Sage 300 2019 SDK</a:t>
-            </a:r>
-          </a:p>
-          <a:p>
-            <a:pPr lvl="1"/>
-            <a:r>
-              <a:rPr lang="en-US" sz="2400" dirty="0"/>
-              <a:t>KB:91473</a:t>
-            </a:r>
-          </a:p>
-          <a:p>
-            <a:pPr lvl="2"/>
-            <a:r>
-              <a:rPr lang="en-US" sz="2000" dirty="0"/>
-              <a:t>Writing SDK apps that do not require “Run As Administrator”</a:t>
-            </a:r>
-          </a:p>
-          <a:p>
-            <a:pPr marL="0" lvl="1" indent="0">
-              <a:buNone/>
-            </a:pPr>
-            <a:endParaRPr lang="en-US" sz="1800" dirty="0"/>
+              <a:t>Renamed solutions and web projects to include module in namespace</a:t>
+            </a:r>
           </a:p>
         </p:txBody>
       </p:sp>
     </p:spTree>
     <p:extLst>
       <p:ext uri="{BB962C8B-B14F-4D97-AF65-F5344CB8AC3E}">
-        <p14:creationId xmlns:p14="http://schemas.microsoft.com/office/powerpoint/2010/main" val="3846550886"/>
+        <p14:creationId xmlns:p14="http://schemas.microsoft.com/office/powerpoint/2010/main" val="2881651187"/>
       </p:ext>
     </p:extLst>
   </p:cSld>
@@ -5028,6 +5408,256 @@
           <a:p>
             <a:r>
               <a:rPr lang="en-US" dirty="0"/>
+              <a:t>New </a:t>
+            </a:r>
+            <a:r>
+              <a:rPr lang="en-US" dirty="0" err="1"/>
+              <a:t>ExternalContent</a:t>
+            </a:r>
+            <a:r>
+              <a:rPr lang="en-US"/>
+              <a:t> Folder</a:t>
+            </a:r>
+            <a:endParaRPr lang="en-US" dirty="0"/>
+          </a:p>
+        </p:txBody>
+      </p:sp>
+      <p:sp>
+        <p:nvSpPr>
+          <p:cNvPr id="12" name="Content Placeholder 4"/>
+          <p:cNvSpPr>
+            <a:spLocks noGrp="1"/>
+          </p:cNvSpPr>
+          <p:nvPr>
+            <p:ph idx="1"/>
+          </p:nvPr>
+        </p:nvSpPr>
+        <p:spPr>
+          <a:xfrm>
+            <a:off x="466025" y="1366944"/>
+            <a:ext cx="11571077" cy="5008456"/>
+          </a:xfrm>
+        </p:spPr>
+        <p:txBody>
+          <a:bodyPr numCol="1"/>
+          <a:lstStyle/>
+          <a:p>
+            <a:pPr lvl="1"/>
+            <a:r>
+              <a:rPr lang="en-US" sz="2000" dirty="0"/>
+              <a:t>Added kendo.all.min.js to samples instead of requiring manual addition</a:t>
+            </a:r>
+          </a:p>
+          <a:p>
+            <a:pPr lvl="1"/>
+            <a:r>
+              <a:rPr lang="en-US" sz="2000" dirty="0"/>
+              <a:t>Renamed solutions and web projects to include module in namespace</a:t>
+            </a:r>
+          </a:p>
+        </p:txBody>
+      </p:sp>
+    </p:spTree>
+    <p:extLst>
+      <p:ext uri="{BB962C8B-B14F-4D97-AF65-F5344CB8AC3E}">
+        <p14:creationId xmlns:p14="http://schemas.microsoft.com/office/powerpoint/2010/main" val="3135335648"/>
+      </p:ext>
+    </p:extLst>
+  </p:cSld>
+  <p:clrMapOvr>
+    <a:masterClrMapping/>
+  </p:clrMapOvr>
+</p:sld>
+</file>
+
+<file path=ppt/slides/slide7.xml><?xml version="1.0" encoding="utf-8"?>
+<p:sld xmlns:a="http://schemas.openxmlformats.org/drawingml/2006/main" xmlns:r="http://schemas.openxmlformats.org/officeDocument/2006/relationships" xmlns:p="http://schemas.openxmlformats.org/presentationml/2006/main">
+  <p:cSld>
+    <p:spTree>
+      <p:nvGrpSpPr>
+        <p:cNvPr id="1" name=""/>
+        <p:cNvGrpSpPr/>
+        <p:nvPr/>
+      </p:nvGrpSpPr>
+      <p:grpSpPr>
+        <a:xfrm>
+          <a:off x="0" y="0"/>
+          <a:ext cx="0" cy="0"/>
+          <a:chOff x="0" y="0"/>
+          <a:chExt cx="0" cy="0"/>
+        </a:xfrm>
+      </p:grpSpPr>
+      <p:sp>
+        <p:nvSpPr>
+          <p:cNvPr id="8" name="Title 7"/>
+          <p:cNvSpPr>
+            <a:spLocks noGrp="1"/>
+          </p:cNvSpPr>
+          <p:nvPr>
+            <p:ph type="title"/>
+          </p:nvPr>
+        </p:nvSpPr>
+        <p:spPr/>
+        <p:txBody>
+          <a:bodyPr/>
+          <a:lstStyle/>
+          <a:p>
+            <a:r>
+              <a:rPr lang="en-US" dirty="0"/>
+              <a:t>Documentation</a:t>
+            </a:r>
+          </a:p>
+        </p:txBody>
+      </p:sp>
+      <p:sp>
+        <p:nvSpPr>
+          <p:cNvPr id="12" name="Content Placeholder 4"/>
+          <p:cNvSpPr>
+            <a:spLocks noGrp="1"/>
+          </p:cNvSpPr>
+          <p:nvPr>
+            <p:ph idx="1"/>
+          </p:nvPr>
+        </p:nvSpPr>
+        <p:spPr>
+          <a:xfrm>
+            <a:off x="466024" y="1366944"/>
+            <a:ext cx="10241599" cy="5008456"/>
+          </a:xfrm>
+        </p:spPr>
+        <p:txBody>
+          <a:bodyPr numCol="1"/>
+          <a:lstStyle/>
+          <a:p>
+            <a:pPr lvl="1"/>
+            <a:r>
+              <a:rPr lang="en-US" sz="2400" dirty="0"/>
+              <a:t>Updated Upgrade Instructions for 2018.2 to 2019 in </a:t>
+            </a:r>
+            <a:r>
+              <a:rPr lang="en-US" sz="2400" b="1" dirty="0"/>
+              <a:t>docs\upgrades</a:t>
+            </a:r>
+          </a:p>
+          <a:p>
+            <a:pPr lvl="1"/>
+            <a:r>
+              <a:rPr lang="en-US" sz="2400" dirty="0"/>
+              <a:t>New Sage300SDK_2019WebSDKOverview.pptx in </a:t>
+            </a:r>
+            <a:r>
+              <a:rPr lang="en-US" sz="2400" b="1" dirty="0"/>
+              <a:t>docs\presentations</a:t>
+            </a:r>
+          </a:p>
+          <a:p>
+            <a:pPr lvl="1"/>
+            <a:r>
+              <a:rPr lang="en-US" sz="2400" dirty="0"/>
+              <a:t>Updated Sage300SDK_MergeISVProject_Utility.docx in </a:t>
+            </a:r>
+            <a:r>
+              <a:rPr lang="en-US" sz="2400" b="1" dirty="0"/>
+              <a:t>docs\utilities</a:t>
+            </a:r>
+          </a:p>
+          <a:p>
+            <a:pPr lvl="2"/>
+            <a:r>
+              <a:rPr lang="en-US" sz="2000" dirty="0"/>
+              <a:t>Added sections with detailed explanations of output folders</a:t>
+            </a:r>
+          </a:p>
+          <a:p>
+            <a:pPr lvl="2"/>
+            <a:r>
+              <a:rPr lang="en-US" sz="2000" dirty="0"/>
+              <a:t>Assists with identifying artifacts and locations for creating a partner installation</a:t>
+            </a:r>
+          </a:p>
+          <a:p>
+            <a:pPr lvl="1"/>
+            <a:r>
+              <a:rPr lang="en-US" sz="2400" dirty="0"/>
+              <a:t>KB:91472</a:t>
+            </a:r>
+          </a:p>
+          <a:p>
+            <a:pPr lvl="2"/>
+            <a:r>
+              <a:rPr lang="en-US" sz="2000" dirty="0"/>
+              <a:t>Using Visual Studio 2017 with Sage 300 2019 SDK</a:t>
+            </a:r>
+          </a:p>
+          <a:p>
+            <a:pPr lvl="1"/>
+            <a:r>
+              <a:rPr lang="en-US" sz="2400" dirty="0"/>
+              <a:t>KB:91473</a:t>
+            </a:r>
+          </a:p>
+          <a:p>
+            <a:pPr lvl="2"/>
+            <a:r>
+              <a:rPr lang="en-US" sz="2000" dirty="0"/>
+              <a:t>Writing SDK apps that do not require “Run As Administrator”</a:t>
+            </a:r>
+          </a:p>
+          <a:p>
+            <a:pPr marL="0" lvl="1" indent="0">
+              <a:buNone/>
+            </a:pPr>
+            <a:endParaRPr lang="en-US" sz="1800" dirty="0"/>
+          </a:p>
+        </p:txBody>
+      </p:sp>
+    </p:spTree>
+    <p:extLst>
+      <p:ext uri="{BB962C8B-B14F-4D97-AF65-F5344CB8AC3E}">
+        <p14:creationId xmlns:p14="http://schemas.microsoft.com/office/powerpoint/2010/main" val="3846550886"/>
+      </p:ext>
+    </p:extLst>
+  </p:cSld>
+  <p:clrMapOvr>
+    <a:masterClrMapping/>
+  </p:clrMapOvr>
+</p:sld>
+</file>
+
+<file path=ppt/slides/slide8.xml><?xml version="1.0" encoding="utf-8"?>
+<p:sld xmlns:a="http://schemas.openxmlformats.org/drawingml/2006/main" xmlns:r="http://schemas.openxmlformats.org/officeDocument/2006/relationships" xmlns:p="http://schemas.openxmlformats.org/presentationml/2006/main">
+  <p:cSld>
+    <p:spTree>
+      <p:nvGrpSpPr>
+        <p:cNvPr id="1" name=""/>
+        <p:cNvGrpSpPr/>
+        <p:nvPr/>
+      </p:nvGrpSpPr>
+      <p:grpSpPr>
+        <a:xfrm>
+          <a:off x="0" y="0"/>
+          <a:ext cx="0" cy="0"/>
+          <a:chOff x="0" y="0"/>
+          <a:chExt cx="0" cy="0"/>
+        </a:xfrm>
+      </p:grpSpPr>
+      <p:sp>
+        <p:nvSpPr>
+          <p:cNvPr id="8" name="Title 7"/>
+          <p:cNvSpPr>
+            <a:spLocks noGrp="1"/>
+          </p:cNvSpPr>
+          <p:nvPr>
+            <p:ph type="title"/>
+          </p:nvPr>
+        </p:nvSpPr>
+        <p:spPr/>
+        <p:txBody>
+          <a:bodyPr/>
+          <a:lstStyle/>
+          <a:p>
+            <a:r>
+              <a:rPr lang="en-US" dirty="0"/>
               <a:t>Global Files Updated to 2019</a:t>
             </a:r>
           </a:p>
@@ -5095,8 +5725,8 @@
 </p:sld>
 </file>
 
-<file path=ppt/slides/slide7.xml><?xml version="1.0" encoding="utf-8"?>
-<p:sld xmlns:a="http://schemas.openxmlformats.org/drawingml/2006/main" xmlns:r="http://schemas.openxmlformats.org/officeDocument/2006/relationships" xmlns:p="http://schemas.openxmlformats.org/presentationml/2006/main">
+<file path=ppt/slides/slide9.xml><?xml version="1.0" encoding="utf-8"?>
+<p:sld xmlns:a="http://schemas.openxmlformats.org/drawingml/2006/main" xmlns:r="http://schemas.openxmlformats.org/officeDocument/2006/relationships" xmlns:p="http://schemas.openxmlformats.org/presentationml/2006/main" show="0">
   <p:cSld>
     <p:spTree>
       <p:nvGrpSpPr>
@@ -5238,268 +5868,6 @@
     <p:extLst>
       <p:ext uri="{BB962C8B-B14F-4D97-AF65-F5344CB8AC3E}">
         <p14:creationId xmlns:p14="http://schemas.microsoft.com/office/powerpoint/2010/main" val="4142778071"/>
-      </p:ext>
-    </p:extLst>
-  </p:cSld>
-  <p:clrMapOvr>
-    <a:masterClrMapping/>
-  </p:clrMapOvr>
-</p:sld>
-</file>
-
-<file path=ppt/slides/slide8.xml><?xml version="1.0" encoding="utf-8"?>
-<p:sld xmlns:a="http://schemas.openxmlformats.org/drawingml/2006/main" xmlns:r="http://schemas.openxmlformats.org/officeDocument/2006/relationships" xmlns:p="http://schemas.openxmlformats.org/presentationml/2006/main">
-  <p:cSld>
-    <p:spTree>
-      <p:nvGrpSpPr>
-        <p:cNvPr id="1" name=""/>
-        <p:cNvGrpSpPr/>
-        <p:nvPr/>
-      </p:nvGrpSpPr>
-      <p:grpSpPr>
-        <a:xfrm>
-          <a:off x="0" y="0"/>
-          <a:ext cx="0" cy="0"/>
-          <a:chOff x="0" y="0"/>
-          <a:chExt cx="0" cy="0"/>
-        </a:xfrm>
-      </p:grpSpPr>
-      <p:sp>
-        <p:nvSpPr>
-          <p:cNvPr id="8" name="Title 7"/>
-          <p:cNvSpPr>
-            <a:spLocks noGrp="1"/>
-          </p:cNvSpPr>
-          <p:nvPr>
-            <p:ph type="title"/>
-          </p:nvPr>
-        </p:nvSpPr>
-        <p:spPr/>
-        <p:txBody>
-          <a:bodyPr/>
-          <a:lstStyle/>
-          <a:p>
-            <a:r>
-              <a:rPr lang="en-US" dirty="0"/>
-              <a:t>New!</a:t>
-            </a:r>
-          </a:p>
-        </p:txBody>
-      </p:sp>
-      <p:sp>
-        <p:nvSpPr>
-          <p:cNvPr id="12" name="Content Placeholder 4"/>
-          <p:cNvSpPr>
-            <a:spLocks noGrp="1"/>
-          </p:cNvSpPr>
-          <p:nvPr>
-            <p:ph idx="1"/>
-          </p:nvPr>
-        </p:nvSpPr>
-        <p:spPr>
-          <a:xfrm>
-            <a:off x="466025" y="1366944"/>
-            <a:ext cx="9917047" cy="5008456"/>
-          </a:xfrm>
-        </p:spPr>
-        <p:txBody>
-          <a:bodyPr numCol="1"/>
-          <a:lstStyle/>
-          <a:p>
-            <a:pPr lvl="1"/>
-            <a:r>
-              <a:rPr lang="en-US" sz="2400" dirty="0"/>
-              <a:t>Inquiry Wizard</a:t>
-            </a:r>
-          </a:p>
-          <a:p>
-            <a:pPr lvl="2"/>
-            <a:r>
-              <a:rPr lang="en-US" sz="2000" dirty="0"/>
-              <a:t>Used to create generic inquiry and adhoc inquiry metadata</a:t>
-            </a:r>
-          </a:p>
-          <a:p>
-            <a:pPr lvl="1"/>
-            <a:r>
-              <a:rPr lang="en-US" sz="2400" dirty="0"/>
-              <a:t>Global Search Wizard</a:t>
-            </a:r>
-          </a:p>
-          <a:p>
-            <a:pPr lvl="2"/>
-            <a:r>
-              <a:rPr lang="en-US" sz="2000" dirty="0"/>
-              <a:t>TBD</a:t>
-            </a:r>
-          </a:p>
-        </p:txBody>
-      </p:sp>
-    </p:spTree>
-    <p:extLst>
-      <p:ext uri="{BB962C8B-B14F-4D97-AF65-F5344CB8AC3E}">
-        <p14:creationId xmlns:p14="http://schemas.microsoft.com/office/powerpoint/2010/main" val="393289369"/>
-      </p:ext>
-    </p:extLst>
-  </p:cSld>
-  <p:clrMapOvr>
-    <a:masterClrMapping/>
-  </p:clrMapOvr>
-</p:sld>
-</file>
-
-<file path=ppt/slides/slide9.xml><?xml version="1.0" encoding="utf-8"?>
-<p:sld xmlns:a="http://schemas.openxmlformats.org/drawingml/2006/main" xmlns:r="http://schemas.openxmlformats.org/officeDocument/2006/relationships" xmlns:p="http://schemas.openxmlformats.org/presentationml/2006/main">
-  <p:cSld>
-    <p:spTree>
-      <p:nvGrpSpPr>
-        <p:cNvPr id="1" name=""/>
-        <p:cNvGrpSpPr/>
-        <p:nvPr/>
-      </p:nvGrpSpPr>
-      <p:grpSpPr>
-        <a:xfrm>
-          <a:off x="0" y="0"/>
-          <a:ext cx="0" cy="0"/>
-          <a:chOff x="0" y="0"/>
-          <a:chExt cx="0" cy="0"/>
-        </a:xfrm>
-      </p:grpSpPr>
-      <p:sp>
-        <p:nvSpPr>
-          <p:cNvPr id="8" name="Title 7"/>
-          <p:cNvSpPr>
-            <a:spLocks noGrp="1"/>
-          </p:cNvSpPr>
-          <p:nvPr>
-            <p:ph type="title"/>
-          </p:nvPr>
-        </p:nvSpPr>
-        <p:spPr/>
-        <p:txBody>
-          <a:bodyPr/>
-          <a:lstStyle/>
-          <a:p>
-            <a:r>
-              <a:rPr lang="en-US" dirty="0"/>
-              <a:t>Unit of Work Enhancement</a:t>
-            </a:r>
-          </a:p>
-        </p:txBody>
-      </p:sp>
-      <p:sp>
-        <p:nvSpPr>
-          <p:cNvPr id="12" name="Content Placeholder 4"/>
-          <p:cNvSpPr>
-            <a:spLocks noGrp="1"/>
-          </p:cNvSpPr>
-          <p:nvPr>
-            <p:ph idx="1"/>
-          </p:nvPr>
-        </p:nvSpPr>
-        <p:spPr>
-          <a:xfrm>
-            <a:off x="466025" y="1366944"/>
-            <a:ext cx="9917047" cy="5008456"/>
-          </a:xfrm>
-        </p:spPr>
-        <p:txBody>
-          <a:bodyPr numCol="1"/>
-          <a:lstStyle/>
-          <a:p>
-            <a:pPr lvl="1"/>
-            <a:r>
-              <a:rPr lang="en-US" sz="2400" dirty="0"/>
-              <a:t>ProcessUow base class’ OnExecute() method needed to be overridden to be able to set ResultObject</a:t>
-            </a:r>
-          </a:p>
-          <a:p>
-            <a:pPr lvl="2"/>
-            <a:r>
-              <a:rPr lang="en-US" sz="2000" dirty="0"/>
-              <a:t>Partner’s unable to see base class method without peeking into object to override</a:t>
-            </a:r>
-          </a:p>
-          <a:p>
-            <a:pPr lvl="2"/>
-            <a:r>
-              <a:rPr lang="en-US" sz="2000" dirty="0"/>
-              <a:t>Even 10 Sage process screens did this!</a:t>
-            </a:r>
-          </a:p>
-          <a:p>
-            <a:pPr lvl="1"/>
-            <a:r>
-              <a:rPr lang="en-US" sz="2400" dirty="0"/>
-              <a:t>New GetResultObject(T model) method can simply be implemented and no longer have to override OnExecute()</a:t>
-            </a:r>
-          </a:p>
-        </p:txBody>
-      </p:sp>
-      <p:pic>
-        <p:nvPicPr>
-          <p:cNvPr id="2" name="Picture 1">
-            <a:extLst>
-              <a:ext uri="{FF2B5EF4-FFF2-40B4-BE49-F238E27FC236}">
-                <a16:creationId xmlns:a16="http://schemas.microsoft.com/office/drawing/2014/main" id="{E47930E5-2B75-4916-8BF2-92A8CD26A87F}"/>
-              </a:ext>
-            </a:extLst>
-          </p:cNvPr>
-          <p:cNvPicPr>
-            <a:picLocks noChangeAspect="1"/>
-          </p:cNvPicPr>
-          <p:nvPr/>
-        </p:nvPicPr>
-        <p:blipFill>
-          <a:blip r:embed="rId3"/>
-          <a:stretch>
-            <a:fillRect/>
-          </a:stretch>
-        </p:blipFill>
-        <p:spPr>
-          <a:xfrm>
-            <a:off x="367162" y="4039338"/>
-            <a:ext cx="3840965" cy="2730062"/>
-          </a:xfrm>
-          <a:prstGeom prst="rect">
-            <a:avLst/>
-          </a:prstGeom>
-        </p:spPr>
-      </p:pic>
-      <p:pic>
-        <p:nvPicPr>
-          <p:cNvPr id="3" name="Picture 2">
-            <a:extLst>
-              <a:ext uri="{FF2B5EF4-FFF2-40B4-BE49-F238E27FC236}">
-                <a16:creationId xmlns:a16="http://schemas.microsoft.com/office/drawing/2014/main" id="{02DF468C-CE3C-4CAE-8F57-7898A775EAA9}"/>
-              </a:ext>
-            </a:extLst>
-          </p:cNvPr>
-          <p:cNvPicPr>
-            <a:picLocks noChangeAspect="1"/>
-          </p:cNvPicPr>
-          <p:nvPr/>
-        </p:nvPicPr>
-        <p:blipFill>
-          <a:blip r:embed="rId4"/>
-          <a:stretch>
-            <a:fillRect/>
-          </a:stretch>
-        </p:blipFill>
-        <p:spPr>
-          <a:xfrm>
-            <a:off x="4485365" y="4324404"/>
-            <a:ext cx="7339473" cy="2050996"/>
-          </a:xfrm>
-          <a:prstGeom prst="rect">
-            <a:avLst/>
-          </a:prstGeom>
-        </p:spPr>
-      </p:pic>
-    </p:spTree>
-    <p:extLst>
-      <p:ext uri="{BB962C8B-B14F-4D97-AF65-F5344CB8AC3E}">
-        <p14:creationId xmlns:p14="http://schemas.microsoft.com/office/powerpoint/2010/main" val="175324122"/>
       </p:ext>
     </p:extLst>
   </p:cSld>

--- a/docs/presentations/Sage300SDK_2019WebSDKOverview.pptx
+++ b/docs/presentations/Sage300SDK_2019WebSDKOverview.pptx
@@ -5,22 +5,25 @@
     <p:sldMasterId id="2147483660" r:id="rId1"/>
   </p:sldMasterIdLst>
   <p:notesMasterIdLst>
-    <p:notesMasterId r:id="rId15"/>
+    <p:notesMasterId r:id="rId18"/>
   </p:notesMasterIdLst>
   <p:sldIdLst>
     <p:sldId id="257" r:id="rId2"/>
     <p:sldId id="295" r:id="rId3"/>
     <p:sldId id="294" r:id="rId4"/>
-    <p:sldId id="259" r:id="rId5"/>
-    <p:sldId id="301" r:id="rId6"/>
-    <p:sldId id="302" r:id="rId7"/>
-    <p:sldId id="271" r:id="rId8"/>
-    <p:sldId id="273" r:id="rId9"/>
-    <p:sldId id="299" r:id="rId10"/>
-    <p:sldId id="300" r:id="rId11"/>
-    <p:sldId id="297" r:id="rId12"/>
-    <p:sldId id="298" r:id="rId13"/>
-    <p:sldId id="265" r:id="rId14"/>
+    <p:sldId id="302" r:id="rId5"/>
+    <p:sldId id="259" r:id="rId6"/>
+    <p:sldId id="306" r:id="rId7"/>
+    <p:sldId id="303" r:id="rId8"/>
+    <p:sldId id="304" r:id="rId9"/>
+    <p:sldId id="305" r:id="rId10"/>
+    <p:sldId id="301" r:id="rId11"/>
+    <p:sldId id="271" r:id="rId12"/>
+    <p:sldId id="299" r:id="rId13"/>
+    <p:sldId id="300" r:id="rId14"/>
+    <p:sldId id="297" r:id="rId15"/>
+    <p:sldId id="298" r:id="rId16"/>
+    <p:sldId id="265" r:id="rId17"/>
   </p:sldIdLst>
   <p:sldSz cx="12192000" cy="6858000"/>
   <p:notesSz cx="6858000" cy="9144000"/>
@@ -209,7 +212,7 @@
           <a:p>
             <a:fld id="{F8DE098C-C2B2-472C-9728-F51906A9149D}" type="datetimeFigureOut">
               <a:rPr lang="en-US" smtClean="0"/>
-              <a:t>8/14/2018</a:t>
+              <a:t>8/15/2018</a:t>
             </a:fld>
             <a:endParaRPr lang="en-US"/>
           </a:p>
@@ -748,7 +751,7 @@
     </p:spTree>
     <p:extLst>
       <p:ext uri="{BB962C8B-B14F-4D97-AF65-F5344CB8AC3E}">
-        <p14:creationId xmlns:p14="http://schemas.microsoft.com/office/powerpoint/2010/main" val="2789881261"/>
+        <p14:creationId xmlns:p14="http://schemas.microsoft.com/office/powerpoint/2010/main" val="3984031117"/>
       </p:ext>
     </p:extLst>
   </p:cSld>
@@ -889,7 +892,7 @@
     </p:spTree>
     <p:extLst>
       <p:ext uri="{BB962C8B-B14F-4D97-AF65-F5344CB8AC3E}">
-        <p14:creationId xmlns:p14="http://schemas.microsoft.com/office/powerpoint/2010/main" val="2222112418"/>
+        <p14:creationId xmlns:p14="http://schemas.microsoft.com/office/powerpoint/2010/main" val="3446995596"/>
       </p:ext>
     </p:extLst>
   </p:cSld>
@@ -1030,6 +1033,429 @@
     </p:spTree>
     <p:extLst>
       <p:ext uri="{BB962C8B-B14F-4D97-AF65-F5344CB8AC3E}">
+        <p14:creationId xmlns:p14="http://schemas.microsoft.com/office/powerpoint/2010/main" val="1942140452"/>
+      </p:ext>
+    </p:extLst>
+  </p:cSld>
+  <p:clrMapOvr>
+    <a:masterClrMapping/>
+  </p:clrMapOvr>
+</p:notes>
+</file>
+
+<file path=ppt/notesSlides/notesSlide13.xml><?xml version="1.0" encoding="utf-8"?>
+<p:notes xmlns:a="http://schemas.openxmlformats.org/drawingml/2006/main" xmlns:r="http://schemas.openxmlformats.org/officeDocument/2006/relationships" xmlns:p="http://schemas.openxmlformats.org/presentationml/2006/main">
+  <p:cSld>
+    <p:spTree>
+      <p:nvGrpSpPr>
+        <p:cNvPr id="1" name=""/>
+        <p:cNvGrpSpPr/>
+        <p:nvPr/>
+      </p:nvGrpSpPr>
+      <p:grpSpPr>
+        <a:xfrm>
+          <a:off x="0" y="0"/>
+          <a:ext cx="0" cy="0"/>
+          <a:chOff x="0" y="0"/>
+          <a:chExt cx="0" cy="0"/>
+        </a:xfrm>
+      </p:grpSpPr>
+      <p:sp>
+        <p:nvSpPr>
+          <p:cNvPr id="2" name="Slide Image Placeholder 1"/>
+          <p:cNvSpPr>
+            <a:spLocks noGrp="1" noRot="1" noChangeAspect="1"/>
+          </p:cNvSpPr>
+          <p:nvPr>
+            <p:ph type="sldImg"/>
+          </p:nvPr>
+        </p:nvSpPr>
+        <p:spPr/>
+      </p:sp>
+      <p:sp>
+        <p:nvSpPr>
+          <p:cNvPr id="3" name="Notes Placeholder 2"/>
+          <p:cNvSpPr>
+            <a:spLocks noGrp="1"/>
+          </p:cNvSpPr>
+          <p:nvPr>
+            <p:ph type="body" idx="1"/>
+          </p:nvPr>
+        </p:nvSpPr>
+        <p:spPr/>
+        <p:txBody>
+          <a:bodyPr/>
+          <a:lstStyle/>
+          <a:p>
+            <a:endParaRPr lang="en-US" dirty="0"/>
+          </a:p>
+          <a:p>
+            <a:endParaRPr lang="en-US" dirty="0"/>
+          </a:p>
+        </p:txBody>
+      </p:sp>
+      <p:sp>
+        <p:nvSpPr>
+          <p:cNvPr id="4" name="Slide Number Placeholder 3"/>
+          <p:cNvSpPr>
+            <a:spLocks noGrp="1"/>
+          </p:cNvSpPr>
+          <p:nvPr>
+            <p:ph type="sldNum" sz="quarter" idx="10"/>
+          </p:nvPr>
+        </p:nvSpPr>
+        <p:spPr/>
+        <p:txBody>
+          <a:bodyPr/>
+          <a:lstStyle/>
+          <a:p>
+            <a:pPr marL="0" marR="0" lvl="0" indent="0" defTabSz="914400" eaLnBrk="1" fontAlgn="auto" latinLnBrk="0" hangingPunct="1">
+              <a:lnSpc>
+                <a:spcPct val="100000"/>
+              </a:lnSpc>
+              <a:spcBef>
+                <a:spcPts val="0"/>
+              </a:spcBef>
+              <a:spcAft>
+                <a:spcPts val="0"/>
+              </a:spcAft>
+              <a:buClrTx/>
+              <a:buSzTx/>
+              <a:buFontTx/>
+              <a:buNone/>
+              <a:tabLst/>
+              <a:defRPr/>
+            </a:pPr>
+            <a:fld id="{AB69E77B-23F2-4D26-B3FA-6109AB5D8139}" type="slidenum">
+              <a:rPr kumimoji="0" lang="en-GB" sz="1800" b="0" i="0" u="none" strike="noStrike" kern="0" cap="none" spc="0" normalizeH="0" baseline="0" noProof="0" smtClean="0">
+                <a:ln>
+                  <a:noFill/>
+                </a:ln>
+                <a:solidFill>
+                  <a:prstClr val="black"/>
+                </a:solidFill>
+                <a:effectLst/>
+                <a:uLnTx/>
+                <a:uFillTx/>
+              </a:rPr>
+              <a:pPr marL="0" marR="0" lvl="0" indent="0" defTabSz="914400" eaLnBrk="1" fontAlgn="auto" latinLnBrk="0" hangingPunct="1">
+                <a:lnSpc>
+                  <a:spcPct val="100000"/>
+                </a:lnSpc>
+                <a:spcBef>
+                  <a:spcPts val="0"/>
+                </a:spcBef>
+                <a:spcAft>
+                  <a:spcPts val="0"/>
+                </a:spcAft>
+                <a:buClrTx/>
+                <a:buSzTx/>
+                <a:buFontTx/>
+                <a:buNone/>
+                <a:tabLst/>
+                <a:defRPr/>
+              </a:pPr>
+              <a:t>14</a:t>
+            </a:fld>
+            <a:endParaRPr kumimoji="0" lang="en-GB" sz="1800" b="0" i="0" u="none" strike="noStrike" kern="0" cap="none" spc="0" normalizeH="0" baseline="0" noProof="0">
+              <a:ln>
+                <a:noFill/>
+              </a:ln>
+              <a:solidFill>
+                <a:prstClr val="black"/>
+              </a:solidFill>
+              <a:effectLst/>
+              <a:uLnTx/>
+              <a:uFillTx/>
+            </a:endParaRPr>
+          </a:p>
+        </p:txBody>
+      </p:sp>
+    </p:spTree>
+    <p:extLst>
+      <p:ext uri="{BB962C8B-B14F-4D97-AF65-F5344CB8AC3E}">
+        <p14:creationId xmlns:p14="http://schemas.microsoft.com/office/powerpoint/2010/main" val="2789881261"/>
+      </p:ext>
+    </p:extLst>
+  </p:cSld>
+  <p:clrMapOvr>
+    <a:masterClrMapping/>
+  </p:clrMapOvr>
+</p:notes>
+</file>
+
+<file path=ppt/notesSlides/notesSlide14.xml><?xml version="1.0" encoding="utf-8"?>
+<p:notes xmlns:a="http://schemas.openxmlformats.org/drawingml/2006/main" xmlns:r="http://schemas.openxmlformats.org/officeDocument/2006/relationships" xmlns:p="http://schemas.openxmlformats.org/presentationml/2006/main">
+  <p:cSld>
+    <p:spTree>
+      <p:nvGrpSpPr>
+        <p:cNvPr id="1" name=""/>
+        <p:cNvGrpSpPr/>
+        <p:nvPr/>
+      </p:nvGrpSpPr>
+      <p:grpSpPr>
+        <a:xfrm>
+          <a:off x="0" y="0"/>
+          <a:ext cx="0" cy="0"/>
+          <a:chOff x="0" y="0"/>
+          <a:chExt cx="0" cy="0"/>
+        </a:xfrm>
+      </p:grpSpPr>
+      <p:sp>
+        <p:nvSpPr>
+          <p:cNvPr id="2" name="Slide Image Placeholder 1"/>
+          <p:cNvSpPr>
+            <a:spLocks noGrp="1" noRot="1" noChangeAspect="1"/>
+          </p:cNvSpPr>
+          <p:nvPr>
+            <p:ph type="sldImg"/>
+          </p:nvPr>
+        </p:nvSpPr>
+        <p:spPr/>
+      </p:sp>
+      <p:sp>
+        <p:nvSpPr>
+          <p:cNvPr id="3" name="Notes Placeholder 2"/>
+          <p:cNvSpPr>
+            <a:spLocks noGrp="1"/>
+          </p:cNvSpPr>
+          <p:nvPr>
+            <p:ph type="body" idx="1"/>
+          </p:nvPr>
+        </p:nvSpPr>
+        <p:spPr/>
+        <p:txBody>
+          <a:bodyPr/>
+          <a:lstStyle/>
+          <a:p>
+            <a:endParaRPr lang="en-US" dirty="0"/>
+          </a:p>
+          <a:p>
+            <a:endParaRPr lang="en-US" dirty="0"/>
+          </a:p>
+        </p:txBody>
+      </p:sp>
+      <p:sp>
+        <p:nvSpPr>
+          <p:cNvPr id="4" name="Slide Number Placeholder 3"/>
+          <p:cNvSpPr>
+            <a:spLocks noGrp="1"/>
+          </p:cNvSpPr>
+          <p:nvPr>
+            <p:ph type="sldNum" sz="quarter" idx="10"/>
+          </p:nvPr>
+        </p:nvSpPr>
+        <p:spPr/>
+        <p:txBody>
+          <a:bodyPr/>
+          <a:lstStyle/>
+          <a:p>
+            <a:pPr marL="0" marR="0" lvl="0" indent="0" defTabSz="914400" eaLnBrk="1" fontAlgn="auto" latinLnBrk="0" hangingPunct="1">
+              <a:lnSpc>
+                <a:spcPct val="100000"/>
+              </a:lnSpc>
+              <a:spcBef>
+                <a:spcPts val="0"/>
+              </a:spcBef>
+              <a:spcAft>
+                <a:spcPts val="0"/>
+              </a:spcAft>
+              <a:buClrTx/>
+              <a:buSzTx/>
+              <a:buFontTx/>
+              <a:buNone/>
+              <a:tabLst/>
+              <a:defRPr/>
+            </a:pPr>
+            <a:fld id="{AB69E77B-23F2-4D26-B3FA-6109AB5D8139}" type="slidenum">
+              <a:rPr kumimoji="0" lang="en-GB" sz="1800" b="0" i="0" u="none" strike="noStrike" kern="0" cap="none" spc="0" normalizeH="0" baseline="0" noProof="0" smtClean="0">
+                <a:ln>
+                  <a:noFill/>
+                </a:ln>
+                <a:solidFill>
+                  <a:prstClr val="black"/>
+                </a:solidFill>
+                <a:effectLst/>
+                <a:uLnTx/>
+                <a:uFillTx/>
+              </a:rPr>
+              <a:pPr marL="0" marR="0" lvl="0" indent="0" defTabSz="914400" eaLnBrk="1" fontAlgn="auto" latinLnBrk="0" hangingPunct="1">
+                <a:lnSpc>
+                  <a:spcPct val="100000"/>
+                </a:lnSpc>
+                <a:spcBef>
+                  <a:spcPts val="0"/>
+                </a:spcBef>
+                <a:spcAft>
+                  <a:spcPts val="0"/>
+                </a:spcAft>
+                <a:buClrTx/>
+                <a:buSzTx/>
+                <a:buFontTx/>
+                <a:buNone/>
+                <a:tabLst/>
+                <a:defRPr/>
+              </a:pPr>
+              <a:t>15</a:t>
+            </a:fld>
+            <a:endParaRPr kumimoji="0" lang="en-GB" sz="1800" b="0" i="0" u="none" strike="noStrike" kern="0" cap="none" spc="0" normalizeH="0" baseline="0" noProof="0">
+              <a:ln>
+                <a:noFill/>
+              </a:ln>
+              <a:solidFill>
+                <a:prstClr val="black"/>
+              </a:solidFill>
+              <a:effectLst/>
+              <a:uLnTx/>
+              <a:uFillTx/>
+            </a:endParaRPr>
+          </a:p>
+        </p:txBody>
+      </p:sp>
+    </p:spTree>
+    <p:extLst>
+      <p:ext uri="{BB962C8B-B14F-4D97-AF65-F5344CB8AC3E}">
+        <p14:creationId xmlns:p14="http://schemas.microsoft.com/office/powerpoint/2010/main" val="2222112418"/>
+      </p:ext>
+    </p:extLst>
+  </p:cSld>
+  <p:clrMapOvr>
+    <a:masterClrMapping/>
+  </p:clrMapOvr>
+</p:notes>
+</file>
+
+<file path=ppt/notesSlides/notesSlide15.xml><?xml version="1.0" encoding="utf-8"?>
+<p:notes xmlns:a="http://schemas.openxmlformats.org/drawingml/2006/main" xmlns:r="http://schemas.openxmlformats.org/officeDocument/2006/relationships" xmlns:p="http://schemas.openxmlformats.org/presentationml/2006/main">
+  <p:cSld>
+    <p:spTree>
+      <p:nvGrpSpPr>
+        <p:cNvPr id="1" name=""/>
+        <p:cNvGrpSpPr/>
+        <p:nvPr/>
+      </p:nvGrpSpPr>
+      <p:grpSpPr>
+        <a:xfrm>
+          <a:off x="0" y="0"/>
+          <a:ext cx="0" cy="0"/>
+          <a:chOff x="0" y="0"/>
+          <a:chExt cx="0" cy="0"/>
+        </a:xfrm>
+      </p:grpSpPr>
+      <p:sp>
+        <p:nvSpPr>
+          <p:cNvPr id="2" name="Slide Image Placeholder 1"/>
+          <p:cNvSpPr>
+            <a:spLocks noGrp="1" noRot="1" noChangeAspect="1"/>
+          </p:cNvSpPr>
+          <p:nvPr>
+            <p:ph type="sldImg"/>
+          </p:nvPr>
+        </p:nvSpPr>
+        <p:spPr/>
+      </p:sp>
+      <p:sp>
+        <p:nvSpPr>
+          <p:cNvPr id="3" name="Notes Placeholder 2"/>
+          <p:cNvSpPr>
+            <a:spLocks noGrp="1"/>
+          </p:cNvSpPr>
+          <p:nvPr>
+            <p:ph type="body" idx="1"/>
+          </p:nvPr>
+        </p:nvSpPr>
+        <p:spPr/>
+        <p:txBody>
+          <a:bodyPr/>
+          <a:lstStyle/>
+          <a:p>
+            <a:endParaRPr lang="en-US" dirty="0"/>
+          </a:p>
+          <a:p>
+            <a:endParaRPr lang="en-US" dirty="0"/>
+          </a:p>
+        </p:txBody>
+      </p:sp>
+      <p:sp>
+        <p:nvSpPr>
+          <p:cNvPr id="4" name="Slide Number Placeholder 3"/>
+          <p:cNvSpPr>
+            <a:spLocks noGrp="1"/>
+          </p:cNvSpPr>
+          <p:nvPr>
+            <p:ph type="sldNum" sz="quarter" idx="10"/>
+          </p:nvPr>
+        </p:nvSpPr>
+        <p:spPr/>
+        <p:txBody>
+          <a:bodyPr/>
+          <a:lstStyle/>
+          <a:p>
+            <a:pPr marL="0" marR="0" lvl="0" indent="0" defTabSz="914400" eaLnBrk="1" fontAlgn="auto" latinLnBrk="0" hangingPunct="1">
+              <a:lnSpc>
+                <a:spcPct val="100000"/>
+              </a:lnSpc>
+              <a:spcBef>
+                <a:spcPts val="0"/>
+              </a:spcBef>
+              <a:spcAft>
+                <a:spcPts val="0"/>
+              </a:spcAft>
+              <a:buClrTx/>
+              <a:buSzTx/>
+              <a:buFontTx/>
+              <a:buNone/>
+              <a:tabLst/>
+              <a:defRPr/>
+            </a:pPr>
+            <a:fld id="{AB69E77B-23F2-4D26-B3FA-6109AB5D8139}" type="slidenum">
+              <a:rPr kumimoji="0" lang="en-GB" sz="1800" b="0" i="0" u="none" strike="noStrike" kern="0" cap="none" spc="0" normalizeH="0" baseline="0" noProof="0" smtClean="0">
+                <a:ln>
+                  <a:noFill/>
+                </a:ln>
+                <a:solidFill>
+                  <a:prstClr val="black"/>
+                </a:solidFill>
+                <a:effectLst/>
+                <a:uLnTx/>
+                <a:uFillTx/>
+              </a:rPr>
+              <a:pPr marL="0" marR="0" lvl="0" indent="0" defTabSz="914400" eaLnBrk="1" fontAlgn="auto" latinLnBrk="0" hangingPunct="1">
+                <a:lnSpc>
+                  <a:spcPct val="100000"/>
+                </a:lnSpc>
+                <a:spcBef>
+                  <a:spcPts val="0"/>
+                </a:spcBef>
+                <a:spcAft>
+                  <a:spcPts val="0"/>
+                </a:spcAft>
+                <a:buClrTx/>
+                <a:buSzTx/>
+                <a:buFontTx/>
+                <a:buNone/>
+                <a:tabLst/>
+                <a:defRPr/>
+              </a:pPr>
+              <a:t>16</a:t>
+            </a:fld>
+            <a:endParaRPr kumimoji="0" lang="en-GB" sz="1800" b="0" i="0" u="none" strike="noStrike" kern="0" cap="none" spc="0" normalizeH="0" baseline="0" noProof="0">
+              <a:ln>
+                <a:noFill/>
+              </a:ln>
+              <a:solidFill>
+                <a:prstClr val="black"/>
+              </a:solidFill>
+              <a:effectLst/>
+              <a:uLnTx/>
+              <a:uFillTx/>
+            </a:endParaRPr>
+          </a:p>
+        </p:txBody>
+      </p:sp>
+    </p:spTree>
+    <p:extLst>
+      <p:ext uri="{BB962C8B-B14F-4D97-AF65-F5344CB8AC3E}">
         <p14:creationId xmlns:p14="http://schemas.microsoft.com/office/powerpoint/2010/main" val="250796128"/>
       </p:ext>
     </p:extLst>
@@ -1312,7 +1738,7 @@
     </p:spTree>
     <p:extLst>
       <p:ext uri="{BB962C8B-B14F-4D97-AF65-F5344CB8AC3E}">
-        <p14:creationId xmlns:p14="http://schemas.microsoft.com/office/powerpoint/2010/main" val="4047850685"/>
+        <p14:creationId xmlns:p14="http://schemas.microsoft.com/office/powerpoint/2010/main" val="1412807540"/>
       </p:ext>
     </p:extLst>
   </p:cSld>
@@ -1453,7 +1879,7 @@
     </p:spTree>
     <p:extLst>
       <p:ext uri="{BB962C8B-B14F-4D97-AF65-F5344CB8AC3E}">
-        <p14:creationId xmlns:p14="http://schemas.microsoft.com/office/powerpoint/2010/main" val="1840353148"/>
+        <p14:creationId xmlns:p14="http://schemas.microsoft.com/office/powerpoint/2010/main" val="4047850685"/>
       </p:ext>
     </p:extLst>
   </p:cSld>
@@ -1594,7 +2020,7 @@
     </p:spTree>
     <p:extLst>
       <p:ext uri="{BB962C8B-B14F-4D97-AF65-F5344CB8AC3E}">
-        <p14:creationId xmlns:p14="http://schemas.microsoft.com/office/powerpoint/2010/main" val="1412807540"/>
+        <p14:creationId xmlns:p14="http://schemas.microsoft.com/office/powerpoint/2010/main" val="1084987137"/>
       </p:ext>
     </p:extLst>
   </p:cSld>
@@ -1735,7 +2161,7 @@
     </p:spTree>
     <p:extLst>
       <p:ext uri="{BB962C8B-B14F-4D97-AF65-F5344CB8AC3E}">
-        <p14:creationId xmlns:p14="http://schemas.microsoft.com/office/powerpoint/2010/main" val="3984031117"/>
+        <p14:creationId xmlns:p14="http://schemas.microsoft.com/office/powerpoint/2010/main" val="1460372463"/>
       </p:ext>
     </p:extLst>
   </p:cSld>
@@ -1876,7 +2302,7 @@
     </p:spTree>
     <p:extLst>
       <p:ext uri="{BB962C8B-B14F-4D97-AF65-F5344CB8AC3E}">
-        <p14:creationId xmlns:p14="http://schemas.microsoft.com/office/powerpoint/2010/main" val="1209397364"/>
+        <p14:creationId xmlns:p14="http://schemas.microsoft.com/office/powerpoint/2010/main" val="472691096"/>
       </p:ext>
     </p:extLst>
   </p:cSld>
@@ -2017,7 +2443,7 @@
     </p:spTree>
     <p:extLst>
       <p:ext uri="{BB962C8B-B14F-4D97-AF65-F5344CB8AC3E}">
-        <p14:creationId xmlns:p14="http://schemas.microsoft.com/office/powerpoint/2010/main" val="3446995596"/>
+        <p14:creationId xmlns:p14="http://schemas.microsoft.com/office/powerpoint/2010/main" val="2021324200"/>
       </p:ext>
     </p:extLst>
   </p:cSld>
@@ -2158,7 +2584,7 @@
     </p:spTree>
     <p:extLst>
       <p:ext uri="{BB962C8B-B14F-4D97-AF65-F5344CB8AC3E}">
-        <p14:creationId xmlns:p14="http://schemas.microsoft.com/office/powerpoint/2010/main" val="1942140452"/>
+        <p14:creationId xmlns:p14="http://schemas.microsoft.com/office/powerpoint/2010/main" val="1840353148"/>
       </p:ext>
     </p:extLst>
   </p:cSld>
@@ -2264,7 +2690,7 @@
                 </a:solidFill>
               </a:rPr>
               <a:pPr/>
-              <a:t>2018/08/14</a:t>
+              <a:t>2018/08/15</a:t>
             </a:fld>
             <a:endParaRPr lang="en-US">
               <a:solidFill>
@@ -2569,7 +2995,7 @@
                 </a:solidFill>
               </a:rPr>
               <a:pPr/>
-              <a:t>2018/08/14</a:t>
+              <a:t>2018/08/15</a:t>
             </a:fld>
             <a:endParaRPr lang="en-US">
               <a:solidFill>
@@ -2806,7 +3232,7 @@
             <a:fld id="{EE1C84F4-270C-2249-89D9-A705BDADDAAB}" type="datetime1">
               <a:rPr lang="en-ZA" smtClean="0"/>
               <a:pPr/>
-              <a:t>2018/08/14</a:t>
+              <a:t>2018/08/15</a:t>
             </a:fld>
             <a:endParaRPr lang="en-US"/>
           </a:p>
@@ -3145,7 +3571,7 @@
             <a:fld id="{2AE6851E-022E-D141-8BE0-1745E9557F71}" type="datetime1">
               <a:rPr lang="en-ZA" smtClean="0"/>
               <a:pPr/>
-              <a:t>2018/08/14</a:t>
+              <a:t>2018/08/15</a:t>
             </a:fld>
             <a:endParaRPr lang="en-US"/>
           </a:p>
@@ -3769,6 +4195,432 @@
           <a:p>
             <a:r>
               <a:rPr lang="en-US" dirty="0"/>
+              <a:t>Samples</a:t>
+            </a:r>
+          </a:p>
+        </p:txBody>
+      </p:sp>
+      <p:sp>
+        <p:nvSpPr>
+          <p:cNvPr id="12" name="Content Placeholder 4"/>
+          <p:cNvSpPr>
+            <a:spLocks noGrp="1"/>
+          </p:cNvSpPr>
+          <p:nvPr>
+            <p:ph idx="1"/>
+          </p:nvPr>
+        </p:nvSpPr>
+        <p:spPr>
+          <a:xfrm>
+            <a:off x="466025" y="1366944"/>
+            <a:ext cx="11571077" cy="5008456"/>
+          </a:xfrm>
+        </p:spPr>
+        <p:txBody>
+          <a:bodyPr numCol="1"/>
+          <a:lstStyle/>
+          <a:p>
+            <a:pPr lvl="1"/>
+            <a:r>
+              <a:rPr lang="en-US" sz="2000" dirty="0"/>
+              <a:t>Added kendo.all.min.js to samples instead of requiring manual addition</a:t>
+            </a:r>
+          </a:p>
+          <a:p>
+            <a:pPr lvl="1"/>
+            <a:r>
+              <a:rPr lang="en-US" sz="2000" dirty="0"/>
+              <a:t>Renamed web projects to include module in namespace</a:t>
+            </a:r>
+          </a:p>
+          <a:p>
+            <a:pPr lvl="1"/>
+            <a:r>
+              <a:rPr lang="en-US" sz="2000" dirty="0"/>
+              <a:t>Defect Corrected</a:t>
+            </a:r>
+          </a:p>
+          <a:p>
+            <a:pPr lvl="2"/>
+            <a:r>
+              <a:rPr lang="en-US" sz="1600" dirty="0"/>
+              <a:t>In Receipt sample, renamed ‘YesNoValue’ property for optional fields to be ‘YesOrNoValue’</a:t>
+            </a:r>
+          </a:p>
+          <a:p>
+            <a:pPr lvl="2"/>
+            <a:r>
+              <a:rPr lang="en-US" sz="1600" dirty="0"/>
+              <a:t>Note: This field name is expected by the Optional Fields JavaScript framework (…</a:t>
+            </a:r>
+            <a:r>
+              <a:rPr lang="en-US" sz="1600" dirty="0" err="1"/>
+              <a:t>Common.OptionalFields</a:t>
+            </a:r>
+            <a:r>
+              <a:rPr lang="en-US" sz="1600" dirty="0"/>
+              <a:t>)</a:t>
+            </a:r>
+          </a:p>
+        </p:txBody>
+      </p:sp>
+    </p:spTree>
+    <p:extLst>
+      <p:ext uri="{BB962C8B-B14F-4D97-AF65-F5344CB8AC3E}">
+        <p14:creationId xmlns:p14="http://schemas.microsoft.com/office/powerpoint/2010/main" val="2881651187"/>
+      </p:ext>
+    </p:extLst>
+  </p:cSld>
+  <p:clrMapOvr>
+    <a:masterClrMapping/>
+  </p:clrMapOvr>
+</p:sld>
+</file>
+
+<file path=ppt/slides/slide11.xml><?xml version="1.0" encoding="utf-8"?>
+<p:sld xmlns:a="http://schemas.openxmlformats.org/drawingml/2006/main" xmlns:r="http://schemas.openxmlformats.org/officeDocument/2006/relationships" xmlns:p="http://schemas.openxmlformats.org/presentationml/2006/main">
+  <p:cSld>
+    <p:spTree>
+      <p:nvGrpSpPr>
+        <p:cNvPr id="1" name=""/>
+        <p:cNvGrpSpPr/>
+        <p:nvPr/>
+      </p:nvGrpSpPr>
+      <p:grpSpPr>
+        <a:xfrm>
+          <a:off x="0" y="0"/>
+          <a:ext cx="0" cy="0"/>
+          <a:chOff x="0" y="0"/>
+          <a:chExt cx="0" cy="0"/>
+        </a:xfrm>
+      </p:grpSpPr>
+      <p:sp>
+        <p:nvSpPr>
+          <p:cNvPr id="8" name="Title 7"/>
+          <p:cNvSpPr>
+            <a:spLocks noGrp="1"/>
+          </p:cNvSpPr>
+          <p:nvPr>
+            <p:ph type="title"/>
+          </p:nvPr>
+        </p:nvSpPr>
+        <p:spPr/>
+        <p:txBody>
+          <a:bodyPr/>
+          <a:lstStyle/>
+          <a:p>
+            <a:r>
+              <a:rPr lang="en-US" dirty="0"/>
+              <a:t>Documentation</a:t>
+            </a:r>
+          </a:p>
+        </p:txBody>
+      </p:sp>
+      <p:sp>
+        <p:nvSpPr>
+          <p:cNvPr id="12" name="Content Placeholder 4"/>
+          <p:cNvSpPr>
+            <a:spLocks noGrp="1"/>
+          </p:cNvSpPr>
+          <p:nvPr>
+            <p:ph idx="1"/>
+          </p:nvPr>
+        </p:nvSpPr>
+        <p:spPr>
+          <a:xfrm>
+            <a:off x="466024" y="1366944"/>
+            <a:ext cx="10241599" cy="5008456"/>
+          </a:xfrm>
+        </p:spPr>
+        <p:txBody>
+          <a:bodyPr numCol="1"/>
+          <a:lstStyle/>
+          <a:p>
+            <a:pPr lvl="1"/>
+            <a:r>
+              <a:rPr lang="en-US" sz="2400" dirty="0"/>
+              <a:t>Updated Upgrade Instructions for 2018.2 to 2019 in </a:t>
+            </a:r>
+            <a:r>
+              <a:rPr lang="en-US" sz="2400" b="1" dirty="0"/>
+              <a:t>docs\upgrades</a:t>
+            </a:r>
+          </a:p>
+          <a:p>
+            <a:pPr lvl="1"/>
+            <a:r>
+              <a:rPr lang="en-US" sz="2400" dirty="0"/>
+              <a:t>New Sage300SDK_2019WebSDKOverview.pptx in </a:t>
+            </a:r>
+            <a:r>
+              <a:rPr lang="en-US" sz="2400" b="1" dirty="0"/>
+              <a:t>docs\presentations</a:t>
+            </a:r>
+          </a:p>
+          <a:p>
+            <a:pPr lvl="1"/>
+            <a:r>
+              <a:rPr lang="en-US" sz="2400" dirty="0"/>
+              <a:t>Updated Sage300SDK_MergeISVProject_Utility.docx in </a:t>
+            </a:r>
+            <a:r>
+              <a:rPr lang="en-US" sz="2400" b="1" dirty="0"/>
+              <a:t>docs\utilities</a:t>
+            </a:r>
+          </a:p>
+          <a:p>
+            <a:pPr lvl="2"/>
+            <a:r>
+              <a:rPr lang="en-US" sz="2000" dirty="0"/>
+              <a:t>Updated section for deployment of ExternalContent folder</a:t>
+            </a:r>
+          </a:p>
+          <a:p>
+            <a:pPr lvl="1"/>
+            <a:r>
+              <a:rPr lang="en-US" sz="2400" dirty="0"/>
+              <a:t>New Sage300SDK_GlobalSearch.docx in </a:t>
+            </a:r>
+            <a:r>
+              <a:rPr lang="en-US" sz="2400" b="1" dirty="0"/>
+              <a:t>docs\development</a:t>
+            </a:r>
+          </a:p>
+          <a:p>
+            <a:pPr lvl="1"/>
+            <a:r>
+              <a:rPr lang="en-US" sz="2400" dirty="0"/>
+              <a:t>KB:91472</a:t>
+            </a:r>
+          </a:p>
+          <a:p>
+            <a:pPr lvl="2"/>
+            <a:r>
+              <a:rPr lang="en-US" sz="2000" dirty="0"/>
+              <a:t>Using Visual Studio 2017 with Sage 300 2019 SDK</a:t>
+            </a:r>
+          </a:p>
+          <a:p>
+            <a:pPr lvl="1"/>
+            <a:r>
+              <a:rPr lang="en-US" sz="2400" dirty="0"/>
+              <a:t>KB:91473</a:t>
+            </a:r>
+          </a:p>
+          <a:p>
+            <a:pPr lvl="2"/>
+            <a:r>
+              <a:rPr lang="en-US" sz="2000" dirty="0"/>
+              <a:t>Writing SDK apps that do not require “Run As Administrator”</a:t>
+            </a:r>
+          </a:p>
+          <a:p>
+            <a:pPr marL="0" lvl="1" indent="0">
+              <a:buNone/>
+            </a:pPr>
+            <a:endParaRPr lang="en-US" sz="1800" dirty="0"/>
+          </a:p>
+        </p:txBody>
+      </p:sp>
+    </p:spTree>
+    <p:extLst>
+      <p:ext uri="{BB962C8B-B14F-4D97-AF65-F5344CB8AC3E}">
+        <p14:creationId xmlns:p14="http://schemas.microsoft.com/office/powerpoint/2010/main" val="3846550886"/>
+      </p:ext>
+    </p:extLst>
+  </p:cSld>
+  <p:clrMapOvr>
+    <a:masterClrMapping/>
+  </p:clrMapOvr>
+</p:sld>
+</file>
+
+<file path=ppt/slides/slide12.xml><?xml version="1.0" encoding="utf-8"?>
+<p:sld xmlns:a="http://schemas.openxmlformats.org/drawingml/2006/main" xmlns:r="http://schemas.openxmlformats.org/officeDocument/2006/relationships" xmlns:p="http://schemas.openxmlformats.org/presentationml/2006/main" show="0">
+  <p:cSld>
+    <p:spTree>
+      <p:nvGrpSpPr>
+        <p:cNvPr id="1" name=""/>
+        <p:cNvGrpSpPr/>
+        <p:nvPr/>
+      </p:nvGrpSpPr>
+      <p:grpSpPr>
+        <a:xfrm>
+          <a:off x="0" y="0"/>
+          <a:ext cx="0" cy="0"/>
+          <a:chOff x="0" y="0"/>
+          <a:chExt cx="0" cy="0"/>
+        </a:xfrm>
+      </p:grpSpPr>
+      <p:sp>
+        <p:nvSpPr>
+          <p:cNvPr id="8" name="Title 7"/>
+          <p:cNvSpPr>
+            <a:spLocks noGrp="1"/>
+          </p:cNvSpPr>
+          <p:nvPr>
+            <p:ph type="title"/>
+          </p:nvPr>
+        </p:nvSpPr>
+        <p:spPr/>
+        <p:txBody>
+          <a:bodyPr/>
+          <a:lstStyle/>
+          <a:p>
+            <a:r>
+              <a:rPr lang="en-US" dirty="0"/>
+              <a:t>New!</a:t>
+            </a:r>
+          </a:p>
+        </p:txBody>
+      </p:sp>
+      <p:sp>
+        <p:nvSpPr>
+          <p:cNvPr id="12" name="Content Placeholder 4"/>
+          <p:cNvSpPr>
+            <a:spLocks noGrp="1"/>
+          </p:cNvSpPr>
+          <p:nvPr>
+            <p:ph idx="1"/>
+          </p:nvPr>
+        </p:nvSpPr>
+        <p:spPr>
+          <a:xfrm>
+            <a:off x="466026" y="1366944"/>
+            <a:ext cx="3107492" cy="5008456"/>
+          </a:xfrm>
+        </p:spPr>
+        <p:txBody>
+          <a:bodyPr numCol="1"/>
+          <a:lstStyle/>
+          <a:p>
+            <a:pPr lvl="1"/>
+            <a:r>
+              <a:rPr lang="en-US" sz="2400" dirty="0"/>
+              <a:t>Web Screen Proxy</a:t>
+            </a:r>
+          </a:p>
+          <a:p>
+            <a:pPr lvl="2"/>
+            <a:r>
+              <a:rPr lang="en-US" sz="2000" dirty="0"/>
+              <a:t>Installed with Sage 300 Web Screens</a:t>
+            </a:r>
+          </a:p>
+          <a:p>
+            <a:pPr lvl="2"/>
+            <a:r>
+              <a:rPr lang="en-US" sz="2000" dirty="0"/>
+              <a:t>Accepts Sage 300 credentials and URL</a:t>
+            </a:r>
+          </a:p>
+          <a:p>
+            <a:pPr lvl="3"/>
+            <a:r>
+              <a:rPr lang="en-US" sz="1800" dirty="0"/>
+              <a:t>URL does not contain base (protocol, server, etc.)</a:t>
+            </a:r>
+          </a:p>
+          <a:p>
+            <a:pPr lvl="3"/>
+            <a:r>
+              <a:rPr lang="en-US" sz="1800" dirty="0"/>
+              <a:t>Password is encrypted</a:t>
+            </a:r>
+          </a:p>
+          <a:p>
+            <a:pPr lvl="3"/>
+            <a:r>
+              <a:rPr lang="en-US" sz="1800" dirty="0"/>
+              <a:t>Cookie for performance and caching</a:t>
+            </a:r>
+          </a:p>
+          <a:p>
+            <a:pPr lvl="2"/>
+            <a:r>
+              <a:rPr lang="en-US" sz="2000" dirty="0"/>
+              <a:t>CRM is the first consumer of this service</a:t>
+            </a:r>
+          </a:p>
+        </p:txBody>
+      </p:sp>
+      <p:pic>
+        <p:nvPicPr>
+          <p:cNvPr id="3" name="Picture 2">
+            <a:extLst>
+              <a:ext uri="{FF2B5EF4-FFF2-40B4-BE49-F238E27FC236}">
+                <a16:creationId xmlns:a16="http://schemas.microsoft.com/office/drawing/2014/main" id="{3F08A527-B438-4EA1-ADDE-834537A35838}"/>
+              </a:ext>
+            </a:extLst>
+          </p:cNvPr>
+          <p:cNvPicPr>
+            <a:picLocks noChangeAspect="1"/>
+          </p:cNvPicPr>
+          <p:nvPr/>
+        </p:nvPicPr>
+        <p:blipFill>
+          <a:blip r:embed="rId3"/>
+          <a:stretch>
+            <a:fillRect/>
+          </a:stretch>
+        </p:blipFill>
+        <p:spPr>
+          <a:xfrm>
+            <a:off x="3595172" y="1317625"/>
+            <a:ext cx="8130802" cy="5057775"/>
+          </a:xfrm>
+          <a:prstGeom prst="rect">
+            <a:avLst/>
+          </a:prstGeom>
+        </p:spPr>
+      </p:pic>
+    </p:spTree>
+    <p:extLst>
+      <p:ext uri="{BB962C8B-B14F-4D97-AF65-F5344CB8AC3E}">
+        <p14:creationId xmlns:p14="http://schemas.microsoft.com/office/powerpoint/2010/main" val="4142778071"/>
+      </p:ext>
+    </p:extLst>
+  </p:cSld>
+  <p:clrMapOvr>
+    <a:masterClrMapping/>
+  </p:clrMapOvr>
+</p:sld>
+</file>
+
+<file path=ppt/slides/slide13.xml><?xml version="1.0" encoding="utf-8"?>
+<p:sld xmlns:a="http://schemas.openxmlformats.org/drawingml/2006/main" xmlns:r="http://schemas.openxmlformats.org/officeDocument/2006/relationships" xmlns:p="http://schemas.openxmlformats.org/presentationml/2006/main">
+  <p:cSld>
+    <p:spTree>
+      <p:nvGrpSpPr>
+        <p:cNvPr id="1" name=""/>
+        <p:cNvGrpSpPr/>
+        <p:nvPr/>
+      </p:nvGrpSpPr>
+      <p:grpSpPr>
+        <a:xfrm>
+          <a:off x="0" y="0"/>
+          <a:ext cx="0" cy="0"/>
+          <a:chOff x="0" y="0"/>
+          <a:chExt cx="0" cy="0"/>
+        </a:xfrm>
+      </p:grpSpPr>
+      <p:sp>
+        <p:nvSpPr>
+          <p:cNvPr id="8" name="Title 7"/>
+          <p:cNvSpPr>
+            <a:spLocks noGrp="1"/>
+          </p:cNvSpPr>
+          <p:nvPr>
+            <p:ph type="title"/>
+          </p:nvPr>
+        </p:nvSpPr>
+        <p:spPr/>
+        <p:txBody>
+          <a:bodyPr/>
+          <a:lstStyle/>
+          <a:p>
+            <a:r>
+              <a:rPr lang="en-US" dirty="0"/>
               <a:t>Unit of Work Enhancement</a:t>
             </a:r>
           </a:p>
@@ -3896,7 +4748,7 @@
 </p:sld>
 </file>
 
-<file path=ppt/slides/slide11.xml><?xml version="1.0" encoding="utf-8"?>
+<file path=ppt/slides/slide14.xml><?xml version="1.0" encoding="utf-8"?>
 <p:sld xmlns:a="http://schemas.openxmlformats.org/drawingml/2006/main" xmlns:r="http://schemas.openxmlformats.org/officeDocument/2006/relationships" xmlns:p="http://schemas.openxmlformats.org/presentationml/2006/main">
   <p:cSld>
     <p:spTree>
@@ -4125,7 +4977,7 @@
 </p:sld>
 </file>
 
-<file path=ppt/slides/slide12.xml><?xml version="1.0" encoding="utf-8"?>
+<file path=ppt/slides/slide15.xml><?xml version="1.0" encoding="utf-8"?>
 <p:sld xmlns:a="http://schemas.openxmlformats.org/drawingml/2006/main" xmlns:r="http://schemas.openxmlformats.org/officeDocument/2006/relationships" xmlns:p="http://schemas.openxmlformats.org/presentationml/2006/main">
   <p:cSld>
     <p:spTree>
@@ -4355,7 +5207,7 @@
 </p:sld>
 </file>
 
-<file path=ppt/slides/slide13.xml><?xml version="1.0" encoding="utf-8"?>
+<file path=ppt/slides/slide16.xml><?xml version="1.0" encoding="utf-8"?>
 <p:sld xmlns:a="http://schemas.openxmlformats.org/drawingml/2006/main" xmlns:r="http://schemas.openxmlformats.org/officeDocument/2006/relationships" xmlns:p="http://schemas.openxmlformats.org/presentationml/2006/main">
   <p:cSld>
     <p:spTree>
@@ -5227,7 +6079,7 @@
           <a:p>
             <a:r>
               <a:rPr lang="en-US" dirty="0"/>
-              <a:t>Defects Corrected</a:t>
+              <a:t>Solution Wizard</a:t>
             </a:r>
           </a:p>
         </p:txBody>
@@ -5255,21 +6107,114 @@
             <a:pPr lvl="1"/>
             <a:r>
               <a:rPr lang="en-US" sz="2000" dirty="0"/>
-              <a:t>Code Generation Wizard</a:t>
+              <a:t>New ‘ExternalContent’ Folder</a:t>
             </a:r>
           </a:p>
           <a:p>
             <a:pPr lvl="2"/>
             <a:r>
-              <a:rPr lang="en-US" sz="1800" dirty="0"/>
-              <a:t>Replaced invalid character ‘%’, if discovered, in property naming algorithm</a:t>
+              <a:rPr lang="en-US" sz="1600" dirty="0"/>
+              <a:t>Creates a location in the web project for external content folders and files</a:t>
+            </a:r>
+          </a:p>
+          <a:p>
+            <a:pPr lvl="3"/>
+            <a:r>
+              <a:rPr lang="en-US" sz="1400" dirty="0"/>
+              <a:t>Areas\{module}\ExternalContent</a:t>
             </a:r>
           </a:p>
           <a:p>
             <a:pPr lvl="2"/>
             <a:r>
-              <a:rPr lang="en-US" sz="1800" dirty="0"/>
-              <a:t>Add property name to user message if invalid, duplicate or blank properties discovered on Save action</a:t>
+              <a:rPr lang="en-US" sz="1600" dirty="0"/>
+              <a:t>bg_menu_{module}.jpg and icon_{module}.png will be created here. </a:t>
+            </a:r>
+          </a:p>
+          <a:p>
+            <a:pPr lvl="3"/>
+            <a:r>
+              <a:rPr lang="en-US" sz="1400" dirty="0"/>
+              <a:t>Formerly named menuBackGroundImage.jpg and menuIcon.png</a:t>
+            </a:r>
+          </a:p>
+          <a:p>
+            <a:pPr lvl="2"/>
+            <a:r>
+              <a:rPr lang="en-US" sz="1600" dirty="0"/>
+              <a:t>{module}menuDetails.xml to reference the new location</a:t>
+            </a:r>
+          </a:p>
+          <a:p>
+            <a:pPr lvl="3"/>
+            <a:r>
+              <a:rPr lang="en-US" sz="1400" dirty="0"/>
+              <a:t>../../../../Areas/{module}/ExternalContent/bg_menu_{module}.jpg</a:t>
+            </a:r>
+          </a:p>
+          <a:p>
+            <a:pPr lvl="3"/>
+            <a:r>
+              <a:rPr lang="en-US" sz="1400" dirty="0"/>
+              <a:t>../../../../Areas/{module}/ExternalContent/icon_{module}.png</a:t>
+            </a:r>
+          </a:p>
+          <a:p>
+            <a:pPr lvl="2"/>
+            <a:r>
+              <a:rPr lang="en-US" sz="1600" dirty="0"/>
+              <a:t>MergeISVProject to copy </a:t>
+            </a:r>
+            <a:r>
+              <a:rPr lang="en-US" sz="1600" dirty="0" err="1"/>
+              <a:t>ExternalFolder</a:t>
+            </a:r>
+            <a:r>
+              <a:rPr lang="en-US" sz="1600" dirty="0"/>
+              <a:t> to Staging, Compiled, and __READYTODEPLOY__ folders</a:t>
+            </a:r>
+          </a:p>
+          <a:p>
+            <a:pPr lvl="2"/>
+            <a:r>
+              <a:rPr lang="en-US" sz="1600" dirty="0"/>
+              <a:t>Upgrade Wizard to upgrade partner web project with changes</a:t>
+            </a:r>
+          </a:p>
+          <a:p>
+            <a:pPr lvl="2"/>
+            <a:r>
+              <a:rPr lang="en-US" sz="1600" dirty="0"/>
+              <a:t>Note: Partner installations must be modified to reflect new deployment folder</a:t>
+            </a:r>
+          </a:p>
+          <a:p>
+            <a:pPr lvl="3"/>
+            <a:r>
+              <a:rPr lang="en-US" sz="1400" dirty="0"/>
+              <a:t>Old location: ..\Online\Web\External\Content\Images\nav\{</a:t>
+            </a:r>
+            <a:r>
+              <a:rPr lang="en-US" sz="1400" dirty="0" err="1"/>
+              <a:t>partnername</a:t>
+            </a:r>
+            <a:r>
+              <a:rPr lang="en-US" sz="1400" dirty="0"/>
+              <a:t>}</a:t>
+            </a:r>
+          </a:p>
+          <a:p>
+            <a:pPr lvl="3"/>
+            <a:r>
+              <a:rPr lang="en-US" sz="1400" dirty="0"/>
+              <a:t>New location: ..\Online\Web\Areas\{module}\ExternalContent</a:t>
+            </a:r>
+          </a:p>
+          <a:p>
+            <a:pPr lvl="1"/>
+            <a:r>
+              <a:rPr lang="en-US" sz="2000" dirty="0"/>
+              <a:t>Global Files updated to 2019</a:t>
             </a:r>
           </a:p>
         </p:txBody>
@@ -5277,7 +6222,7 @@
     </p:spTree>
     <p:extLst>
       <p:ext uri="{BB962C8B-B14F-4D97-AF65-F5344CB8AC3E}">
-        <p14:creationId xmlns:p14="http://schemas.microsoft.com/office/powerpoint/2010/main" val="2363019514"/>
+        <p14:creationId xmlns:p14="http://schemas.microsoft.com/office/powerpoint/2010/main" val="3135335648"/>
       </p:ext>
     </p:extLst>
   </p:cSld>
@@ -5321,7 +6266,7 @@
           <a:p>
             <a:r>
               <a:rPr lang="en-US" dirty="0"/>
-              <a:t>Samples</a:t>
+              <a:t>Code Generation Wizard</a:t>
             </a:r>
           </a:p>
         </p:txBody>
@@ -5339,7 +6284,7 @@
         <p:spPr>
           <a:xfrm>
             <a:off x="466025" y="1366944"/>
-            <a:ext cx="11571077" cy="5008456"/>
+            <a:ext cx="11379134" cy="5125296"/>
           </a:xfrm>
         </p:spPr>
         <p:txBody>
@@ -5349,22 +6294,91 @@
             <a:pPr lvl="1"/>
             <a:r>
               <a:rPr lang="en-US" sz="2000" dirty="0"/>
-              <a:t>Added kendo.all.min.js to samples instead of requiring manual addition</a:t>
+              <a:t>Global Files updated to 2019</a:t>
             </a:r>
           </a:p>
           <a:p>
             <a:pPr lvl="1"/>
             <a:r>
               <a:rPr lang="en-US" sz="2000" dirty="0"/>
-              <a:t>Renamed solutions and web projects to include module in namespace</a:t>
-            </a:r>
-          </a:p>
-        </p:txBody>
-      </p:sp>
+              <a:t>Defects Corrected</a:t>
+            </a:r>
+          </a:p>
+          <a:p>
+            <a:pPr lvl="2"/>
+            <a:r>
+              <a:rPr lang="en-US" sz="1800" dirty="0"/>
+              <a:t>Replaced invalid character ‘%’, if discovered, in property naming algorithm</a:t>
+            </a:r>
+          </a:p>
+          <a:p>
+            <a:pPr lvl="2"/>
+            <a:r>
+              <a:rPr lang="en-US" sz="1800" dirty="0"/>
+              <a:t>Add property name to user message if invalid, duplicate or blank properties discovered on Save action</a:t>
+            </a:r>
+          </a:p>
+          <a:p>
+            <a:pPr lvl="2"/>
+            <a:r>
+              <a:rPr lang="en-US" sz="1800" dirty="0" err="1"/>
+              <a:t>ValidRecordFilter</a:t>
+            </a:r>
+            <a:r>
+              <a:rPr lang="en-US" sz="1800" dirty="0"/>
+              <a:t> in Repository</a:t>
+            </a:r>
+          </a:p>
+          <a:p>
+            <a:pPr lvl="3"/>
+            <a:r>
+              <a:rPr lang="en-US" sz="1600" dirty="0"/>
+              <a:t>Where a zero value key is legitimate, this filter may prevent proper CRUD</a:t>
+            </a:r>
+          </a:p>
+          <a:p>
+            <a:pPr lvl="3"/>
+            <a:r>
+              <a:rPr lang="en-US" sz="1600" dirty="0"/>
+              <a:t>Filter is still generated by wizard, but now commented with TODO statement for review</a:t>
+            </a:r>
+          </a:p>
+        </p:txBody>
+      </p:sp>
+      <p:pic>
+        <p:nvPicPr>
+          <p:cNvPr id="2" name="Picture 1">
+            <a:extLst>
+              <a:ext uri="{FF2B5EF4-FFF2-40B4-BE49-F238E27FC236}">
+                <a16:creationId xmlns:a16="http://schemas.microsoft.com/office/drawing/2014/main" id="{50F4E237-58AF-4C78-9704-3BD3D429CABF}"/>
+              </a:ext>
+            </a:extLst>
+          </p:cNvPr>
+          <p:cNvPicPr>
+            <a:picLocks noChangeAspect="1"/>
+          </p:cNvPicPr>
+          <p:nvPr/>
+        </p:nvPicPr>
+        <p:blipFill>
+          <a:blip r:embed="rId3"/>
+          <a:stretch>
+            <a:fillRect/>
+          </a:stretch>
+        </p:blipFill>
+        <p:spPr>
+          <a:xfrm>
+            <a:off x="1876917" y="4312329"/>
+            <a:ext cx="6352683" cy="2357453"/>
+          </a:xfrm>
+          <a:prstGeom prst="rect">
+            <a:avLst/>
+          </a:prstGeom>
+        </p:spPr>
+      </p:pic>
     </p:spTree>
     <p:extLst>
       <p:ext uri="{BB962C8B-B14F-4D97-AF65-F5344CB8AC3E}">
-        <p14:creationId xmlns:p14="http://schemas.microsoft.com/office/powerpoint/2010/main" val="2881651187"/>
+        <p14:creationId xmlns:p14="http://schemas.microsoft.com/office/powerpoint/2010/main" val="2363019514"/>
       </p:ext>
     </p:extLst>
   </p:cSld>
@@ -5408,17 +6422,8 @@
           <a:p>
             <a:r>
               <a:rPr lang="en-US" dirty="0"/>
-              <a:t>New </a:t>
-            </a:r>
-            <a:r>
-              <a:rPr lang="en-US" dirty="0" err="1"/>
-              <a:t>ExternalContent</a:t>
-            </a:r>
-            <a:r>
-              <a:rPr lang="en-US"/>
-              <a:t> Folder</a:t>
-            </a:r>
-            <a:endParaRPr lang="en-US" dirty="0"/>
+              <a:t>Code Generation Wizard</a:t>
+            </a:r>
           </a:p>
         </p:txBody>
       </p:sp>
@@ -5435,7 +6440,7 @@
         <p:spPr>
           <a:xfrm>
             <a:off x="466025" y="1366944"/>
-            <a:ext cx="11571077" cy="5008456"/>
+            <a:ext cx="11379134" cy="5125296"/>
           </a:xfrm>
         </p:spPr>
         <p:txBody>
@@ -5445,22 +6450,108 @@
             <a:pPr lvl="1"/>
             <a:r>
               <a:rPr lang="en-US" sz="2000" dirty="0"/>
-              <a:t>Added kendo.all.min.js to samples instead of requiring manual addition</a:t>
-            </a:r>
-          </a:p>
-          <a:p>
-            <a:pPr lvl="1"/>
-            <a:r>
-              <a:rPr lang="en-US" sz="2000" dirty="0"/>
-              <a:t>Renamed solutions and web projects to include module in namespace</a:t>
-            </a:r>
-          </a:p>
-        </p:txBody>
-      </p:sp>
+              <a:t>Defects Corrected</a:t>
+            </a:r>
+          </a:p>
+          <a:p>
+            <a:pPr lvl="2"/>
+            <a:r>
+              <a:rPr lang="en-US" sz="1800" dirty="0"/>
+              <a:t>Duplicate entries created in Web Bootstrapper class</a:t>
+            </a:r>
+          </a:p>
+          <a:p>
+            <a:pPr lvl="3"/>
+            <a:r>
+              <a:rPr lang="en-US" sz="1600" dirty="0"/>
+              <a:t>Corrected!</a:t>
+            </a:r>
+          </a:p>
+          <a:p>
+            <a:pPr lvl="2"/>
+            <a:r>
+              <a:rPr lang="en-US" sz="1800" dirty="0" err="1"/>
+              <a:t>Enums</a:t>
+            </a:r>
+            <a:r>
+              <a:rPr lang="en-US" sz="1800" dirty="0"/>
+              <a:t> in </a:t>
+            </a:r>
+            <a:r>
+              <a:rPr lang="en-US" sz="1800" dirty="0" err="1"/>
+              <a:t>ViewModel</a:t>
+            </a:r>
+            <a:r>
+              <a:rPr lang="en-US" sz="1800" dirty="0"/>
+              <a:t> must be manually changed to </a:t>
+            </a:r>
+            <a:r>
+              <a:rPr lang="en-US" sz="1800" dirty="0" err="1"/>
+              <a:t>IEnumerable</a:t>
+            </a:r>
+            <a:r>
+              <a:rPr lang="en-US" sz="1800" dirty="0"/>
+              <a:t>&lt;</a:t>
+            </a:r>
+            <a:r>
+              <a:rPr lang="en-US" sz="1800" dirty="0" err="1"/>
+              <a:t>CustomSelectList</a:t>
+            </a:r>
+            <a:r>
+              <a:rPr lang="en-US" sz="1800" dirty="0"/>
+              <a:t>&gt; for Kendo binding</a:t>
+            </a:r>
+          </a:p>
+          <a:p>
+            <a:pPr lvl="3"/>
+            <a:r>
+              <a:rPr lang="en-US" sz="1600" dirty="0"/>
+              <a:t>Wizard now generates proper statement</a:t>
+            </a:r>
+          </a:p>
+          <a:p>
+            <a:pPr lvl="3"/>
+            <a:r>
+              <a:rPr lang="en-US" sz="1600" dirty="0"/>
+              <a:t>Note: Existing partner code will not be modified to reflect this change</a:t>
+            </a:r>
+          </a:p>
+        </p:txBody>
+      </p:sp>
+      <p:pic>
+        <p:nvPicPr>
+          <p:cNvPr id="3" name="Picture 2">
+            <a:extLst>
+              <a:ext uri="{FF2B5EF4-FFF2-40B4-BE49-F238E27FC236}">
+                <a16:creationId xmlns:a16="http://schemas.microsoft.com/office/drawing/2014/main" id="{3A17AC95-FE03-4359-8F1C-3AACFF930550}"/>
+              </a:ext>
+            </a:extLst>
+          </p:cNvPr>
+          <p:cNvPicPr>
+            <a:picLocks noChangeAspect="1"/>
+          </p:cNvPicPr>
+          <p:nvPr/>
+        </p:nvPicPr>
+        <p:blipFill>
+          <a:blip r:embed="rId3"/>
+          <a:stretch>
+            <a:fillRect/>
+          </a:stretch>
+        </p:blipFill>
+        <p:spPr>
+          <a:xfrm>
+            <a:off x="2161682" y="3869158"/>
+            <a:ext cx="5724525" cy="1371600"/>
+          </a:xfrm>
+          <a:prstGeom prst="rect">
+            <a:avLst/>
+          </a:prstGeom>
+        </p:spPr>
+      </p:pic>
     </p:spTree>
     <p:extLst>
       <p:ext uri="{BB962C8B-B14F-4D97-AF65-F5344CB8AC3E}">
-        <p14:creationId xmlns:p14="http://schemas.microsoft.com/office/powerpoint/2010/main" val="3135335648"/>
+        <p14:creationId xmlns:p14="http://schemas.microsoft.com/office/powerpoint/2010/main" val="395666420"/>
       </p:ext>
     </p:extLst>
   </p:cSld>
@@ -5504,7 +6595,7 @@
           <a:p>
             <a:r>
               <a:rPr lang="en-US" dirty="0"/>
-              <a:t>Documentation</a:t>
+              <a:t>Customization Wizard</a:t>
             </a:r>
           </a:p>
         </p:txBody>
@@ -5521,8 +6612,8 @@
         </p:nvSpPr>
         <p:spPr>
           <a:xfrm>
-            <a:off x="466024" y="1366944"/>
-            <a:ext cx="10241599" cy="5008456"/>
+            <a:off x="466025" y="1366944"/>
+            <a:ext cx="11571077" cy="5008456"/>
           </a:xfrm>
         </p:spPr>
         <p:txBody>
@@ -5531,90 +6622,16 @@
           <a:p>
             <a:pPr lvl="1"/>
             <a:r>
-              <a:rPr lang="en-US" sz="2400" dirty="0"/>
-              <a:t>Updated Upgrade Instructions for 2018.2 to 2019 in </a:t>
-            </a:r>
-            <a:r>
-              <a:rPr lang="en-US" sz="2400" b="1" dirty="0"/>
-              <a:t>docs\upgrades</a:t>
-            </a:r>
-          </a:p>
-          <a:p>
-            <a:pPr lvl="1"/>
-            <a:r>
-              <a:rPr lang="en-US" sz="2400" dirty="0"/>
-              <a:t>New Sage300SDK_2019WebSDKOverview.pptx in </a:t>
-            </a:r>
-            <a:r>
-              <a:rPr lang="en-US" sz="2400" b="1" dirty="0"/>
-              <a:t>docs\presentations</a:t>
-            </a:r>
-          </a:p>
-          <a:p>
-            <a:pPr lvl="1"/>
-            <a:r>
-              <a:rPr lang="en-US" sz="2400" dirty="0"/>
-              <a:t>Updated Sage300SDK_MergeISVProject_Utility.docx in </a:t>
-            </a:r>
-            <a:r>
-              <a:rPr lang="en-US" sz="2400" b="1" dirty="0"/>
-              <a:t>docs\utilities</a:t>
-            </a:r>
-          </a:p>
-          <a:p>
-            <a:pPr lvl="2"/>
-            <a:r>
               <a:rPr lang="en-US" sz="2000" dirty="0"/>
-              <a:t>Added sections with detailed explanations of output folders</a:t>
-            </a:r>
-          </a:p>
-          <a:p>
-            <a:pPr lvl="2"/>
-            <a:r>
-              <a:rPr lang="en-US" sz="2000" dirty="0"/>
-              <a:t>Assists with identifying artifacts and locations for creating a partner installation</a:t>
-            </a:r>
-          </a:p>
-          <a:p>
-            <a:pPr lvl="1"/>
-            <a:r>
-              <a:rPr lang="en-US" sz="2400" dirty="0"/>
-              <a:t>KB:91472</a:t>
-            </a:r>
-          </a:p>
-          <a:p>
-            <a:pPr lvl="2"/>
-            <a:r>
-              <a:rPr lang="en-US" sz="2000" dirty="0"/>
-              <a:t>Using Visual Studio 2017 with Sage 300 2019 SDK</a:t>
-            </a:r>
-          </a:p>
-          <a:p>
-            <a:pPr lvl="1"/>
-            <a:r>
-              <a:rPr lang="en-US" sz="2400" dirty="0"/>
-              <a:t>KB:91473</a:t>
-            </a:r>
-          </a:p>
-          <a:p>
-            <a:pPr lvl="2"/>
-            <a:r>
-              <a:rPr lang="en-US" sz="2000" dirty="0"/>
-              <a:t>Writing SDK apps that do not require “Run As Administrator”</a:t>
-            </a:r>
-          </a:p>
-          <a:p>
-            <a:pPr marL="0" lvl="1" indent="0">
-              <a:buNone/>
-            </a:pPr>
-            <a:endParaRPr lang="en-US" sz="1800" dirty="0"/>
+              <a:t>Global Files updated to 2019</a:t>
+            </a:r>
           </a:p>
         </p:txBody>
       </p:sp>
     </p:spTree>
     <p:extLst>
       <p:ext uri="{BB962C8B-B14F-4D97-AF65-F5344CB8AC3E}">
-        <p14:creationId xmlns:p14="http://schemas.microsoft.com/office/powerpoint/2010/main" val="3846550886"/>
+        <p14:creationId xmlns:p14="http://schemas.microsoft.com/office/powerpoint/2010/main" val="1510465130"/>
       </p:ext>
     </p:extLst>
   </p:cSld>
@@ -5658,7 +6675,7 @@
           <a:p>
             <a:r>
               <a:rPr lang="en-US" dirty="0"/>
-              <a:t>Global Files Updated to 2019</a:t>
+              <a:t>Upgrade Wizard</a:t>
             </a:r>
           </a:p>
         </p:txBody>
@@ -5676,7 +6693,7 @@
         <p:spPr>
           <a:xfrm>
             <a:off x="466025" y="1366944"/>
-            <a:ext cx="9917047" cy="5008456"/>
+            <a:ext cx="11571077" cy="5008456"/>
           </a:xfrm>
         </p:spPr>
         <p:txBody>
@@ -5685,29 +6702,8 @@
           <a:p>
             <a:pPr lvl="1"/>
             <a:r>
-              <a:rPr lang="en-US" sz="2400" dirty="0"/>
-              <a:t>Solution Wizard</a:t>
-            </a:r>
-          </a:p>
-          <a:p>
-            <a:pPr lvl="1"/>
-            <a:r>
-              <a:rPr lang="en-US" sz="2400" dirty="0"/>
-              <a:t>Code Generation Wizard</a:t>
-            </a:r>
-          </a:p>
-          <a:p>
-            <a:pPr lvl="1"/>
-            <a:r>
-              <a:rPr lang="en-US" sz="2400" dirty="0"/>
-              <a:t>Customization Wizard</a:t>
-            </a:r>
-          </a:p>
-          <a:p>
-            <a:pPr lvl="1"/>
-            <a:r>
-              <a:rPr lang="en-US" sz="2400" dirty="0"/>
-              <a:t>Upgrade Wizard</a:t>
+              <a:rPr lang="en-US" sz="2000" dirty="0"/>
+              <a:t>Global Files updated to 2019</a:t>
             </a:r>
           </a:p>
         </p:txBody>
@@ -5715,7 +6711,7 @@
     </p:spTree>
     <p:extLst>
       <p:ext uri="{BB962C8B-B14F-4D97-AF65-F5344CB8AC3E}">
-        <p14:creationId xmlns:p14="http://schemas.microsoft.com/office/powerpoint/2010/main" val="934146181"/>
+        <p14:creationId xmlns:p14="http://schemas.microsoft.com/office/powerpoint/2010/main" val="1884201605"/>
       </p:ext>
     </p:extLst>
   </p:cSld>
@@ -5726,7 +6722,7 @@
 </file>
 
 <file path=ppt/slides/slide9.xml><?xml version="1.0" encoding="utf-8"?>
-<p:sld xmlns:a="http://schemas.openxmlformats.org/drawingml/2006/main" xmlns:r="http://schemas.openxmlformats.org/officeDocument/2006/relationships" xmlns:p="http://schemas.openxmlformats.org/presentationml/2006/main" show="0">
+<p:sld xmlns:a="http://schemas.openxmlformats.org/drawingml/2006/main" xmlns:r="http://schemas.openxmlformats.org/officeDocument/2006/relationships" xmlns:p="http://schemas.openxmlformats.org/presentationml/2006/main">
   <p:cSld>
     <p:spTree>
       <p:nvGrpSpPr>
@@ -5759,7 +6755,7 @@
           <a:p>
             <a:r>
               <a:rPr lang="en-US" dirty="0"/>
-              <a:t>New!</a:t>
+              <a:t>Inquiry Configuration Wizard</a:t>
             </a:r>
           </a:p>
         </p:txBody>
@@ -5776,8 +6772,8 @@
         </p:nvSpPr>
         <p:spPr>
           <a:xfrm>
-            <a:off x="466026" y="1366944"/>
-            <a:ext cx="3107492" cy="5008456"/>
+            <a:off x="466025" y="1366944"/>
+            <a:ext cx="11571077" cy="5008456"/>
           </a:xfrm>
         </p:spPr>
         <p:txBody>
@@ -5786,88 +6782,23 @@
           <a:p>
             <a:pPr lvl="1"/>
             <a:r>
-              <a:rPr lang="en-US" sz="2400" dirty="0"/>
-              <a:t>Web Screen Proxy</a:t>
-            </a:r>
-          </a:p>
-          <a:p>
-            <a:pPr lvl="2"/>
-            <a:r>
               <a:rPr lang="en-US" sz="2000" dirty="0"/>
-              <a:t>Installed with Sage 300 Web Screens</a:t>
-            </a:r>
-          </a:p>
-          <a:p>
-            <a:pPr lvl="2"/>
+              <a:t>Delayed until 2019.1</a:t>
+            </a:r>
+          </a:p>
+          <a:p>
+            <a:pPr lvl="1"/>
             <a:r>
               <a:rPr lang="en-US" sz="2000" dirty="0"/>
-              <a:t>Accepts Sage 300 credentials and URL</a:t>
-            </a:r>
-          </a:p>
-          <a:p>
-            <a:pPr lvl="3"/>
-            <a:r>
-              <a:rPr lang="en-US" sz="1800" dirty="0"/>
-              <a:t>URL does not contain base (protocol, server, etc.)</a:t>
-            </a:r>
-          </a:p>
-          <a:p>
-            <a:pPr lvl="3"/>
-            <a:r>
-              <a:rPr lang="en-US" sz="1800" dirty="0"/>
-              <a:t>Password is encrypted</a:t>
-            </a:r>
-          </a:p>
-          <a:p>
-            <a:pPr lvl="3"/>
-            <a:r>
-              <a:rPr lang="en-US" sz="1800" dirty="0"/>
-              <a:t>Cookie for performance and caching</a:t>
-            </a:r>
-          </a:p>
-          <a:p>
-            <a:pPr lvl="2"/>
-            <a:r>
-              <a:rPr lang="en-US" sz="2000" dirty="0"/>
-              <a:t>CRM is the first consumer of this service</a:t>
-            </a:r>
-          </a:p>
-        </p:txBody>
-      </p:sp>
-      <p:pic>
-        <p:nvPicPr>
-          <p:cNvPr id="3" name="Picture 2">
-            <a:extLst>
-              <a:ext uri="{FF2B5EF4-FFF2-40B4-BE49-F238E27FC236}">
-                <a16:creationId xmlns:a16="http://schemas.microsoft.com/office/drawing/2014/main" id="{3F08A527-B438-4EA1-ADDE-834537A35838}"/>
-              </a:ext>
-            </a:extLst>
-          </p:cNvPr>
-          <p:cNvPicPr>
-            <a:picLocks noChangeAspect="1"/>
-          </p:cNvPicPr>
-          <p:nvPr/>
-        </p:nvPicPr>
-        <p:blipFill>
-          <a:blip r:embed="rId3"/>
-          <a:stretch>
-            <a:fillRect/>
-          </a:stretch>
-        </p:blipFill>
-        <p:spPr>
-          <a:xfrm>
-            <a:off x="3595172" y="1317625"/>
-            <a:ext cx="8130802" cy="5057775"/>
-          </a:xfrm>
-          <a:prstGeom prst="rect">
-            <a:avLst/>
-          </a:prstGeom>
-        </p:spPr>
-      </p:pic>
+              <a:t>Wizard allows for the creation of metadata to drive generic inquiry and adhoc inquiry displays</a:t>
+            </a:r>
+          </a:p>
+        </p:txBody>
+      </p:sp>
     </p:spTree>
     <p:extLst>
       <p:ext uri="{BB962C8B-B14F-4D97-AF65-F5344CB8AC3E}">
-        <p14:creationId xmlns:p14="http://schemas.microsoft.com/office/powerpoint/2010/main" val="4142778071"/>
+        <p14:creationId xmlns:p14="http://schemas.microsoft.com/office/powerpoint/2010/main" val="1664025022"/>
       </p:ext>
     </p:extLst>
   </p:cSld>

--- a/docs/presentations/Sage300SDK_2019WebSDKOverview.pptx
+++ b/docs/presentations/Sage300SDK_2019WebSDKOverview.pptx
@@ -5,12 +5,12 @@
     <p:sldMasterId id="2147483660" r:id="rId1"/>
   </p:sldMasterIdLst>
   <p:notesMasterIdLst>
-    <p:notesMasterId r:id="rId18"/>
+    <p:notesMasterId r:id="rId17"/>
   </p:notesMasterIdLst>
   <p:sldIdLst>
     <p:sldId id="257" r:id="rId2"/>
-    <p:sldId id="295" r:id="rId3"/>
-    <p:sldId id="294" r:id="rId4"/>
+    <p:sldId id="294" r:id="rId3"/>
+    <p:sldId id="295" r:id="rId4"/>
     <p:sldId id="302" r:id="rId5"/>
     <p:sldId id="259" r:id="rId6"/>
     <p:sldId id="306" r:id="rId7"/>
@@ -19,11 +19,10 @@
     <p:sldId id="305" r:id="rId10"/>
     <p:sldId id="301" r:id="rId11"/>
     <p:sldId id="271" r:id="rId12"/>
-    <p:sldId id="299" r:id="rId13"/>
-    <p:sldId id="300" r:id="rId14"/>
-    <p:sldId id="297" r:id="rId15"/>
-    <p:sldId id="298" r:id="rId16"/>
-    <p:sldId id="265" r:id="rId17"/>
+    <p:sldId id="300" r:id="rId13"/>
+    <p:sldId id="297" r:id="rId14"/>
+    <p:sldId id="298" r:id="rId15"/>
+    <p:sldId id="265" r:id="rId16"/>
   </p:sldIdLst>
   <p:sldSz cx="12192000" cy="6858000"/>
   <p:notesSz cx="6858000" cy="9144000"/>
@@ -610,7 +609,7 @@
     </p:spTree>
     <p:extLst>
       <p:ext uri="{BB962C8B-B14F-4D97-AF65-F5344CB8AC3E}">
-        <p14:creationId xmlns:p14="http://schemas.microsoft.com/office/powerpoint/2010/main" val="3657124445"/>
+        <p14:creationId xmlns:p14="http://schemas.microsoft.com/office/powerpoint/2010/main" val="206395726"/>
       </p:ext>
     </p:extLst>
   </p:cSld>
@@ -892,7 +891,7 @@
     </p:spTree>
     <p:extLst>
       <p:ext uri="{BB962C8B-B14F-4D97-AF65-F5344CB8AC3E}">
-        <p14:creationId xmlns:p14="http://schemas.microsoft.com/office/powerpoint/2010/main" val="3446995596"/>
+        <p14:creationId xmlns:p14="http://schemas.microsoft.com/office/powerpoint/2010/main" val="1942140452"/>
       </p:ext>
     </p:extLst>
   </p:cSld>
@@ -1033,7 +1032,7 @@
     </p:spTree>
     <p:extLst>
       <p:ext uri="{BB962C8B-B14F-4D97-AF65-F5344CB8AC3E}">
-        <p14:creationId xmlns:p14="http://schemas.microsoft.com/office/powerpoint/2010/main" val="1942140452"/>
+        <p14:creationId xmlns:p14="http://schemas.microsoft.com/office/powerpoint/2010/main" val="2789881261"/>
       </p:ext>
     </p:extLst>
   </p:cSld>
@@ -1174,7 +1173,7 @@
     </p:spTree>
     <p:extLst>
       <p:ext uri="{BB962C8B-B14F-4D97-AF65-F5344CB8AC3E}">
-        <p14:creationId xmlns:p14="http://schemas.microsoft.com/office/powerpoint/2010/main" val="2789881261"/>
+        <p14:creationId xmlns:p14="http://schemas.microsoft.com/office/powerpoint/2010/main" val="2222112418"/>
       </p:ext>
     </p:extLst>
   </p:cSld>
@@ -1315,147 +1314,6 @@
     </p:spTree>
     <p:extLst>
       <p:ext uri="{BB962C8B-B14F-4D97-AF65-F5344CB8AC3E}">
-        <p14:creationId xmlns:p14="http://schemas.microsoft.com/office/powerpoint/2010/main" val="2222112418"/>
-      </p:ext>
-    </p:extLst>
-  </p:cSld>
-  <p:clrMapOvr>
-    <a:masterClrMapping/>
-  </p:clrMapOvr>
-</p:notes>
-</file>
-
-<file path=ppt/notesSlides/notesSlide15.xml><?xml version="1.0" encoding="utf-8"?>
-<p:notes xmlns:a="http://schemas.openxmlformats.org/drawingml/2006/main" xmlns:r="http://schemas.openxmlformats.org/officeDocument/2006/relationships" xmlns:p="http://schemas.openxmlformats.org/presentationml/2006/main">
-  <p:cSld>
-    <p:spTree>
-      <p:nvGrpSpPr>
-        <p:cNvPr id="1" name=""/>
-        <p:cNvGrpSpPr/>
-        <p:nvPr/>
-      </p:nvGrpSpPr>
-      <p:grpSpPr>
-        <a:xfrm>
-          <a:off x="0" y="0"/>
-          <a:ext cx="0" cy="0"/>
-          <a:chOff x="0" y="0"/>
-          <a:chExt cx="0" cy="0"/>
-        </a:xfrm>
-      </p:grpSpPr>
-      <p:sp>
-        <p:nvSpPr>
-          <p:cNvPr id="2" name="Slide Image Placeholder 1"/>
-          <p:cNvSpPr>
-            <a:spLocks noGrp="1" noRot="1" noChangeAspect="1"/>
-          </p:cNvSpPr>
-          <p:nvPr>
-            <p:ph type="sldImg"/>
-          </p:nvPr>
-        </p:nvSpPr>
-        <p:spPr/>
-      </p:sp>
-      <p:sp>
-        <p:nvSpPr>
-          <p:cNvPr id="3" name="Notes Placeholder 2"/>
-          <p:cNvSpPr>
-            <a:spLocks noGrp="1"/>
-          </p:cNvSpPr>
-          <p:nvPr>
-            <p:ph type="body" idx="1"/>
-          </p:nvPr>
-        </p:nvSpPr>
-        <p:spPr/>
-        <p:txBody>
-          <a:bodyPr/>
-          <a:lstStyle/>
-          <a:p>
-            <a:endParaRPr lang="en-US" dirty="0"/>
-          </a:p>
-          <a:p>
-            <a:endParaRPr lang="en-US" dirty="0"/>
-          </a:p>
-        </p:txBody>
-      </p:sp>
-      <p:sp>
-        <p:nvSpPr>
-          <p:cNvPr id="4" name="Slide Number Placeholder 3"/>
-          <p:cNvSpPr>
-            <a:spLocks noGrp="1"/>
-          </p:cNvSpPr>
-          <p:nvPr>
-            <p:ph type="sldNum" sz="quarter" idx="10"/>
-          </p:nvPr>
-        </p:nvSpPr>
-        <p:spPr/>
-        <p:txBody>
-          <a:bodyPr/>
-          <a:lstStyle/>
-          <a:p>
-            <a:pPr marL="0" marR="0" lvl="0" indent="0" defTabSz="914400" eaLnBrk="1" fontAlgn="auto" latinLnBrk="0" hangingPunct="1">
-              <a:lnSpc>
-                <a:spcPct val="100000"/>
-              </a:lnSpc>
-              <a:spcBef>
-                <a:spcPts val="0"/>
-              </a:spcBef>
-              <a:spcAft>
-                <a:spcPts val="0"/>
-              </a:spcAft>
-              <a:buClrTx/>
-              <a:buSzTx/>
-              <a:buFontTx/>
-              <a:buNone/>
-              <a:tabLst/>
-              <a:defRPr/>
-            </a:pPr>
-            <a:fld id="{AB69E77B-23F2-4D26-B3FA-6109AB5D8139}" type="slidenum">
-              <a:rPr kumimoji="0" lang="en-GB" sz="1800" b="0" i="0" u="none" strike="noStrike" kern="0" cap="none" spc="0" normalizeH="0" baseline="0" noProof="0" smtClean="0">
-                <a:ln>
-                  <a:noFill/>
-                </a:ln>
-                <a:solidFill>
-                  <a:prstClr val="black"/>
-                </a:solidFill>
-                <a:effectLst/>
-                <a:uLnTx/>
-                <a:uFillTx/>
-              </a:rPr>
-              <a:pPr marL="0" marR="0" lvl="0" indent="0" defTabSz="914400" eaLnBrk="1" fontAlgn="auto" latinLnBrk="0" hangingPunct="1">
-                <a:lnSpc>
-                  <a:spcPct val="100000"/>
-                </a:lnSpc>
-                <a:spcBef>
-                  <a:spcPts val="0"/>
-                </a:spcBef>
-                <a:spcAft>
-                  <a:spcPts val="0"/>
-                </a:spcAft>
-                <a:buClrTx/>
-                <a:buSzTx/>
-                <a:buFontTx/>
-                <a:buNone/>
-                <a:tabLst/>
-                <a:defRPr/>
-              </a:pPr>
-              <a:t>16</a:t>
-            </a:fld>
-            <a:endParaRPr kumimoji="0" lang="en-GB" sz="1800" b="0" i="0" u="none" strike="noStrike" kern="0" cap="none" spc="0" normalizeH="0" baseline="0" noProof="0">
-              <a:ln>
-                <a:noFill/>
-              </a:ln>
-              <a:solidFill>
-                <a:prstClr val="black"/>
-              </a:solidFill>
-              <a:effectLst/>
-              <a:uLnTx/>
-              <a:uFillTx/>
-            </a:endParaRPr>
-          </a:p>
-        </p:txBody>
-      </p:sp>
-    </p:spTree>
-    <p:extLst>
-      <p:ext uri="{BB962C8B-B14F-4D97-AF65-F5344CB8AC3E}">
         <p14:creationId xmlns:p14="http://schemas.microsoft.com/office/powerpoint/2010/main" val="250796128"/>
       </p:ext>
     </p:extLst>
@@ -1597,7 +1455,7 @@
     </p:spTree>
     <p:extLst>
       <p:ext uri="{BB962C8B-B14F-4D97-AF65-F5344CB8AC3E}">
-        <p14:creationId xmlns:p14="http://schemas.microsoft.com/office/powerpoint/2010/main" val="206395726"/>
+        <p14:creationId xmlns:p14="http://schemas.microsoft.com/office/powerpoint/2010/main" val="3657124445"/>
       </p:ext>
     </p:extLst>
   </p:cSld>
@@ -4230,7 +4088,15 @@
             <a:pPr lvl="1"/>
             <a:r>
               <a:rPr lang="en-US" sz="2000" dirty="0"/>
-              <a:t>Renamed web projects to include module in namespace</a:t>
+              <a:t>Renamed web projects to include module in namespace (</a:t>
+            </a:r>
+            <a:r>
+              <a:rPr lang="en-US" sz="2000" dirty="0" err="1"/>
+              <a:t>ValuedPartner.TU.Web</a:t>
+            </a:r>
+            <a:r>
+              <a:rPr lang="en-US" sz="2000" dirty="0"/>
+              <a:t>)</a:t>
             </a:r>
           </a:p>
           <a:p>
@@ -4436,158 +4302,6 @@
 </file>
 
 <file path=ppt/slides/slide12.xml><?xml version="1.0" encoding="utf-8"?>
-<p:sld xmlns:a="http://schemas.openxmlformats.org/drawingml/2006/main" xmlns:r="http://schemas.openxmlformats.org/officeDocument/2006/relationships" xmlns:p="http://schemas.openxmlformats.org/presentationml/2006/main" show="0">
-  <p:cSld>
-    <p:spTree>
-      <p:nvGrpSpPr>
-        <p:cNvPr id="1" name=""/>
-        <p:cNvGrpSpPr/>
-        <p:nvPr/>
-      </p:nvGrpSpPr>
-      <p:grpSpPr>
-        <a:xfrm>
-          <a:off x="0" y="0"/>
-          <a:ext cx="0" cy="0"/>
-          <a:chOff x="0" y="0"/>
-          <a:chExt cx="0" cy="0"/>
-        </a:xfrm>
-      </p:grpSpPr>
-      <p:sp>
-        <p:nvSpPr>
-          <p:cNvPr id="8" name="Title 7"/>
-          <p:cNvSpPr>
-            <a:spLocks noGrp="1"/>
-          </p:cNvSpPr>
-          <p:nvPr>
-            <p:ph type="title"/>
-          </p:nvPr>
-        </p:nvSpPr>
-        <p:spPr/>
-        <p:txBody>
-          <a:bodyPr/>
-          <a:lstStyle/>
-          <a:p>
-            <a:r>
-              <a:rPr lang="en-US" dirty="0"/>
-              <a:t>New!</a:t>
-            </a:r>
-          </a:p>
-        </p:txBody>
-      </p:sp>
-      <p:sp>
-        <p:nvSpPr>
-          <p:cNvPr id="12" name="Content Placeholder 4"/>
-          <p:cNvSpPr>
-            <a:spLocks noGrp="1"/>
-          </p:cNvSpPr>
-          <p:nvPr>
-            <p:ph idx="1"/>
-          </p:nvPr>
-        </p:nvSpPr>
-        <p:spPr>
-          <a:xfrm>
-            <a:off x="466026" y="1366944"/>
-            <a:ext cx="3107492" cy="5008456"/>
-          </a:xfrm>
-        </p:spPr>
-        <p:txBody>
-          <a:bodyPr numCol="1"/>
-          <a:lstStyle/>
-          <a:p>
-            <a:pPr lvl="1"/>
-            <a:r>
-              <a:rPr lang="en-US" sz="2400" dirty="0"/>
-              <a:t>Web Screen Proxy</a:t>
-            </a:r>
-          </a:p>
-          <a:p>
-            <a:pPr lvl="2"/>
-            <a:r>
-              <a:rPr lang="en-US" sz="2000" dirty="0"/>
-              <a:t>Installed with Sage 300 Web Screens</a:t>
-            </a:r>
-          </a:p>
-          <a:p>
-            <a:pPr lvl="2"/>
-            <a:r>
-              <a:rPr lang="en-US" sz="2000" dirty="0"/>
-              <a:t>Accepts Sage 300 credentials and URL</a:t>
-            </a:r>
-          </a:p>
-          <a:p>
-            <a:pPr lvl="3"/>
-            <a:r>
-              <a:rPr lang="en-US" sz="1800" dirty="0"/>
-              <a:t>URL does not contain base (protocol, server, etc.)</a:t>
-            </a:r>
-          </a:p>
-          <a:p>
-            <a:pPr lvl="3"/>
-            <a:r>
-              <a:rPr lang="en-US" sz="1800" dirty="0"/>
-              <a:t>Password is encrypted</a:t>
-            </a:r>
-          </a:p>
-          <a:p>
-            <a:pPr lvl="3"/>
-            <a:r>
-              <a:rPr lang="en-US" sz="1800" dirty="0"/>
-              <a:t>Cookie for performance and caching</a:t>
-            </a:r>
-          </a:p>
-          <a:p>
-            <a:pPr lvl="2"/>
-            <a:r>
-              <a:rPr lang="en-US" sz="2000" dirty="0"/>
-              <a:t>CRM is the first consumer of this service</a:t>
-            </a:r>
-          </a:p>
-        </p:txBody>
-      </p:sp>
-      <p:pic>
-        <p:nvPicPr>
-          <p:cNvPr id="3" name="Picture 2">
-            <a:extLst>
-              <a:ext uri="{FF2B5EF4-FFF2-40B4-BE49-F238E27FC236}">
-                <a16:creationId xmlns:a16="http://schemas.microsoft.com/office/drawing/2014/main" id="{3F08A527-B438-4EA1-ADDE-834537A35838}"/>
-              </a:ext>
-            </a:extLst>
-          </p:cNvPr>
-          <p:cNvPicPr>
-            <a:picLocks noChangeAspect="1"/>
-          </p:cNvPicPr>
-          <p:nvPr/>
-        </p:nvPicPr>
-        <p:blipFill>
-          <a:blip r:embed="rId3"/>
-          <a:stretch>
-            <a:fillRect/>
-          </a:stretch>
-        </p:blipFill>
-        <p:spPr>
-          <a:xfrm>
-            <a:off x="3595172" y="1317625"/>
-            <a:ext cx="8130802" cy="5057775"/>
-          </a:xfrm>
-          <a:prstGeom prst="rect">
-            <a:avLst/>
-          </a:prstGeom>
-        </p:spPr>
-      </p:pic>
-    </p:spTree>
-    <p:extLst>
-      <p:ext uri="{BB962C8B-B14F-4D97-AF65-F5344CB8AC3E}">
-        <p14:creationId xmlns:p14="http://schemas.microsoft.com/office/powerpoint/2010/main" val="4142778071"/>
-      </p:ext>
-    </p:extLst>
-  </p:cSld>
-  <p:clrMapOvr>
-    <a:masterClrMapping/>
-  </p:clrMapOvr>
-</p:sld>
-</file>
-
-<file path=ppt/slides/slide13.xml><?xml version="1.0" encoding="utf-8"?>
 <p:sld xmlns:a="http://schemas.openxmlformats.org/drawingml/2006/main" xmlns:r="http://schemas.openxmlformats.org/officeDocument/2006/relationships" xmlns:p="http://schemas.openxmlformats.org/presentationml/2006/main">
   <p:cSld>
     <p:spTree>
@@ -4621,7 +4335,7 @@
           <a:p>
             <a:r>
               <a:rPr lang="en-US" dirty="0"/>
-              <a:t>Unit of Work Enhancement</a:t>
+              <a:t>Process Unit of Work Enhancement</a:t>
             </a:r>
           </a:p>
         </p:txBody>
@@ -4748,7 +4462,7 @@
 </p:sld>
 </file>
 
-<file path=ppt/slides/slide14.xml><?xml version="1.0" encoding="utf-8"?>
+<file path=ppt/slides/slide13.xml><?xml version="1.0" encoding="utf-8"?>
 <p:sld xmlns:a="http://schemas.openxmlformats.org/drawingml/2006/main" xmlns:r="http://schemas.openxmlformats.org/officeDocument/2006/relationships" xmlns:p="http://schemas.openxmlformats.org/presentationml/2006/main">
   <p:cSld>
     <p:spTree>
@@ -4782,7 +4496,7 @@
           <a:p>
             <a:r>
               <a:rPr lang="en-US" dirty="0"/>
-              <a:t>In-Progress Items – Non-Committed Items</a:t>
+              <a:t>Partner Defects in the Application</a:t>
             </a:r>
           </a:p>
         </p:txBody>
@@ -4814,7 +4528,7 @@
             </a:pPr>
             <a:r>
               <a:rPr lang="en-US" sz="2400" dirty="0"/>
-              <a:t>Global Search</a:t>
+              <a:t>Recently Opened partner menu items missing from list (D-37872) since 2018.2</a:t>
             </a:r>
           </a:p>
           <a:p>
@@ -4825,141 +4539,7 @@
             </a:pPr>
             <a:r>
               <a:rPr lang="en-US" sz="2000" dirty="0"/>
-              <a:t>Documentation on metadata</a:t>
-            </a:r>
-          </a:p>
-          <a:p>
-            <a:pPr lvl="2">
-              <a:lnSpc>
-                <a:spcPct val="100000"/>
-              </a:lnSpc>
-            </a:pPr>
-            <a:r>
-              <a:rPr lang="en-US" sz="2000" dirty="0"/>
-              <a:t>Wizard/Utility to create partner metadata for participation in Global Search</a:t>
-            </a:r>
-          </a:p>
-          <a:p>
-            <a:pPr lvl="2">
-              <a:lnSpc>
-                <a:spcPct val="100000"/>
-              </a:lnSpc>
-            </a:pPr>
-            <a:r>
-              <a:rPr lang="en-US" sz="2000" dirty="0"/>
-              <a:t>Looking forward to Orchid’s RMA screens for CRM integration whenever they are ready to undertake development!</a:t>
-            </a:r>
-          </a:p>
-          <a:p>
-            <a:pPr lvl="1">
-              <a:lnSpc>
-                <a:spcPct val="100000"/>
-              </a:lnSpc>
-            </a:pPr>
-            <a:r>
-              <a:rPr lang="en-US" sz="2400" dirty="0"/>
-              <a:t>Partner Menus</a:t>
-            </a:r>
-          </a:p>
-          <a:p>
-            <a:pPr lvl="2">
-              <a:lnSpc>
-                <a:spcPct val="100000"/>
-              </a:lnSpc>
-            </a:pPr>
-            <a:r>
-              <a:rPr lang="en-US" sz="2000" dirty="0"/>
-              <a:t>Recently Opened partner menu items missing from list (D-37872) since 2018.2 install</a:t>
-            </a:r>
-          </a:p>
-          <a:p>
-            <a:pPr lvl="1">
-              <a:lnSpc>
-                <a:spcPct val="100000"/>
-              </a:lnSpc>
-            </a:pPr>
-            <a:r>
-              <a:rPr lang="en-US" sz="2400" dirty="0"/>
-              <a:t>Solution Wizard, Customization Wizard, Upgrade Wizard, Samples Enhancement</a:t>
-            </a:r>
-          </a:p>
-          <a:p>
-            <a:pPr lvl="2">
-              <a:lnSpc>
-                <a:spcPct val="100000"/>
-              </a:lnSpc>
-            </a:pPr>
-            <a:r>
-              <a:rPr lang="en-US" sz="2000" dirty="0"/>
-              <a:t>Get majority of global files and packages from local install instead of delivering and synching</a:t>
-            </a:r>
-          </a:p>
-          <a:p>
-            <a:pPr lvl="2">
-              <a:lnSpc>
-                <a:spcPct val="100000"/>
-              </a:lnSpc>
-            </a:pPr>
-            <a:r>
-              <a:rPr lang="en-US" sz="2000" dirty="0"/>
-              <a:t>Big change to the project (csproj) file for Web Project</a:t>
-            </a:r>
-          </a:p>
-          <a:p>
-            <a:pPr lvl="2">
-              <a:lnSpc>
-                <a:spcPct val="100000"/>
-              </a:lnSpc>
-            </a:pPr>
-            <a:r>
-              <a:rPr lang="en-US" sz="2000" dirty="0"/>
-              <a:t>Still evaluating impact on Upgrade Wizard</a:t>
-            </a:r>
-          </a:p>
-        </p:txBody>
-      </p:sp>
-      <p:sp>
-        <p:nvSpPr>
-          <p:cNvPr id="6" name="Rectangle 5">
-            <a:extLst>
-              <a:ext uri="{FF2B5EF4-FFF2-40B4-BE49-F238E27FC236}">
-                <a16:creationId xmlns:a16="http://schemas.microsoft.com/office/drawing/2014/main" id="{009951AF-256A-4A37-9AB6-225292B188D8}"/>
-              </a:ext>
-            </a:extLst>
-          </p:cNvPr>
-          <p:cNvSpPr/>
-          <p:nvPr/>
-        </p:nvSpPr>
-        <p:spPr>
-          <a:xfrm>
-            <a:off x="849289" y="5913735"/>
-            <a:ext cx="9895145" cy="830997"/>
-          </a:xfrm>
-          <a:prstGeom prst="rect">
-            <a:avLst/>
-          </a:prstGeom>
-          <a:noFill/>
-        </p:spPr>
-        <p:txBody>
-          <a:bodyPr wrap="square" lIns="91440" tIns="45720" rIns="91440" bIns="45720">
-            <a:spAutoFit/>
-          </a:bodyPr>
-          <a:lstStyle/>
-          <a:p>
-            <a:pPr algn="ctr"/>
-            <a:r>
-              <a:rPr lang="en-US" sz="4800" b="1" dirty="0">
-                <a:ln w="22225">
-                  <a:solidFill>
-                    <a:schemeClr val="accent2"/>
-                  </a:solidFill>
-                  <a:prstDash val="solid"/>
-                </a:ln>
-                <a:solidFill>
-                  <a:srgbClr val="FF0000"/>
-                </a:solidFill>
-              </a:rPr>
-              <a:t>In-Progress</a:t>
+              <a:t>Resolved!</a:t>
             </a:r>
           </a:p>
         </p:txBody>
@@ -4977,7 +4557,7 @@
 </p:sld>
 </file>
 
-<file path=ppt/slides/slide15.xml><?xml version="1.0" encoding="utf-8"?>
+<file path=ppt/slides/slide14.xml><?xml version="1.0" encoding="utf-8"?>
 <p:sld xmlns:a="http://schemas.openxmlformats.org/drawingml/2006/main" xmlns:r="http://schemas.openxmlformats.org/officeDocument/2006/relationships" xmlns:p="http://schemas.openxmlformats.org/presentationml/2006/main">
   <p:cSld>
     <p:spTree>
@@ -5207,7 +4787,7 @@
 </p:sld>
 </file>
 
-<file path=ppt/slides/slide16.xml><?xml version="1.0" encoding="utf-8"?>
+<file path=ppt/slides/slide15.xml><?xml version="1.0" encoding="utf-8"?>
 <p:sld xmlns:a="http://schemas.openxmlformats.org/drawingml/2006/main" xmlns:r="http://schemas.openxmlformats.org/officeDocument/2006/relationships" xmlns:p="http://schemas.openxmlformats.org/presentationml/2006/main">
   <p:cSld>
     <p:spTree>
@@ -5358,155 +4938,6 @@
 </file>
 
 <file path=ppt/slides/slide2.xml><?xml version="1.0" encoding="utf-8"?>
-<p:sld xmlns:a="http://schemas.openxmlformats.org/drawingml/2006/main" xmlns:r="http://schemas.openxmlformats.org/officeDocument/2006/relationships" xmlns:p="http://schemas.openxmlformats.org/presentationml/2006/main">
-  <p:cSld>
-    <p:spTree>
-      <p:nvGrpSpPr>
-        <p:cNvPr id="1" name=""/>
-        <p:cNvGrpSpPr/>
-        <p:nvPr/>
-      </p:nvGrpSpPr>
-      <p:grpSpPr>
-        <a:xfrm>
-          <a:off x="0" y="0"/>
-          <a:ext cx="0" cy="0"/>
-          <a:chOff x="0" y="0"/>
-          <a:chExt cx="0" cy="0"/>
-        </a:xfrm>
-      </p:grpSpPr>
-      <p:sp>
-        <p:nvSpPr>
-          <p:cNvPr id="8" name="Title 7"/>
-          <p:cNvSpPr>
-            <a:spLocks noGrp="1"/>
-          </p:cNvSpPr>
-          <p:nvPr>
-            <p:ph type="title"/>
-          </p:nvPr>
-        </p:nvSpPr>
-        <p:spPr/>
-        <p:txBody>
-          <a:bodyPr/>
-          <a:lstStyle/>
-          <a:p>
-            <a:r>
-              <a:rPr lang="en-US" dirty="0"/>
-              <a:t>Version Change</a:t>
-            </a:r>
-          </a:p>
-        </p:txBody>
-      </p:sp>
-      <p:sp>
-        <p:nvSpPr>
-          <p:cNvPr id="12" name="Content Placeholder 4"/>
-          <p:cNvSpPr>
-            <a:spLocks noGrp="1"/>
-          </p:cNvSpPr>
-          <p:nvPr>
-            <p:ph idx="1"/>
-          </p:nvPr>
-        </p:nvSpPr>
-        <p:spPr>
-          <a:xfrm>
-            <a:off x="466025" y="1366944"/>
-            <a:ext cx="11238295" cy="5008456"/>
-          </a:xfrm>
-        </p:spPr>
-        <p:txBody>
-          <a:bodyPr numCol="1"/>
-          <a:lstStyle/>
-          <a:p>
-            <a:pPr lvl="1"/>
-            <a:r>
-              <a:rPr lang="en-US" sz="2400" dirty="0"/>
-              <a:t>Accpac.Advantage and Accpac.Advantage.Types versions are now </a:t>
-            </a:r>
-            <a:r>
-              <a:rPr lang="en-US" sz="2400" b="1" dirty="0"/>
-              <a:t>6.6.0.0</a:t>
-            </a:r>
-          </a:p>
-          <a:p>
-            <a:pPr lvl="2"/>
-            <a:r>
-              <a:rPr lang="en-US" sz="2000" dirty="0"/>
-              <a:t>AccpacDotNetVersion.props files have been updated for samples and source</a:t>
-            </a:r>
-          </a:p>
-          <a:p>
-            <a:pPr lvl="1"/>
-            <a:r>
-              <a:rPr lang="en-US" sz="2200" dirty="0"/>
-              <a:t>Version in Code Generation Wizard is now 66A</a:t>
-            </a:r>
-          </a:p>
-          <a:p>
-            <a:pPr lvl="1"/>
-            <a:r>
-              <a:rPr lang="en-US" sz="2200" dirty="0"/>
-              <a:t>Going forward, any changes to the version will be made in ALL the 5 core libraries</a:t>
-            </a:r>
-          </a:p>
-          <a:p>
-            <a:pPr lvl="2"/>
-            <a:r>
-              <a:rPr lang="en-US" sz="1800" dirty="0"/>
-              <a:t>No more will the Types library be at a different version</a:t>
-            </a:r>
-          </a:p>
-          <a:p>
-            <a:pPr lvl="2"/>
-            <a:r>
-              <a:rPr lang="en-US" sz="1800" dirty="0"/>
-              <a:t>No more repeat of 2018.2 issue!</a:t>
-            </a:r>
-          </a:p>
-        </p:txBody>
-      </p:sp>
-      <p:pic>
-        <p:nvPicPr>
-          <p:cNvPr id="2" name="Picture 1">
-            <a:extLst>
-              <a:ext uri="{FF2B5EF4-FFF2-40B4-BE49-F238E27FC236}">
-                <a16:creationId xmlns:a16="http://schemas.microsoft.com/office/drawing/2014/main" id="{ED81D2F7-5C1E-4D5F-8BCB-165A79235E6D}"/>
-              </a:ext>
-            </a:extLst>
-          </p:cNvPr>
-          <p:cNvPicPr>
-            <a:picLocks noChangeAspect="1"/>
-          </p:cNvPicPr>
-          <p:nvPr/>
-        </p:nvPicPr>
-        <p:blipFill>
-          <a:blip r:embed="rId3"/>
-          <a:stretch>
-            <a:fillRect/>
-          </a:stretch>
-        </p:blipFill>
-        <p:spPr>
-          <a:xfrm>
-            <a:off x="6376002" y="3266515"/>
-            <a:ext cx="5427116" cy="3108885"/>
-          </a:xfrm>
-          <a:prstGeom prst="rect">
-            <a:avLst/>
-          </a:prstGeom>
-        </p:spPr>
-      </p:pic>
-    </p:spTree>
-    <p:extLst>
-      <p:ext uri="{BB962C8B-B14F-4D97-AF65-F5344CB8AC3E}">
-        <p14:creationId xmlns:p14="http://schemas.microsoft.com/office/powerpoint/2010/main" val="1136485089"/>
-      </p:ext>
-    </p:extLst>
-  </p:cSld>
-  <p:clrMapOvr>
-    <a:masterClrMapping/>
-  </p:clrMapOvr>
-</p:sld>
-</file>
-
-<file path=ppt/slides/slide3.xml><?xml version="1.0" encoding="utf-8"?>
 <p:sld xmlns:a="http://schemas.openxmlformats.org/drawingml/2006/main" xmlns:r="http://schemas.openxmlformats.org/officeDocument/2006/relationships" xmlns:p="http://schemas.openxmlformats.org/presentationml/2006/main">
   <p:cSld>
     <p:spTree>
@@ -6045,6 +5476,155 @@
 </p:sld>
 </file>
 
+<file path=ppt/slides/slide3.xml><?xml version="1.0" encoding="utf-8"?>
+<p:sld xmlns:a="http://schemas.openxmlformats.org/drawingml/2006/main" xmlns:r="http://schemas.openxmlformats.org/officeDocument/2006/relationships" xmlns:p="http://schemas.openxmlformats.org/presentationml/2006/main">
+  <p:cSld>
+    <p:spTree>
+      <p:nvGrpSpPr>
+        <p:cNvPr id="1" name=""/>
+        <p:cNvGrpSpPr/>
+        <p:nvPr/>
+      </p:nvGrpSpPr>
+      <p:grpSpPr>
+        <a:xfrm>
+          <a:off x="0" y="0"/>
+          <a:ext cx="0" cy="0"/>
+          <a:chOff x="0" y="0"/>
+          <a:chExt cx="0" cy="0"/>
+        </a:xfrm>
+      </p:grpSpPr>
+      <p:sp>
+        <p:nvSpPr>
+          <p:cNvPr id="8" name="Title 7"/>
+          <p:cNvSpPr>
+            <a:spLocks noGrp="1"/>
+          </p:cNvSpPr>
+          <p:nvPr>
+            <p:ph type="title"/>
+          </p:nvPr>
+        </p:nvSpPr>
+        <p:spPr/>
+        <p:txBody>
+          <a:bodyPr/>
+          <a:lstStyle/>
+          <a:p>
+            <a:r>
+              <a:rPr lang="en-US" dirty="0"/>
+              <a:t>Version Change</a:t>
+            </a:r>
+          </a:p>
+        </p:txBody>
+      </p:sp>
+      <p:sp>
+        <p:nvSpPr>
+          <p:cNvPr id="12" name="Content Placeholder 4"/>
+          <p:cNvSpPr>
+            <a:spLocks noGrp="1"/>
+          </p:cNvSpPr>
+          <p:nvPr>
+            <p:ph idx="1"/>
+          </p:nvPr>
+        </p:nvSpPr>
+        <p:spPr>
+          <a:xfrm>
+            <a:off x="466025" y="1366944"/>
+            <a:ext cx="11238295" cy="5008456"/>
+          </a:xfrm>
+        </p:spPr>
+        <p:txBody>
+          <a:bodyPr numCol="1"/>
+          <a:lstStyle/>
+          <a:p>
+            <a:pPr lvl="1"/>
+            <a:r>
+              <a:rPr lang="en-US" sz="2400" dirty="0"/>
+              <a:t>Accpac.Advantage and Accpac.Advantage.Types versions are now </a:t>
+            </a:r>
+            <a:r>
+              <a:rPr lang="en-US" sz="2400" b="1" dirty="0"/>
+              <a:t>6.6.0.0</a:t>
+            </a:r>
+          </a:p>
+          <a:p>
+            <a:pPr lvl="2"/>
+            <a:r>
+              <a:rPr lang="en-US" sz="2000" dirty="0"/>
+              <a:t>AccpacDotNetVersion.props files have been updated for samples and source</a:t>
+            </a:r>
+          </a:p>
+          <a:p>
+            <a:pPr lvl="1"/>
+            <a:r>
+              <a:rPr lang="en-US" sz="2200" dirty="0"/>
+              <a:t>Version in Code Generation Wizard is now 66A</a:t>
+            </a:r>
+          </a:p>
+          <a:p>
+            <a:pPr lvl="1"/>
+            <a:r>
+              <a:rPr lang="en-US" sz="2200" dirty="0"/>
+              <a:t>Going forward, any changes to the version will be made in ALL the 5 core libraries</a:t>
+            </a:r>
+          </a:p>
+          <a:p>
+            <a:pPr lvl="2"/>
+            <a:r>
+              <a:rPr lang="en-US" sz="1800" dirty="0"/>
+              <a:t>No more will the Types library be at a different version</a:t>
+            </a:r>
+          </a:p>
+          <a:p>
+            <a:pPr lvl="2"/>
+            <a:r>
+              <a:rPr lang="en-US" sz="1800" dirty="0"/>
+              <a:t>No more repeat of 2018.2 issue!</a:t>
+            </a:r>
+          </a:p>
+        </p:txBody>
+      </p:sp>
+      <p:pic>
+        <p:nvPicPr>
+          <p:cNvPr id="2" name="Picture 1">
+            <a:extLst>
+              <a:ext uri="{FF2B5EF4-FFF2-40B4-BE49-F238E27FC236}">
+                <a16:creationId xmlns:a16="http://schemas.microsoft.com/office/drawing/2014/main" id="{ED81D2F7-5C1E-4D5F-8BCB-165A79235E6D}"/>
+              </a:ext>
+            </a:extLst>
+          </p:cNvPr>
+          <p:cNvPicPr>
+            <a:picLocks noChangeAspect="1"/>
+          </p:cNvPicPr>
+          <p:nvPr/>
+        </p:nvPicPr>
+        <p:blipFill>
+          <a:blip r:embed="rId3"/>
+          <a:stretch>
+            <a:fillRect/>
+          </a:stretch>
+        </p:blipFill>
+        <p:spPr>
+          <a:xfrm>
+            <a:off x="6376002" y="3266515"/>
+            <a:ext cx="5427116" cy="3108885"/>
+          </a:xfrm>
+          <a:prstGeom prst="rect">
+            <a:avLst/>
+          </a:prstGeom>
+        </p:spPr>
+      </p:pic>
+    </p:spTree>
+    <p:extLst>
+      <p:ext uri="{BB962C8B-B14F-4D97-AF65-F5344CB8AC3E}">
+        <p14:creationId xmlns:p14="http://schemas.microsoft.com/office/powerpoint/2010/main" val="1136485089"/>
+      </p:ext>
+    </p:extLst>
+  </p:cSld>
+  <p:clrMapOvr>
+    <a:masterClrMapping/>
+  </p:clrMapOvr>
+</p:sld>
+</file>
+
 <file path=ppt/slides/slide4.xml><?xml version="1.0" encoding="utf-8"?>
 <p:sld xmlns:a="http://schemas.openxmlformats.org/drawingml/2006/main" xmlns:r="http://schemas.openxmlformats.org/officeDocument/2006/relationships" xmlns:p="http://schemas.openxmlformats.org/presentationml/2006/main">
   <p:cSld>
@@ -6326,7 +5906,7 @@
             </a:r>
             <a:r>
               <a:rPr lang="en-US" sz="1800" dirty="0"/>
-              <a:t> in Repository</a:t>
+              <a:t> in Business Repository</a:t>
             </a:r>
           </a:p>
           <a:p>
@@ -6450,7 +6030,7 @@
             <a:pPr lvl="1"/>
             <a:r>
               <a:rPr lang="en-US" sz="2000" dirty="0"/>
-              <a:t>Defects Corrected</a:t>
+              <a:t>Defects Corrected (cont.)</a:t>
             </a:r>
           </a:p>
           <a:p>
@@ -6464,7 +6044,21 @@
             <a:pPr lvl="3"/>
             <a:r>
               <a:rPr lang="en-US" sz="1600" dirty="0"/>
-              <a:t>Corrected!</a:t>
+              <a:t>Resolved!</a:t>
+            </a:r>
+          </a:p>
+          <a:p>
+            <a:pPr lvl="2"/>
+            <a:r>
+              <a:rPr lang="en-US" sz="1800" dirty="0"/>
+              <a:t>Faulty logic to determine which language resource files are present</a:t>
+            </a:r>
+          </a:p>
+          <a:p>
+            <a:pPr lvl="3"/>
+            <a:r>
+              <a:rPr lang="en-US" sz="1600" dirty="0"/>
+              <a:t>Only affected internal Sage developer projects. Resolved.</a:t>
             </a:r>
           </a:p>
           <a:p>
@@ -6513,7 +6107,7 @@
             <a:pPr lvl="3"/>
             <a:r>
               <a:rPr lang="en-US" sz="1600" dirty="0"/>
-              <a:t>Note: Existing partner code will not be modified to reflect this change</a:t>
+              <a:t>Note: Existing partner code will not be modified to reflect this change!</a:t>
             </a:r>
           </a:p>
         </p:txBody>
@@ -6540,7 +6134,7 @@
         </p:blipFill>
         <p:spPr>
           <a:xfrm>
-            <a:off x="2161682" y="3869158"/>
+            <a:off x="2161682" y="4731007"/>
             <a:ext cx="5724525" cy="1371600"/>
           </a:xfrm>
           <a:prstGeom prst="rect">
@@ -6704,6 +6298,13 @@
             <a:r>
               <a:rPr lang="en-US" sz="2000" dirty="0"/>
               <a:t>Global Files updated to 2019</a:t>
+            </a:r>
+          </a:p>
+          <a:p>
+            <a:pPr lvl="1"/>
+            <a:r>
+              <a:rPr lang="en-US" sz="2000" dirty="0"/>
+              <a:t>ExternalContent folder changes</a:t>
             </a:r>
           </a:p>
         </p:txBody>

--- a/docs/presentations/Sage300SDK_2019WebSDKOverview.pptx
+++ b/docs/presentations/Sage300SDK_2019WebSDKOverview.pptx
@@ -211,7 +211,7 @@
           <a:p>
             <a:fld id="{F8DE098C-C2B2-472C-9728-F51906A9149D}" type="datetimeFigureOut">
               <a:rPr lang="en-US" smtClean="0"/>
-              <a:t>8/15/2018</a:t>
+              <a:t>8/17/2018</a:t>
             </a:fld>
             <a:endParaRPr lang="en-US"/>
           </a:p>
@@ -2548,7 +2548,7 @@
                 </a:solidFill>
               </a:rPr>
               <a:pPr/>
-              <a:t>2018/08/15</a:t>
+              <a:t>2018/08/17</a:t>
             </a:fld>
             <a:endParaRPr lang="en-US">
               <a:solidFill>
@@ -2853,7 +2853,7 @@
                 </a:solidFill>
               </a:rPr>
               <a:pPr/>
-              <a:t>2018/08/15</a:t>
+              <a:t>2018/08/17</a:t>
             </a:fld>
             <a:endParaRPr lang="en-US">
               <a:solidFill>
@@ -3090,7 +3090,7 @@
             <a:fld id="{EE1C84F4-270C-2249-89D9-A705BDADDAAB}" type="datetime1">
               <a:rPr lang="en-ZA" smtClean="0"/>
               <a:pPr/>
-              <a:t>2018/08/15</a:t>
+              <a:t>2018/08/17</a:t>
             </a:fld>
             <a:endParaRPr lang="en-US"/>
           </a:p>
@@ -3429,7 +3429,7 @@
             <a:fld id="{2AE6851E-022E-D141-8BE0-1745E9557F71}" type="datetime1">
               <a:rPr lang="en-ZA" smtClean="0"/>
               <a:pPr/>
-              <a:t>2018/08/15</a:t>
+              <a:t>2018/08/17</a:t>
             </a:fld>
             <a:endParaRPr lang="en-US"/>
           </a:p>
@@ -5708,7 +5708,7 @@
             <a:pPr lvl="2"/>
             <a:r>
               <a:rPr lang="en-US" sz="1600" dirty="0"/>
-              <a:t>bg_menu_{module}.jpg and icon_{module}.png will be created here. </a:t>
+              <a:t>bg_menu_{module}.jpg and icon_{module}.png will be created here</a:t>
             </a:r>
           </a:p>
           <a:p>
@@ -5729,14 +5729,7 @@
             <a:pPr lvl="3"/>
             <a:r>
               <a:rPr lang="en-US" sz="1400" dirty="0"/>
-              <a:t>../../../../Areas/{module}/ExternalContent/bg_menu_{module}.jpg</a:t>
-            </a:r>
-          </a:p>
-          <a:p>
-            <a:pPr lvl="3"/>
-            <a:r>
-              <a:rPr lang="en-US" sz="1400" dirty="0"/>
-              <a:t>../../../../Areas/{module}/ExternalContent/icon_{module}.png</a:t>
+              <a:t>../../../../Areas/{module}/ExternalContent/bg_menu_{module}.jpg and ../../../../Areas/{module}/ExternalContent/icon_{module}.png</a:t>
             </a:r>
           </a:p>
           <a:p>
@@ -5795,6 +5788,29 @@
             <a:r>
               <a:rPr lang="en-US" sz="2000" dirty="0"/>
               <a:t>Global Files updated to 2019</a:t>
+            </a:r>
+          </a:p>
+          <a:p>
+            <a:pPr lvl="1"/>
+            <a:r>
+              <a:rPr lang="en-US" sz="2000" dirty="0"/>
+              <a:t>‘</a:t>
+            </a:r>
+            <a:r>
+              <a:rPr lang="en-US" sz="2000" dirty="0" err="1"/>
+              <a:t>aspnet_client</a:t>
+            </a:r>
+            <a:r>
+              <a:rPr lang="en-US" sz="2000" dirty="0"/>
+              <a:t>’ folder added to Web project for Reports to work </a:t>
+            </a:r>
+            <a:r>
+              <a:rPr lang="en-US" sz="2000"/>
+              <a:t>in Debug </a:t>
+            </a:r>
+            <a:r>
+              <a:rPr lang="en-US" sz="2000" dirty="0"/>
+              <a:t>mode</a:t>
             </a:r>
           </a:p>
         </p:txBody>
@@ -6306,6 +6322,25 @@
               <a:rPr lang="en-US" sz="2000" dirty="0"/>
               <a:t>ExternalContent folder changes</a:t>
             </a:r>
+          </a:p>
+          <a:p>
+            <a:pPr lvl="1"/>
+            <a:r>
+              <a:rPr lang="en-US" sz="2000" dirty="0"/>
+              <a:t>‘</a:t>
+            </a:r>
+            <a:r>
+              <a:rPr lang="en-US" sz="2000" dirty="0" err="1"/>
+              <a:t>aspnet_client</a:t>
+            </a:r>
+            <a:r>
+              <a:rPr lang="en-US" sz="2000" dirty="0"/>
+              <a:t>’ folder added, if not exists, to Web folder for Reports to work in Debug mode</a:t>
+            </a:r>
+          </a:p>
+          <a:p>
+            <a:pPr lvl="1"/>
+            <a:endParaRPr lang="en-US" sz="2000" dirty="0"/>
           </a:p>
         </p:txBody>
       </p:sp>

--- a/docs/presentations/Sage300SDK_2019WebSDKOverview.pptx
+++ b/docs/presentations/Sage300SDK_2019WebSDKOverview.pptx
@@ -5,7 +5,7 @@
     <p:sldMasterId id="2147483660" r:id="rId1"/>
   </p:sldMasterIdLst>
   <p:notesMasterIdLst>
-    <p:notesMasterId r:id="rId17"/>
+    <p:notesMasterId r:id="rId18"/>
   </p:notesMasterIdLst>
   <p:sldIdLst>
     <p:sldId id="257" r:id="rId2"/>
@@ -18,11 +18,12 @@
     <p:sldId id="304" r:id="rId9"/>
     <p:sldId id="305" r:id="rId10"/>
     <p:sldId id="301" r:id="rId11"/>
-    <p:sldId id="271" r:id="rId12"/>
-    <p:sldId id="300" r:id="rId13"/>
-    <p:sldId id="297" r:id="rId14"/>
-    <p:sldId id="298" r:id="rId15"/>
-    <p:sldId id="265" r:id="rId16"/>
+    <p:sldId id="307" r:id="rId12"/>
+    <p:sldId id="271" r:id="rId13"/>
+    <p:sldId id="300" r:id="rId14"/>
+    <p:sldId id="297" r:id="rId15"/>
+    <p:sldId id="298" r:id="rId16"/>
+    <p:sldId id="265" r:id="rId17"/>
   </p:sldIdLst>
   <p:sldSz cx="12192000" cy="6858000"/>
   <p:notesSz cx="6858000" cy="9144000"/>
@@ -211,7 +212,7 @@
           <a:p>
             <a:fld id="{F8DE098C-C2B2-472C-9728-F51906A9149D}" type="datetimeFigureOut">
               <a:rPr lang="en-US" smtClean="0"/>
-              <a:t>8/17/2018</a:t>
+              <a:t>8/20/2018</a:t>
             </a:fld>
             <a:endParaRPr lang="en-US"/>
           </a:p>
@@ -750,7 +751,7 @@
     </p:spTree>
     <p:extLst>
       <p:ext uri="{BB962C8B-B14F-4D97-AF65-F5344CB8AC3E}">
-        <p14:creationId xmlns:p14="http://schemas.microsoft.com/office/powerpoint/2010/main" val="3984031117"/>
+        <p14:creationId xmlns:p14="http://schemas.microsoft.com/office/powerpoint/2010/main" val="1439632955"/>
       </p:ext>
     </p:extLst>
   </p:cSld>
@@ -891,7 +892,7 @@
     </p:spTree>
     <p:extLst>
       <p:ext uri="{BB962C8B-B14F-4D97-AF65-F5344CB8AC3E}">
-        <p14:creationId xmlns:p14="http://schemas.microsoft.com/office/powerpoint/2010/main" val="1942140452"/>
+        <p14:creationId xmlns:p14="http://schemas.microsoft.com/office/powerpoint/2010/main" val="3984031117"/>
       </p:ext>
     </p:extLst>
   </p:cSld>
@@ -1032,7 +1033,7 @@
     </p:spTree>
     <p:extLst>
       <p:ext uri="{BB962C8B-B14F-4D97-AF65-F5344CB8AC3E}">
-        <p14:creationId xmlns:p14="http://schemas.microsoft.com/office/powerpoint/2010/main" val="2789881261"/>
+        <p14:creationId xmlns:p14="http://schemas.microsoft.com/office/powerpoint/2010/main" val="1942140452"/>
       </p:ext>
     </p:extLst>
   </p:cSld>
@@ -1173,7 +1174,7 @@
     </p:spTree>
     <p:extLst>
       <p:ext uri="{BB962C8B-B14F-4D97-AF65-F5344CB8AC3E}">
-        <p14:creationId xmlns:p14="http://schemas.microsoft.com/office/powerpoint/2010/main" val="2222112418"/>
+        <p14:creationId xmlns:p14="http://schemas.microsoft.com/office/powerpoint/2010/main" val="2789881261"/>
       </p:ext>
     </p:extLst>
   </p:cSld>
@@ -1314,6 +1315,147 @@
     </p:spTree>
     <p:extLst>
       <p:ext uri="{BB962C8B-B14F-4D97-AF65-F5344CB8AC3E}">
+        <p14:creationId xmlns:p14="http://schemas.microsoft.com/office/powerpoint/2010/main" val="2222112418"/>
+      </p:ext>
+    </p:extLst>
+  </p:cSld>
+  <p:clrMapOvr>
+    <a:masterClrMapping/>
+  </p:clrMapOvr>
+</p:notes>
+</file>
+
+<file path=ppt/notesSlides/notesSlide15.xml><?xml version="1.0" encoding="utf-8"?>
+<p:notes xmlns:a="http://schemas.openxmlformats.org/drawingml/2006/main" xmlns:r="http://schemas.openxmlformats.org/officeDocument/2006/relationships" xmlns:p="http://schemas.openxmlformats.org/presentationml/2006/main">
+  <p:cSld>
+    <p:spTree>
+      <p:nvGrpSpPr>
+        <p:cNvPr id="1" name=""/>
+        <p:cNvGrpSpPr/>
+        <p:nvPr/>
+      </p:nvGrpSpPr>
+      <p:grpSpPr>
+        <a:xfrm>
+          <a:off x="0" y="0"/>
+          <a:ext cx="0" cy="0"/>
+          <a:chOff x="0" y="0"/>
+          <a:chExt cx="0" cy="0"/>
+        </a:xfrm>
+      </p:grpSpPr>
+      <p:sp>
+        <p:nvSpPr>
+          <p:cNvPr id="2" name="Slide Image Placeholder 1"/>
+          <p:cNvSpPr>
+            <a:spLocks noGrp="1" noRot="1" noChangeAspect="1"/>
+          </p:cNvSpPr>
+          <p:nvPr>
+            <p:ph type="sldImg"/>
+          </p:nvPr>
+        </p:nvSpPr>
+        <p:spPr/>
+      </p:sp>
+      <p:sp>
+        <p:nvSpPr>
+          <p:cNvPr id="3" name="Notes Placeholder 2"/>
+          <p:cNvSpPr>
+            <a:spLocks noGrp="1"/>
+          </p:cNvSpPr>
+          <p:nvPr>
+            <p:ph type="body" idx="1"/>
+          </p:nvPr>
+        </p:nvSpPr>
+        <p:spPr/>
+        <p:txBody>
+          <a:bodyPr/>
+          <a:lstStyle/>
+          <a:p>
+            <a:endParaRPr lang="en-US" dirty="0"/>
+          </a:p>
+          <a:p>
+            <a:endParaRPr lang="en-US" dirty="0"/>
+          </a:p>
+        </p:txBody>
+      </p:sp>
+      <p:sp>
+        <p:nvSpPr>
+          <p:cNvPr id="4" name="Slide Number Placeholder 3"/>
+          <p:cNvSpPr>
+            <a:spLocks noGrp="1"/>
+          </p:cNvSpPr>
+          <p:nvPr>
+            <p:ph type="sldNum" sz="quarter" idx="10"/>
+          </p:nvPr>
+        </p:nvSpPr>
+        <p:spPr/>
+        <p:txBody>
+          <a:bodyPr/>
+          <a:lstStyle/>
+          <a:p>
+            <a:pPr marL="0" marR="0" lvl="0" indent="0" defTabSz="914400" eaLnBrk="1" fontAlgn="auto" latinLnBrk="0" hangingPunct="1">
+              <a:lnSpc>
+                <a:spcPct val="100000"/>
+              </a:lnSpc>
+              <a:spcBef>
+                <a:spcPts val="0"/>
+              </a:spcBef>
+              <a:spcAft>
+                <a:spcPts val="0"/>
+              </a:spcAft>
+              <a:buClrTx/>
+              <a:buSzTx/>
+              <a:buFontTx/>
+              <a:buNone/>
+              <a:tabLst/>
+              <a:defRPr/>
+            </a:pPr>
+            <a:fld id="{AB69E77B-23F2-4D26-B3FA-6109AB5D8139}" type="slidenum">
+              <a:rPr kumimoji="0" lang="en-GB" sz="1800" b="0" i="0" u="none" strike="noStrike" kern="0" cap="none" spc="0" normalizeH="0" baseline="0" noProof="0" smtClean="0">
+                <a:ln>
+                  <a:noFill/>
+                </a:ln>
+                <a:solidFill>
+                  <a:prstClr val="black"/>
+                </a:solidFill>
+                <a:effectLst/>
+                <a:uLnTx/>
+                <a:uFillTx/>
+              </a:rPr>
+              <a:pPr marL="0" marR="0" lvl="0" indent="0" defTabSz="914400" eaLnBrk="1" fontAlgn="auto" latinLnBrk="0" hangingPunct="1">
+                <a:lnSpc>
+                  <a:spcPct val="100000"/>
+                </a:lnSpc>
+                <a:spcBef>
+                  <a:spcPts val="0"/>
+                </a:spcBef>
+                <a:spcAft>
+                  <a:spcPts val="0"/>
+                </a:spcAft>
+                <a:buClrTx/>
+                <a:buSzTx/>
+                <a:buFontTx/>
+                <a:buNone/>
+                <a:tabLst/>
+                <a:defRPr/>
+              </a:pPr>
+              <a:t>16</a:t>
+            </a:fld>
+            <a:endParaRPr kumimoji="0" lang="en-GB" sz="1800" b="0" i="0" u="none" strike="noStrike" kern="0" cap="none" spc="0" normalizeH="0" baseline="0" noProof="0">
+              <a:ln>
+                <a:noFill/>
+              </a:ln>
+              <a:solidFill>
+                <a:prstClr val="black"/>
+              </a:solidFill>
+              <a:effectLst/>
+              <a:uLnTx/>
+              <a:uFillTx/>
+            </a:endParaRPr>
+          </a:p>
+        </p:txBody>
+      </p:sp>
+    </p:spTree>
+    <p:extLst>
+      <p:ext uri="{BB962C8B-B14F-4D97-AF65-F5344CB8AC3E}">
         <p14:creationId xmlns:p14="http://schemas.microsoft.com/office/powerpoint/2010/main" val="250796128"/>
       </p:ext>
     </p:extLst>
@@ -2548,7 +2690,7 @@
                 </a:solidFill>
               </a:rPr>
               <a:pPr/>
-              <a:t>2018/08/17</a:t>
+              <a:t>2018/08/20</a:t>
             </a:fld>
             <a:endParaRPr lang="en-US">
               <a:solidFill>
@@ -2853,7 +2995,7 @@
                 </a:solidFill>
               </a:rPr>
               <a:pPr/>
-              <a:t>2018/08/17</a:t>
+              <a:t>2018/08/20</a:t>
             </a:fld>
             <a:endParaRPr lang="en-US">
               <a:solidFill>
@@ -3090,7 +3232,7 @@
             <a:fld id="{EE1C84F4-270C-2249-89D9-A705BDADDAAB}" type="datetime1">
               <a:rPr lang="en-ZA" smtClean="0"/>
               <a:pPr/>
-              <a:t>2018/08/17</a:t>
+              <a:t>2018/08/20</a:t>
             </a:fld>
             <a:endParaRPr lang="en-US"/>
           </a:p>
@@ -3429,7 +3571,7 @@
             <a:fld id="{2AE6851E-022E-D141-8BE0-1745E9557F71}" type="datetime1">
               <a:rPr lang="en-ZA" smtClean="0"/>
               <a:pPr/>
-              <a:t>2018/08/17</a:t>
+              <a:t>2018/08/20</a:t>
             </a:fld>
             <a:endParaRPr lang="en-US"/>
           </a:p>
@@ -4177,6 +4319,100 @@
           <a:p>
             <a:r>
               <a:rPr lang="en-US" dirty="0"/>
+              <a:t>Merge ISV Project</a:t>
+            </a:r>
+          </a:p>
+        </p:txBody>
+      </p:sp>
+      <p:sp>
+        <p:nvSpPr>
+          <p:cNvPr id="12" name="Content Placeholder 4"/>
+          <p:cNvSpPr>
+            <a:spLocks noGrp="1"/>
+          </p:cNvSpPr>
+          <p:nvPr>
+            <p:ph idx="1"/>
+          </p:nvPr>
+        </p:nvSpPr>
+        <p:spPr>
+          <a:xfrm>
+            <a:off x="466025" y="1366944"/>
+            <a:ext cx="11571077" cy="5008456"/>
+          </a:xfrm>
+        </p:spPr>
+        <p:txBody>
+          <a:bodyPr numCol="1"/>
+          <a:lstStyle/>
+          <a:p>
+            <a:pPr lvl="1"/>
+            <a:r>
+              <a:rPr lang="en-US" sz="2000" dirty="0"/>
+              <a:t>WebGrease cannot minify subfolders in a single call and thus need to iterate folders</a:t>
+            </a:r>
+          </a:p>
+          <a:p>
+            <a:pPr lvl="2"/>
+            <a:r>
+              <a:rPr lang="en-US" sz="1800" dirty="0"/>
+              <a:t>Solution and Upgrade Wizards modified</a:t>
+            </a:r>
+          </a:p>
+          <a:p>
+            <a:pPr lvl="2"/>
+            <a:r>
+              <a:rPr lang="en-US" sz="1800" dirty="0"/>
+              <a:t>Samples use MergeISVProject executable from bin\utilities folder</a:t>
+            </a:r>
+          </a:p>
+        </p:txBody>
+      </p:sp>
+    </p:spTree>
+    <p:extLst>
+      <p:ext uri="{BB962C8B-B14F-4D97-AF65-F5344CB8AC3E}">
+        <p14:creationId xmlns:p14="http://schemas.microsoft.com/office/powerpoint/2010/main" val="852043990"/>
+      </p:ext>
+    </p:extLst>
+  </p:cSld>
+  <p:clrMapOvr>
+    <a:masterClrMapping/>
+  </p:clrMapOvr>
+</p:sld>
+</file>
+
+<file path=ppt/slides/slide12.xml><?xml version="1.0" encoding="utf-8"?>
+<p:sld xmlns:a="http://schemas.openxmlformats.org/drawingml/2006/main" xmlns:r="http://schemas.openxmlformats.org/officeDocument/2006/relationships" xmlns:p="http://schemas.openxmlformats.org/presentationml/2006/main">
+  <p:cSld>
+    <p:spTree>
+      <p:nvGrpSpPr>
+        <p:cNvPr id="1" name=""/>
+        <p:cNvGrpSpPr/>
+        <p:nvPr/>
+      </p:nvGrpSpPr>
+      <p:grpSpPr>
+        <a:xfrm>
+          <a:off x="0" y="0"/>
+          <a:ext cx="0" cy="0"/>
+          <a:chOff x="0" y="0"/>
+          <a:chExt cx="0" cy="0"/>
+        </a:xfrm>
+      </p:grpSpPr>
+      <p:sp>
+        <p:nvSpPr>
+          <p:cNvPr id="8" name="Title 7"/>
+          <p:cNvSpPr>
+            <a:spLocks noGrp="1"/>
+          </p:cNvSpPr>
+          <p:nvPr>
+            <p:ph type="title"/>
+          </p:nvPr>
+        </p:nvSpPr>
+        <p:spPr/>
+        <p:txBody>
+          <a:bodyPr/>
+          <a:lstStyle/>
+          <a:p>
+            <a:r>
+              <a:rPr lang="en-US" dirty="0"/>
               <a:t>Documentation</a:t>
             </a:r>
           </a:p>
@@ -4301,7 +4537,7 @@
 </p:sld>
 </file>
 
-<file path=ppt/slides/slide12.xml><?xml version="1.0" encoding="utf-8"?>
+<file path=ppt/slides/slide13.xml><?xml version="1.0" encoding="utf-8"?>
 <p:sld xmlns:a="http://schemas.openxmlformats.org/drawingml/2006/main" xmlns:r="http://schemas.openxmlformats.org/officeDocument/2006/relationships" xmlns:p="http://schemas.openxmlformats.org/presentationml/2006/main">
   <p:cSld>
     <p:spTree>
@@ -4462,7 +4698,7 @@
 </p:sld>
 </file>
 
-<file path=ppt/slides/slide13.xml><?xml version="1.0" encoding="utf-8"?>
+<file path=ppt/slides/slide14.xml><?xml version="1.0" encoding="utf-8"?>
 <p:sld xmlns:a="http://schemas.openxmlformats.org/drawingml/2006/main" xmlns:r="http://schemas.openxmlformats.org/officeDocument/2006/relationships" xmlns:p="http://schemas.openxmlformats.org/presentationml/2006/main">
   <p:cSld>
     <p:spTree>
@@ -4557,7 +4793,7 @@
 </p:sld>
 </file>
 
-<file path=ppt/slides/slide14.xml><?xml version="1.0" encoding="utf-8"?>
+<file path=ppt/slides/slide15.xml><?xml version="1.0" encoding="utf-8"?>
 <p:sld xmlns:a="http://schemas.openxmlformats.org/drawingml/2006/main" xmlns:r="http://schemas.openxmlformats.org/officeDocument/2006/relationships" xmlns:p="http://schemas.openxmlformats.org/presentationml/2006/main">
   <p:cSld>
     <p:spTree>
@@ -4787,7 +5023,7 @@
 </p:sld>
 </file>
 
-<file path=ppt/slides/slide15.xml><?xml version="1.0" encoding="utf-8"?>
+<file path=ppt/slides/slide16.xml><?xml version="1.0" encoding="utf-8"?>
 <p:sld xmlns:a="http://schemas.openxmlformats.org/drawingml/2006/main" xmlns:r="http://schemas.openxmlformats.org/officeDocument/2006/relationships" xmlns:p="http://schemas.openxmlformats.org/presentationml/2006/main">
   <p:cSld>
     <p:spTree>
@@ -5676,7 +5912,7 @@
         </p:nvSpPr>
         <p:spPr>
           <a:xfrm>
-            <a:off x="466025" y="1366944"/>
+            <a:off x="487680" y="924772"/>
             <a:ext cx="11571077" cy="5008456"/>
           </a:xfrm>
         </p:spPr>
@@ -5802,15 +6038,14 @@
             </a:r>
             <a:r>
               <a:rPr lang="en-US" sz="2000" dirty="0"/>
-              <a:t>’ folder added to Web project for Reports to work </a:t>
-            </a:r>
-            <a:r>
-              <a:rPr lang="en-US" sz="2000"/>
-              <a:t>in Debug </a:t>
-            </a:r>
+              <a:t>’ folder added to Web project for Reports to work in Debug mode</a:t>
+            </a:r>
+          </a:p>
+          <a:p>
+            <a:pPr lvl="1"/>
             <a:r>
               <a:rPr lang="en-US" sz="2000" dirty="0"/>
-              <a:t>mode</a:t>
+              <a:t>Updated MergeISVProject to reflect Minify JavaScript changes</a:t>
             </a:r>
           </a:p>
         </p:txBody>
@@ -6337,6 +6572,17 @@
               <a:rPr lang="en-US" sz="2000" dirty="0"/>
               <a:t>’ folder added, if not exists, to Web folder for Reports to work in Debug mode</a:t>
             </a:r>
+          </a:p>
+          <a:p>
+            <a:pPr lvl="1"/>
+            <a:r>
+              <a:rPr lang="en-US" sz="2000" dirty="0"/>
+              <a:t>Updated MergeISVProject to reflect Minify JavaScript changes</a:t>
+            </a:r>
+          </a:p>
+          <a:p>
+            <a:pPr lvl="1"/>
+            <a:endParaRPr lang="en-US" sz="2000" dirty="0"/>
           </a:p>
           <a:p>
             <a:pPr lvl="1"/>

--- a/docs/presentations/Sage300SDK_2019WebSDKOverview.pptx
+++ b/docs/presentations/Sage300SDK_2019WebSDKOverview.pptx
@@ -5,25 +5,26 @@
     <p:sldMasterId id="2147483660" r:id="rId1"/>
   </p:sldMasterIdLst>
   <p:notesMasterIdLst>
-    <p:notesMasterId r:id="rId18"/>
+    <p:notesMasterId r:id="rId19"/>
   </p:notesMasterIdLst>
   <p:sldIdLst>
     <p:sldId id="257" r:id="rId2"/>
     <p:sldId id="294" r:id="rId3"/>
     <p:sldId id="295" r:id="rId4"/>
     <p:sldId id="302" r:id="rId5"/>
-    <p:sldId id="259" r:id="rId6"/>
-    <p:sldId id="306" r:id="rId7"/>
-    <p:sldId id="303" r:id="rId8"/>
-    <p:sldId id="304" r:id="rId9"/>
-    <p:sldId id="305" r:id="rId10"/>
-    <p:sldId id="301" r:id="rId11"/>
-    <p:sldId id="307" r:id="rId12"/>
-    <p:sldId id="271" r:id="rId13"/>
-    <p:sldId id="300" r:id="rId14"/>
-    <p:sldId id="297" r:id="rId15"/>
-    <p:sldId id="298" r:id="rId16"/>
-    <p:sldId id="265" r:id="rId17"/>
+    <p:sldId id="308" r:id="rId6"/>
+    <p:sldId id="259" r:id="rId7"/>
+    <p:sldId id="306" r:id="rId8"/>
+    <p:sldId id="303" r:id="rId9"/>
+    <p:sldId id="304" r:id="rId10"/>
+    <p:sldId id="305" r:id="rId11"/>
+    <p:sldId id="301" r:id="rId12"/>
+    <p:sldId id="307" r:id="rId13"/>
+    <p:sldId id="271" r:id="rId14"/>
+    <p:sldId id="300" r:id="rId15"/>
+    <p:sldId id="297" r:id="rId16"/>
+    <p:sldId id="298" r:id="rId17"/>
+    <p:sldId id="265" r:id="rId18"/>
   </p:sldIdLst>
   <p:sldSz cx="12192000" cy="6858000"/>
   <p:notesSz cx="6858000" cy="9144000"/>
@@ -212,7 +213,7 @@
           <a:p>
             <a:fld id="{F8DE098C-C2B2-472C-9728-F51906A9149D}" type="datetimeFigureOut">
               <a:rPr lang="en-US" smtClean="0"/>
-              <a:t>8/20/2018</a:t>
+              <a:t>9/6/2018</a:t>
             </a:fld>
             <a:endParaRPr lang="en-US"/>
           </a:p>
@@ -751,7 +752,7 @@
     </p:spTree>
     <p:extLst>
       <p:ext uri="{BB962C8B-B14F-4D97-AF65-F5344CB8AC3E}">
-        <p14:creationId xmlns:p14="http://schemas.microsoft.com/office/powerpoint/2010/main" val="1439632955"/>
+        <p14:creationId xmlns:p14="http://schemas.microsoft.com/office/powerpoint/2010/main" val="1840353148"/>
       </p:ext>
     </p:extLst>
   </p:cSld>
@@ -892,7 +893,7 @@
     </p:spTree>
     <p:extLst>
       <p:ext uri="{BB962C8B-B14F-4D97-AF65-F5344CB8AC3E}">
-        <p14:creationId xmlns:p14="http://schemas.microsoft.com/office/powerpoint/2010/main" val="3984031117"/>
+        <p14:creationId xmlns:p14="http://schemas.microsoft.com/office/powerpoint/2010/main" val="1439632955"/>
       </p:ext>
     </p:extLst>
   </p:cSld>
@@ -1033,7 +1034,7 @@
     </p:spTree>
     <p:extLst>
       <p:ext uri="{BB962C8B-B14F-4D97-AF65-F5344CB8AC3E}">
-        <p14:creationId xmlns:p14="http://schemas.microsoft.com/office/powerpoint/2010/main" val="1942140452"/>
+        <p14:creationId xmlns:p14="http://schemas.microsoft.com/office/powerpoint/2010/main" val="3984031117"/>
       </p:ext>
     </p:extLst>
   </p:cSld>
@@ -1174,7 +1175,7 @@
     </p:spTree>
     <p:extLst>
       <p:ext uri="{BB962C8B-B14F-4D97-AF65-F5344CB8AC3E}">
-        <p14:creationId xmlns:p14="http://schemas.microsoft.com/office/powerpoint/2010/main" val="2789881261"/>
+        <p14:creationId xmlns:p14="http://schemas.microsoft.com/office/powerpoint/2010/main" val="1942140452"/>
       </p:ext>
     </p:extLst>
   </p:cSld>
@@ -1315,7 +1316,7 @@
     </p:spTree>
     <p:extLst>
       <p:ext uri="{BB962C8B-B14F-4D97-AF65-F5344CB8AC3E}">
-        <p14:creationId xmlns:p14="http://schemas.microsoft.com/office/powerpoint/2010/main" val="2222112418"/>
+        <p14:creationId xmlns:p14="http://schemas.microsoft.com/office/powerpoint/2010/main" val="2789881261"/>
       </p:ext>
     </p:extLst>
   </p:cSld>
@@ -1456,6 +1457,147 @@
     </p:spTree>
     <p:extLst>
       <p:ext uri="{BB962C8B-B14F-4D97-AF65-F5344CB8AC3E}">
+        <p14:creationId xmlns:p14="http://schemas.microsoft.com/office/powerpoint/2010/main" val="2222112418"/>
+      </p:ext>
+    </p:extLst>
+  </p:cSld>
+  <p:clrMapOvr>
+    <a:masterClrMapping/>
+  </p:clrMapOvr>
+</p:notes>
+</file>
+
+<file path=ppt/notesSlides/notesSlide16.xml><?xml version="1.0" encoding="utf-8"?>
+<p:notes xmlns:a="http://schemas.openxmlformats.org/drawingml/2006/main" xmlns:r="http://schemas.openxmlformats.org/officeDocument/2006/relationships" xmlns:p="http://schemas.openxmlformats.org/presentationml/2006/main">
+  <p:cSld>
+    <p:spTree>
+      <p:nvGrpSpPr>
+        <p:cNvPr id="1" name=""/>
+        <p:cNvGrpSpPr/>
+        <p:nvPr/>
+      </p:nvGrpSpPr>
+      <p:grpSpPr>
+        <a:xfrm>
+          <a:off x="0" y="0"/>
+          <a:ext cx="0" cy="0"/>
+          <a:chOff x="0" y="0"/>
+          <a:chExt cx="0" cy="0"/>
+        </a:xfrm>
+      </p:grpSpPr>
+      <p:sp>
+        <p:nvSpPr>
+          <p:cNvPr id="2" name="Slide Image Placeholder 1"/>
+          <p:cNvSpPr>
+            <a:spLocks noGrp="1" noRot="1" noChangeAspect="1"/>
+          </p:cNvSpPr>
+          <p:nvPr>
+            <p:ph type="sldImg"/>
+          </p:nvPr>
+        </p:nvSpPr>
+        <p:spPr/>
+      </p:sp>
+      <p:sp>
+        <p:nvSpPr>
+          <p:cNvPr id="3" name="Notes Placeholder 2"/>
+          <p:cNvSpPr>
+            <a:spLocks noGrp="1"/>
+          </p:cNvSpPr>
+          <p:nvPr>
+            <p:ph type="body" idx="1"/>
+          </p:nvPr>
+        </p:nvSpPr>
+        <p:spPr/>
+        <p:txBody>
+          <a:bodyPr/>
+          <a:lstStyle/>
+          <a:p>
+            <a:endParaRPr lang="en-US" dirty="0"/>
+          </a:p>
+          <a:p>
+            <a:endParaRPr lang="en-US" dirty="0"/>
+          </a:p>
+        </p:txBody>
+      </p:sp>
+      <p:sp>
+        <p:nvSpPr>
+          <p:cNvPr id="4" name="Slide Number Placeholder 3"/>
+          <p:cNvSpPr>
+            <a:spLocks noGrp="1"/>
+          </p:cNvSpPr>
+          <p:nvPr>
+            <p:ph type="sldNum" sz="quarter" idx="10"/>
+          </p:nvPr>
+        </p:nvSpPr>
+        <p:spPr/>
+        <p:txBody>
+          <a:bodyPr/>
+          <a:lstStyle/>
+          <a:p>
+            <a:pPr marL="0" marR="0" lvl="0" indent="0" defTabSz="914400" eaLnBrk="1" fontAlgn="auto" latinLnBrk="0" hangingPunct="1">
+              <a:lnSpc>
+                <a:spcPct val="100000"/>
+              </a:lnSpc>
+              <a:spcBef>
+                <a:spcPts val="0"/>
+              </a:spcBef>
+              <a:spcAft>
+                <a:spcPts val="0"/>
+              </a:spcAft>
+              <a:buClrTx/>
+              <a:buSzTx/>
+              <a:buFontTx/>
+              <a:buNone/>
+              <a:tabLst/>
+              <a:defRPr/>
+            </a:pPr>
+            <a:fld id="{AB69E77B-23F2-4D26-B3FA-6109AB5D8139}" type="slidenum">
+              <a:rPr kumimoji="0" lang="en-GB" sz="1800" b="0" i="0" u="none" strike="noStrike" kern="0" cap="none" spc="0" normalizeH="0" baseline="0" noProof="0" smtClean="0">
+                <a:ln>
+                  <a:noFill/>
+                </a:ln>
+                <a:solidFill>
+                  <a:prstClr val="black"/>
+                </a:solidFill>
+                <a:effectLst/>
+                <a:uLnTx/>
+                <a:uFillTx/>
+              </a:rPr>
+              <a:pPr marL="0" marR="0" lvl="0" indent="0" defTabSz="914400" eaLnBrk="1" fontAlgn="auto" latinLnBrk="0" hangingPunct="1">
+                <a:lnSpc>
+                  <a:spcPct val="100000"/>
+                </a:lnSpc>
+                <a:spcBef>
+                  <a:spcPts val="0"/>
+                </a:spcBef>
+                <a:spcAft>
+                  <a:spcPts val="0"/>
+                </a:spcAft>
+                <a:buClrTx/>
+                <a:buSzTx/>
+                <a:buFontTx/>
+                <a:buNone/>
+                <a:tabLst/>
+                <a:defRPr/>
+              </a:pPr>
+              <a:t>17</a:t>
+            </a:fld>
+            <a:endParaRPr kumimoji="0" lang="en-GB" sz="1800" b="0" i="0" u="none" strike="noStrike" kern="0" cap="none" spc="0" normalizeH="0" baseline="0" noProof="0">
+              <a:ln>
+                <a:noFill/>
+              </a:ln>
+              <a:solidFill>
+                <a:prstClr val="black"/>
+              </a:solidFill>
+              <a:effectLst/>
+              <a:uLnTx/>
+              <a:uFillTx/>
+            </a:endParaRPr>
+          </a:p>
+        </p:txBody>
+      </p:sp>
+    </p:spTree>
+    <p:extLst>
+      <p:ext uri="{BB962C8B-B14F-4D97-AF65-F5344CB8AC3E}">
         <p14:creationId xmlns:p14="http://schemas.microsoft.com/office/powerpoint/2010/main" val="250796128"/>
       </p:ext>
     </p:extLst>
@@ -1879,7 +2021,7 @@
     </p:spTree>
     <p:extLst>
       <p:ext uri="{BB962C8B-B14F-4D97-AF65-F5344CB8AC3E}">
-        <p14:creationId xmlns:p14="http://schemas.microsoft.com/office/powerpoint/2010/main" val="4047850685"/>
+        <p14:creationId xmlns:p14="http://schemas.microsoft.com/office/powerpoint/2010/main" val="2539217627"/>
       </p:ext>
     </p:extLst>
   </p:cSld>
@@ -2020,7 +2162,7 @@
     </p:spTree>
     <p:extLst>
       <p:ext uri="{BB962C8B-B14F-4D97-AF65-F5344CB8AC3E}">
-        <p14:creationId xmlns:p14="http://schemas.microsoft.com/office/powerpoint/2010/main" val="1084987137"/>
+        <p14:creationId xmlns:p14="http://schemas.microsoft.com/office/powerpoint/2010/main" val="4047850685"/>
       </p:ext>
     </p:extLst>
   </p:cSld>
@@ -2161,7 +2303,7 @@
     </p:spTree>
     <p:extLst>
       <p:ext uri="{BB962C8B-B14F-4D97-AF65-F5344CB8AC3E}">
-        <p14:creationId xmlns:p14="http://schemas.microsoft.com/office/powerpoint/2010/main" val="1460372463"/>
+        <p14:creationId xmlns:p14="http://schemas.microsoft.com/office/powerpoint/2010/main" val="1084987137"/>
       </p:ext>
     </p:extLst>
   </p:cSld>
@@ -2302,7 +2444,7 @@
     </p:spTree>
     <p:extLst>
       <p:ext uri="{BB962C8B-B14F-4D97-AF65-F5344CB8AC3E}">
-        <p14:creationId xmlns:p14="http://schemas.microsoft.com/office/powerpoint/2010/main" val="472691096"/>
+        <p14:creationId xmlns:p14="http://schemas.microsoft.com/office/powerpoint/2010/main" val="1460372463"/>
       </p:ext>
     </p:extLst>
   </p:cSld>
@@ -2443,7 +2585,7 @@
     </p:spTree>
     <p:extLst>
       <p:ext uri="{BB962C8B-B14F-4D97-AF65-F5344CB8AC3E}">
-        <p14:creationId xmlns:p14="http://schemas.microsoft.com/office/powerpoint/2010/main" val="2021324200"/>
+        <p14:creationId xmlns:p14="http://schemas.microsoft.com/office/powerpoint/2010/main" val="472691096"/>
       </p:ext>
     </p:extLst>
   </p:cSld>
@@ -2584,7 +2726,7 @@
     </p:spTree>
     <p:extLst>
       <p:ext uri="{BB962C8B-B14F-4D97-AF65-F5344CB8AC3E}">
-        <p14:creationId xmlns:p14="http://schemas.microsoft.com/office/powerpoint/2010/main" val="1840353148"/>
+        <p14:creationId xmlns:p14="http://schemas.microsoft.com/office/powerpoint/2010/main" val="2021324200"/>
       </p:ext>
     </p:extLst>
   </p:cSld>
@@ -2690,7 +2832,7 @@
                 </a:solidFill>
               </a:rPr>
               <a:pPr/>
-              <a:t>2018/08/20</a:t>
+              <a:t>2018/09/06</a:t>
             </a:fld>
             <a:endParaRPr lang="en-US">
               <a:solidFill>
@@ -2995,7 +3137,7 @@
                 </a:solidFill>
               </a:rPr>
               <a:pPr/>
-              <a:t>2018/08/20</a:t>
+              <a:t>2018/09/06</a:t>
             </a:fld>
             <a:endParaRPr lang="en-US">
               <a:solidFill>
@@ -3232,7 +3374,7 @@
             <a:fld id="{EE1C84F4-270C-2249-89D9-A705BDADDAAB}" type="datetime1">
               <a:rPr lang="en-ZA" smtClean="0"/>
               <a:pPr/>
-              <a:t>2018/08/20</a:t>
+              <a:t>2018/09/06</a:t>
             </a:fld>
             <a:endParaRPr lang="en-US"/>
           </a:p>
@@ -3571,7 +3713,7 @@
             <a:fld id="{2AE6851E-022E-D141-8BE0-1745E9557F71}" type="datetime1">
               <a:rPr lang="en-ZA" smtClean="0"/>
               <a:pPr/>
-              <a:t>2018/08/20</a:t>
+              <a:t>2018/09/06</a:t>
             </a:fld>
             <a:endParaRPr lang="en-US"/>
           </a:p>
@@ -4143,7 +4285,7 @@
           <a:p>
             <a:r>
               <a:rPr lang="en-US" dirty="0"/>
-              <a:t>August 2018</a:t>
+              <a:t>September 2018</a:t>
             </a:r>
           </a:p>
         </p:txBody>
@@ -4195,7 +4337,7 @@
           <a:p>
             <a:r>
               <a:rPr lang="en-US" dirty="0"/>
-              <a:t>Samples</a:t>
+              <a:t>Inquiry Configuration Wizard</a:t>
             </a:r>
           </a:p>
         </p:txBody>
@@ -4223,51 +4365,14 @@
             <a:pPr lvl="1"/>
             <a:r>
               <a:rPr lang="en-US" sz="2000" dirty="0"/>
-              <a:t>Added kendo.all.min.js to samples instead of requiring manual addition</a:t>
+              <a:t>Delayed until 2019.1</a:t>
             </a:r>
           </a:p>
           <a:p>
             <a:pPr lvl="1"/>
             <a:r>
               <a:rPr lang="en-US" sz="2000" dirty="0"/>
-              <a:t>Renamed web projects to include module in namespace (</a:t>
-            </a:r>
-            <a:r>
-              <a:rPr lang="en-US" sz="2000" dirty="0" err="1"/>
-              <a:t>ValuedPartner.TU.Web</a:t>
-            </a:r>
-            <a:r>
-              <a:rPr lang="en-US" sz="2000" dirty="0"/>
-              <a:t>)</a:t>
-            </a:r>
-          </a:p>
-          <a:p>
-            <a:pPr lvl="1"/>
-            <a:r>
-              <a:rPr lang="en-US" sz="2000" dirty="0"/>
-              <a:t>Defect Corrected</a:t>
-            </a:r>
-          </a:p>
-          <a:p>
-            <a:pPr lvl="2"/>
-            <a:r>
-              <a:rPr lang="en-US" sz="1600" dirty="0"/>
-              <a:t>In Receipt sample, renamed ‘YesNoValue’ property for optional fields to be ‘YesOrNoValue’</a:t>
-            </a:r>
-          </a:p>
-          <a:p>
-            <a:pPr lvl="2"/>
-            <a:r>
-              <a:rPr lang="en-US" sz="1600" dirty="0"/>
-              <a:t>Note: This field name is expected by the Optional Fields JavaScript framework (…</a:t>
-            </a:r>
-            <a:r>
-              <a:rPr lang="en-US" sz="1600" dirty="0" err="1"/>
-              <a:t>Common.OptionalFields</a:t>
-            </a:r>
-            <a:r>
-              <a:rPr lang="en-US" sz="1600" dirty="0"/>
-              <a:t>)</a:t>
+              <a:t>Wizard allows for the creation of metadata to drive generic inquiry and adhoc inquiry displays</a:t>
             </a:r>
           </a:p>
         </p:txBody>
@@ -4275,7 +4380,7 @@
     </p:spTree>
     <p:extLst>
       <p:ext uri="{BB962C8B-B14F-4D97-AF65-F5344CB8AC3E}">
-        <p14:creationId xmlns:p14="http://schemas.microsoft.com/office/powerpoint/2010/main" val="2881651187"/>
+        <p14:creationId xmlns:p14="http://schemas.microsoft.com/office/powerpoint/2010/main" val="1664025022"/>
       </p:ext>
     </p:extLst>
   </p:cSld>
@@ -4319,7 +4424,7 @@
           <a:p>
             <a:r>
               <a:rPr lang="en-US" dirty="0"/>
-              <a:t>Merge ISV Project</a:t>
+              <a:t>Samples</a:t>
             </a:r>
           </a:p>
         </p:txBody>
@@ -4347,21 +4452,59 @@
             <a:pPr lvl="1"/>
             <a:r>
               <a:rPr lang="en-US" sz="2000" dirty="0"/>
-              <a:t>WebGrease cannot minify subfolders in a single call and thus need to iterate folders</a:t>
+              <a:t>Added kendo.all.min.js to samples instead of requiring manual addition</a:t>
+            </a:r>
+          </a:p>
+          <a:p>
+            <a:pPr lvl="1"/>
+            <a:r>
+              <a:rPr lang="en-US" sz="2000" dirty="0"/>
+              <a:t>Renamed web projects to include module in namespace (</a:t>
+            </a:r>
+            <a:r>
+              <a:rPr lang="en-US" sz="2000" dirty="0" err="1"/>
+              <a:t>ValuedPartner.</a:t>
+            </a:r>
+            <a:r>
+              <a:rPr lang="en-US" sz="2000" b="1" dirty="0" err="1"/>
+              <a:t>TU</a:t>
+            </a:r>
+            <a:r>
+              <a:rPr lang="en-US" sz="2000" dirty="0" err="1"/>
+              <a:t>.Web</a:t>
+            </a:r>
+            <a:r>
+              <a:rPr lang="en-US" sz="2000" dirty="0"/>
+              <a:t>)</a:t>
+            </a:r>
+          </a:p>
+          <a:p>
+            <a:pPr lvl="1"/>
+            <a:r>
+              <a:rPr lang="en-US" sz="2000" dirty="0"/>
+              <a:t>Defect Corrected</a:t>
             </a:r>
           </a:p>
           <a:p>
             <a:pPr lvl="2"/>
             <a:r>
-              <a:rPr lang="en-US" sz="1800" dirty="0"/>
-              <a:t>Solution and Upgrade Wizards modified</a:t>
+              <a:rPr lang="en-US" sz="1600" dirty="0"/>
+              <a:t>In Receipt sample, renamed ‘YesNoValue’ property for optional fields to be ‘YesOrNoValue’</a:t>
             </a:r>
           </a:p>
           <a:p>
             <a:pPr lvl="2"/>
             <a:r>
-              <a:rPr lang="en-US" sz="1800" dirty="0"/>
-              <a:t>Samples use MergeISVProject executable from bin\utilities folder</a:t>
+              <a:rPr lang="en-US" sz="1600" dirty="0"/>
+              <a:t>Note: This field name is expected by the Optional Fields JavaScript framework (…</a:t>
+            </a:r>
+            <a:r>
+              <a:rPr lang="en-US" sz="1600" dirty="0" err="1"/>
+              <a:t>Common.OptionalFields</a:t>
+            </a:r>
+            <a:r>
+              <a:rPr lang="en-US" sz="1600" dirty="0"/>
+              <a:t>)</a:t>
             </a:r>
           </a:p>
         </p:txBody>
@@ -4369,7 +4512,7 @@
     </p:spTree>
     <p:extLst>
       <p:ext uri="{BB962C8B-B14F-4D97-AF65-F5344CB8AC3E}">
-        <p14:creationId xmlns:p14="http://schemas.microsoft.com/office/powerpoint/2010/main" val="852043990"/>
+        <p14:creationId xmlns:p14="http://schemas.microsoft.com/office/powerpoint/2010/main" val="2881651187"/>
       </p:ext>
     </p:extLst>
   </p:cSld>
@@ -4413,7 +4556,7 @@
           <a:p>
             <a:r>
               <a:rPr lang="en-US" dirty="0"/>
-              <a:t>Documentation</a:t>
+              <a:t>Merge ISV Project</a:t>
             </a:r>
           </a:p>
         </p:txBody>
@@ -4430,8 +4573,8 @@
         </p:nvSpPr>
         <p:spPr>
           <a:xfrm>
-            <a:off x="466024" y="1366944"/>
-            <a:ext cx="10241599" cy="5008456"/>
+            <a:off x="466025" y="1366944"/>
+            <a:ext cx="11571077" cy="5008456"/>
           </a:xfrm>
         </p:spPr>
         <p:txBody>
@@ -4440,94 +4583,30 @@
           <a:p>
             <a:pPr lvl="1"/>
             <a:r>
-              <a:rPr lang="en-US" sz="2400" dirty="0"/>
-              <a:t>Updated Upgrade Instructions for 2018.2 to 2019 in </a:t>
-            </a:r>
-            <a:r>
-              <a:rPr lang="en-US" sz="2400" b="1" dirty="0"/>
-              <a:t>docs\upgrades</a:t>
-            </a:r>
-          </a:p>
-          <a:p>
-            <a:pPr lvl="1"/>
-            <a:r>
-              <a:rPr lang="en-US" sz="2400" dirty="0"/>
-              <a:t>New Sage300SDK_2019WebSDKOverview.pptx in </a:t>
-            </a:r>
-            <a:r>
-              <a:rPr lang="en-US" sz="2400" b="1" dirty="0"/>
-              <a:t>docs\presentations</a:t>
-            </a:r>
-          </a:p>
-          <a:p>
-            <a:pPr lvl="1"/>
-            <a:r>
-              <a:rPr lang="en-US" sz="2400" dirty="0"/>
-              <a:t>Updated Sage300SDK_MergeISVProject_Utility.docx in </a:t>
-            </a:r>
-            <a:r>
-              <a:rPr lang="en-US" sz="2400" b="1" dirty="0"/>
-              <a:t>docs\utilities</a:t>
+              <a:rPr lang="en-US" sz="2000" dirty="0"/>
+              <a:t>WebGrease cannot minify subfolders in a single call and thus need to iterate folders</a:t>
             </a:r>
           </a:p>
           <a:p>
             <a:pPr lvl="2"/>
             <a:r>
-              <a:rPr lang="en-US" sz="2000" dirty="0"/>
-              <a:t>Updated section for deployment of ExternalContent folder</a:t>
-            </a:r>
-          </a:p>
-          <a:p>
-            <a:pPr lvl="1"/>
-            <a:r>
-              <a:rPr lang="en-US" sz="2400" dirty="0"/>
-              <a:t>New Sage300SDK_GlobalSearch.docx in </a:t>
-            </a:r>
-            <a:r>
-              <a:rPr lang="en-US" sz="2400" b="1" dirty="0"/>
-              <a:t>docs\development</a:t>
-            </a:r>
-          </a:p>
-          <a:p>
-            <a:pPr lvl="1"/>
-            <a:r>
-              <a:rPr lang="en-US" sz="2400" dirty="0"/>
-              <a:t>KB:91472</a:t>
+              <a:rPr lang="en-US" sz="1800" dirty="0"/>
+              <a:t>Solution and Upgrade Wizards modified</a:t>
             </a:r>
           </a:p>
           <a:p>
             <a:pPr lvl="2"/>
             <a:r>
-              <a:rPr lang="en-US" sz="2000" dirty="0"/>
-              <a:t>Using Visual Studio 2017 with Sage 300 2019 SDK</a:t>
-            </a:r>
-          </a:p>
-          <a:p>
-            <a:pPr lvl="1"/>
-            <a:r>
-              <a:rPr lang="en-US" sz="2400" dirty="0"/>
-              <a:t>KB:91473</a:t>
-            </a:r>
-          </a:p>
-          <a:p>
-            <a:pPr lvl="2"/>
-            <a:r>
-              <a:rPr lang="en-US" sz="2000" dirty="0"/>
-              <a:t>Writing SDK apps that do not require “Run As Administrator”</a:t>
-            </a:r>
-          </a:p>
-          <a:p>
-            <a:pPr marL="0" lvl="1" indent="0">
-              <a:buNone/>
-            </a:pPr>
-            <a:endParaRPr lang="en-US" sz="1800" dirty="0"/>
+              <a:rPr lang="en-US" sz="1800" dirty="0"/>
+              <a:t>Samples use MergeISVProject executable from bin\utilities folder</a:t>
+            </a:r>
           </a:p>
         </p:txBody>
       </p:sp>
     </p:spTree>
     <p:extLst>
       <p:ext uri="{BB962C8B-B14F-4D97-AF65-F5344CB8AC3E}">
-        <p14:creationId xmlns:p14="http://schemas.microsoft.com/office/powerpoint/2010/main" val="3846550886"/>
+        <p14:creationId xmlns:p14="http://schemas.microsoft.com/office/powerpoint/2010/main" val="852043990"/>
       </p:ext>
     </p:extLst>
   </p:cSld>
@@ -4571,7 +4650,7 @@
           <a:p>
             <a:r>
               <a:rPr lang="en-US" dirty="0"/>
-              <a:t>Process Unit of Work Enhancement</a:t>
+              <a:t>Documentation</a:t>
             </a:r>
           </a:p>
         </p:txBody>
@@ -4588,8 +4667,8 @@
         </p:nvSpPr>
         <p:spPr>
           <a:xfrm>
-            <a:off x="466025" y="1366944"/>
-            <a:ext cx="9917047" cy="5008456"/>
+            <a:off x="466024" y="1366944"/>
+            <a:ext cx="10241599" cy="5008456"/>
           </a:xfrm>
         </p:spPr>
         <p:txBody>
@@ -4599,96 +4678,93 @@
             <a:pPr lvl="1"/>
             <a:r>
               <a:rPr lang="en-US" sz="2400" dirty="0"/>
-              <a:t>ProcessUow base class’ OnExecute() method needed to be overridden to be able to set ResultObject</a:t>
+              <a:t>Updated Upgrade Instructions for 2018.2 to 2019 in </a:t>
+            </a:r>
+            <a:r>
+              <a:rPr lang="en-US" sz="2400" b="1" dirty="0"/>
+              <a:t>docs\upgrades</a:t>
+            </a:r>
+          </a:p>
+          <a:p>
+            <a:pPr lvl="1"/>
+            <a:r>
+              <a:rPr lang="en-US" sz="2400" dirty="0"/>
+              <a:t>New Sage300SDK_2019WebSDKOverview.pptx in </a:t>
+            </a:r>
+            <a:r>
+              <a:rPr lang="en-US" sz="2400" b="1" dirty="0"/>
+              <a:t>docs\presentations</a:t>
+            </a:r>
+          </a:p>
+          <a:p>
+            <a:pPr lvl="1"/>
+            <a:r>
+              <a:rPr lang="en-US" sz="2400" dirty="0"/>
+              <a:t>Updated Sage300SDK_MergeISVProject_Utility.docx in </a:t>
+            </a:r>
+            <a:r>
+              <a:rPr lang="en-US" sz="2400" b="1" dirty="0"/>
+              <a:t>docs\utilities</a:t>
             </a:r>
           </a:p>
           <a:p>
             <a:pPr lvl="2"/>
             <a:r>
               <a:rPr lang="en-US" sz="2000" dirty="0"/>
-              <a:t>Partner’s unable to see base class method without peeking into object to override</a:t>
+              <a:t>Updated section for deployment of ExternalContent folder</a:t>
+            </a:r>
+          </a:p>
+          <a:p>
+            <a:pPr lvl="1"/>
+            <a:r>
+              <a:rPr lang="en-US" sz="2400" dirty="0"/>
+              <a:t>New Sage300SDK_GlobalSearch.docx in </a:t>
+            </a:r>
+            <a:r>
+              <a:rPr lang="en-US" sz="2400" b="1" dirty="0"/>
+              <a:t>docs\development</a:t>
+            </a:r>
+          </a:p>
+          <a:p>
+            <a:pPr lvl="1"/>
+            <a:r>
+              <a:rPr lang="en-US" sz="2400" dirty="0"/>
+              <a:t>KB:91472</a:t>
             </a:r>
           </a:p>
           <a:p>
             <a:pPr lvl="2"/>
             <a:r>
               <a:rPr lang="en-US" sz="2000" dirty="0"/>
-              <a:t>Even 10 Sage process screens did this!</a:t>
+              <a:t>Using Visual Studio 2017 with Sage 300 2019 SDK</a:t>
             </a:r>
           </a:p>
           <a:p>
             <a:pPr lvl="1"/>
             <a:r>
               <a:rPr lang="en-US" sz="2400" dirty="0"/>
-              <a:t>New GetResultObject(T model) method can simply be implemented and no longer have to override OnExecute()</a:t>
-            </a:r>
-          </a:p>
-        </p:txBody>
-      </p:sp>
-      <p:pic>
-        <p:nvPicPr>
-          <p:cNvPr id="2" name="Picture 1">
-            <a:extLst>
-              <a:ext uri="{FF2B5EF4-FFF2-40B4-BE49-F238E27FC236}">
-                <a16:creationId xmlns:a16="http://schemas.microsoft.com/office/drawing/2014/main" id="{E47930E5-2B75-4916-8BF2-92A8CD26A87F}"/>
-              </a:ext>
-            </a:extLst>
-          </p:cNvPr>
-          <p:cNvPicPr>
-            <a:picLocks noChangeAspect="1"/>
-          </p:cNvPicPr>
-          <p:nvPr/>
-        </p:nvPicPr>
-        <p:blipFill>
-          <a:blip r:embed="rId3"/>
-          <a:stretch>
-            <a:fillRect/>
-          </a:stretch>
-        </p:blipFill>
-        <p:spPr>
-          <a:xfrm>
-            <a:off x="367162" y="4039338"/>
-            <a:ext cx="3840965" cy="2730062"/>
-          </a:xfrm>
-          <a:prstGeom prst="rect">
-            <a:avLst/>
-          </a:prstGeom>
-        </p:spPr>
-      </p:pic>
-      <p:pic>
-        <p:nvPicPr>
-          <p:cNvPr id="3" name="Picture 2">
-            <a:extLst>
-              <a:ext uri="{FF2B5EF4-FFF2-40B4-BE49-F238E27FC236}">
-                <a16:creationId xmlns:a16="http://schemas.microsoft.com/office/drawing/2014/main" id="{02DF468C-CE3C-4CAE-8F57-7898A775EAA9}"/>
-              </a:ext>
-            </a:extLst>
-          </p:cNvPr>
-          <p:cNvPicPr>
-            <a:picLocks noChangeAspect="1"/>
-          </p:cNvPicPr>
-          <p:nvPr/>
-        </p:nvPicPr>
-        <p:blipFill>
-          <a:blip r:embed="rId4"/>
-          <a:stretch>
-            <a:fillRect/>
-          </a:stretch>
-        </p:blipFill>
-        <p:spPr>
-          <a:xfrm>
-            <a:off x="4485365" y="4324404"/>
-            <a:ext cx="7339473" cy="2050996"/>
-          </a:xfrm>
-          <a:prstGeom prst="rect">
-            <a:avLst/>
-          </a:prstGeom>
-        </p:spPr>
-      </p:pic>
+              <a:t>KB:91473</a:t>
+            </a:r>
+          </a:p>
+          <a:p>
+            <a:pPr lvl="2"/>
+            <a:r>
+              <a:rPr lang="en-US" sz="2000" dirty="0"/>
+              <a:t>Writing SDK apps that do not require “Run As Administrator”</a:t>
+            </a:r>
+          </a:p>
+          <a:p>
+            <a:pPr marL="0" lvl="1" indent="0">
+              <a:buNone/>
+            </a:pPr>
+            <a:endParaRPr lang="en-US" sz="1800" dirty="0"/>
+          </a:p>
+        </p:txBody>
+      </p:sp>
     </p:spTree>
     <p:extLst>
       <p:ext uri="{BB962C8B-B14F-4D97-AF65-F5344CB8AC3E}">
-        <p14:creationId xmlns:p14="http://schemas.microsoft.com/office/powerpoint/2010/main" val="175324122"/>
+        <p14:creationId xmlns:p14="http://schemas.microsoft.com/office/powerpoint/2010/main" val="3846550886"/>
       </p:ext>
     </p:extLst>
   </p:cSld>
@@ -4732,6 +4808,124 @@
           <a:p>
             <a:r>
               <a:rPr lang="en-US" dirty="0"/>
+              <a:t>Process Unit of Work Enhancement</a:t>
+            </a:r>
+          </a:p>
+        </p:txBody>
+      </p:sp>
+      <p:sp>
+        <p:nvSpPr>
+          <p:cNvPr id="12" name="Content Placeholder 4"/>
+          <p:cNvSpPr>
+            <a:spLocks noGrp="1"/>
+          </p:cNvSpPr>
+          <p:nvPr>
+            <p:ph idx="1"/>
+          </p:nvPr>
+        </p:nvSpPr>
+        <p:spPr>
+          <a:xfrm>
+            <a:off x="466025" y="1366944"/>
+            <a:ext cx="9917047" cy="5008456"/>
+          </a:xfrm>
+        </p:spPr>
+        <p:txBody>
+          <a:bodyPr numCol="1"/>
+          <a:lstStyle/>
+          <a:p>
+            <a:pPr lvl="1"/>
+            <a:r>
+              <a:rPr lang="en-US" sz="2000" dirty="0"/>
+              <a:t>ProcessUow base class’ OnExecute() method needed to be overridden to be able to set ResultObject</a:t>
+            </a:r>
+          </a:p>
+          <a:p>
+            <a:pPr lvl="2"/>
+            <a:r>
+              <a:rPr lang="en-US" sz="1800" dirty="0"/>
+              <a:t>Partner’s unable to see base class method without peeking into object to override</a:t>
+            </a:r>
+          </a:p>
+          <a:p>
+            <a:pPr lvl="2"/>
+            <a:r>
+              <a:rPr lang="en-US" sz="1800" dirty="0"/>
+              <a:t>Even 10 Sage process screens did this!</a:t>
+            </a:r>
+          </a:p>
+          <a:p>
+            <a:pPr lvl="1"/>
+            <a:r>
+              <a:rPr lang="en-US" sz="2000" dirty="0"/>
+              <a:t>New GetResultObject(T model) method can simply be implemented and no longer have to override OnExecute()</a:t>
+            </a:r>
+          </a:p>
+          <a:p>
+            <a:pPr lvl="1"/>
+            <a:r>
+              <a:rPr lang="en-US" sz="2000" dirty="0"/>
+              <a:t>See blog: </a:t>
+            </a:r>
+          </a:p>
+          <a:p>
+            <a:pPr lvl="2"/>
+            <a:r>
+              <a:rPr lang="en-US" sz="1600" dirty="0">
+                <a:hlinkClick r:id="rId3"/>
+              </a:rPr>
+              <a:t>https://jthomas903.wordpress.com/2018/08/21/sage-300-how-to-return-super-view-values-from-the-process-service/</a:t>
+            </a:r>
+            <a:endParaRPr lang="en-US" sz="1600" dirty="0"/>
+          </a:p>
+        </p:txBody>
+      </p:sp>
+    </p:spTree>
+    <p:extLst>
+      <p:ext uri="{BB962C8B-B14F-4D97-AF65-F5344CB8AC3E}">
+        <p14:creationId xmlns:p14="http://schemas.microsoft.com/office/powerpoint/2010/main" val="175324122"/>
+      </p:ext>
+    </p:extLst>
+  </p:cSld>
+  <p:clrMapOvr>
+    <a:masterClrMapping/>
+  </p:clrMapOvr>
+</p:sld>
+</file>
+
+<file path=ppt/slides/slide15.xml><?xml version="1.0" encoding="utf-8"?>
+<p:sld xmlns:a="http://schemas.openxmlformats.org/drawingml/2006/main" xmlns:r="http://schemas.openxmlformats.org/officeDocument/2006/relationships" xmlns:p="http://schemas.openxmlformats.org/presentationml/2006/main">
+  <p:cSld>
+    <p:spTree>
+      <p:nvGrpSpPr>
+        <p:cNvPr id="1" name=""/>
+        <p:cNvGrpSpPr/>
+        <p:nvPr/>
+      </p:nvGrpSpPr>
+      <p:grpSpPr>
+        <a:xfrm>
+          <a:off x="0" y="0"/>
+          <a:ext cx="0" cy="0"/>
+          <a:chOff x="0" y="0"/>
+          <a:chExt cx="0" cy="0"/>
+        </a:xfrm>
+      </p:grpSpPr>
+      <p:sp>
+        <p:nvSpPr>
+          <p:cNvPr id="8" name="Title 7"/>
+          <p:cNvSpPr>
+            <a:spLocks noGrp="1"/>
+          </p:cNvSpPr>
+          <p:nvPr>
+            <p:ph type="title"/>
+          </p:nvPr>
+        </p:nvSpPr>
+        <p:spPr/>
+        <p:txBody>
+          <a:bodyPr/>
+          <a:lstStyle/>
+          <a:p>
+            <a:r>
+              <a:rPr lang="en-US" dirty="0"/>
               <a:t>Partner Defects in the Application</a:t>
             </a:r>
           </a:p>
@@ -4793,7 +4987,7 @@
 </p:sld>
 </file>
 
-<file path=ppt/slides/slide15.xml><?xml version="1.0" encoding="utf-8"?>
+<file path=ppt/slides/slide16.xml><?xml version="1.0" encoding="utf-8"?>
 <p:sld xmlns:a="http://schemas.openxmlformats.org/drawingml/2006/main" xmlns:r="http://schemas.openxmlformats.org/officeDocument/2006/relationships" xmlns:p="http://schemas.openxmlformats.org/presentationml/2006/main">
   <p:cSld>
     <p:spTree>
@@ -5023,7 +5217,7 @@
 </p:sld>
 </file>
 
-<file path=ppt/slides/slide16.xml><?xml version="1.0" encoding="utf-8"?>
+<file path=ppt/slides/slide17.xml><?xml version="1.0" encoding="utf-8"?>
 <p:sld xmlns:a="http://schemas.openxmlformats.org/drawingml/2006/main" xmlns:r="http://schemas.openxmlformats.org/officeDocument/2006/relationships" xmlns:p="http://schemas.openxmlformats.org/presentationml/2006/main">
   <p:cSld>
     <p:spTree>
@@ -6019,35 +6213,6 @@
               <a:t>New location: ..\Online\Web\Areas\{module}\ExternalContent</a:t>
             </a:r>
           </a:p>
-          <a:p>
-            <a:pPr lvl="1"/>
-            <a:r>
-              <a:rPr lang="en-US" sz="2000" dirty="0"/>
-              <a:t>Global Files updated to 2019</a:t>
-            </a:r>
-          </a:p>
-          <a:p>
-            <a:pPr lvl="1"/>
-            <a:r>
-              <a:rPr lang="en-US" sz="2000" dirty="0"/>
-              <a:t>‘</a:t>
-            </a:r>
-            <a:r>
-              <a:rPr lang="en-US" sz="2000" dirty="0" err="1"/>
-              <a:t>aspnet_client</a:t>
-            </a:r>
-            <a:r>
-              <a:rPr lang="en-US" sz="2000" dirty="0"/>
-              <a:t>’ folder added to Web project for Reports to work in Debug mode</a:t>
-            </a:r>
-          </a:p>
-          <a:p>
-            <a:pPr lvl="1"/>
-            <a:r>
-              <a:rPr lang="en-US" sz="2000" dirty="0"/>
-              <a:t>Updated MergeISVProject to reflect Minify JavaScript changes</a:t>
-            </a:r>
-          </a:p>
         </p:txBody>
       </p:sp>
     </p:spTree>
@@ -6064,6 +6229,123 @@
 </file>
 
 <file path=ppt/slides/slide5.xml><?xml version="1.0" encoding="utf-8"?>
+<p:sld xmlns:a="http://schemas.openxmlformats.org/drawingml/2006/main" xmlns:r="http://schemas.openxmlformats.org/officeDocument/2006/relationships" xmlns:p="http://schemas.openxmlformats.org/presentationml/2006/main">
+  <p:cSld>
+    <p:spTree>
+      <p:nvGrpSpPr>
+        <p:cNvPr id="1" name=""/>
+        <p:cNvGrpSpPr/>
+        <p:nvPr/>
+      </p:nvGrpSpPr>
+      <p:grpSpPr>
+        <a:xfrm>
+          <a:off x="0" y="0"/>
+          <a:ext cx="0" cy="0"/>
+          <a:chOff x="0" y="0"/>
+          <a:chExt cx="0" cy="0"/>
+        </a:xfrm>
+      </p:grpSpPr>
+      <p:sp>
+        <p:nvSpPr>
+          <p:cNvPr id="8" name="Title 7"/>
+          <p:cNvSpPr>
+            <a:spLocks noGrp="1"/>
+          </p:cNvSpPr>
+          <p:nvPr>
+            <p:ph type="title"/>
+          </p:nvPr>
+        </p:nvSpPr>
+        <p:spPr/>
+        <p:txBody>
+          <a:bodyPr/>
+          <a:lstStyle/>
+          <a:p>
+            <a:r>
+              <a:rPr lang="en-US" dirty="0"/>
+              <a:t>Solution Wizard (</a:t>
+            </a:r>
+            <a:r>
+              <a:rPr lang="en-US" dirty="0" err="1"/>
+              <a:t>cont</a:t>
+            </a:r>
+            <a:r>
+              <a:rPr lang="en-US" dirty="0"/>
+              <a:t>)</a:t>
+            </a:r>
+          </a:p>
+        </p:txBody>
+      </p:sp>
+      <p:sp>
+        <p:nvSpPr>
+          <p:cNvPr id="12" name="Content Placeholder 4"/>
+          <p:cNvSpPr>
+            <a:spLocks noGrp="1"/>
+          </p:cNvSpPr>
+          <p:nvPr>
+            <p:ph idx="1"/>
+          </p:nvPr>
+        </p:nvSpPr>
+        <p:spPr>
+          <a:xfrm>
+            <a:off x="487680" y="924772"/>
+            <a:ext cx="11571077" cy="5008456"/>
+          </a:xfrm>
+        </p:spPr>
+        <p:txBody>
+          <a:bodyPr numCol="1"/>
+          <a:lstStyle/>
+          <a:p>
+            <a:pPr lvl="1"/>
+            <a:r>
+              <a:rPr lang="en-US" sz="2000" dirty="0"/>
+              <a:t>Global Files updated to 2019</a:t>
+            </a:r>
+          </a:p>
+          <a:p>
+            <a:pPr lvl="2"/>
+            <a:r>
+              <a:rPr lang="en-US" sz="1600" dirty="0"/>
+              <a:t>Crystal Reports components upgraded from 13.0.2000.0 to 13.0.3500.0</a:t>
+            </a:r>
+          </a:p>
+          <a:p>
+            <a:pPr lvl="1"/>
+            <a:r>
+              <a:rPr lang="en-US" sz="2000" dirty="0"/>
+              <a:t>‘</a:t>
+            </a:r>
+            <a:r>
+              <a:rPr lang="en-US" sz="2000" dirty="0" err="1"/>
+              <a:t>aspnet_client</a:t>
+            </a:r>
+            <a:r>
+              <a:rPr lang="en-US" sz="2000" dirty="0"/>
+              <a:t>’ folder added to Web project for Reports to work in Debug mode</a:t>
+            </a:r>
+          </a:p>
+          <a:p>
+            <a:pPr lvl="1"/>
+            <a:r>
+              <a:rPr lang="en-US" sz="2000" dirty="0"/>
+              <a:t>Updated MergeISVProject to reflect Minify JavaScript changes</a:t>
+            </a:r>
+          </a:p>
+        </p:txBody>
+      </p:sp>
+    </p:spTree>
+    <p:extLst>
+      <p:ext uri="{BB962C8B-B14F-4D97-AF65-F5344CB8AC3E}">
+        <p14:creationId xmlns:p14="http://schemas.microsoft.com/office/powerpoint/2010/main" val="287396996"/>
+      </p:ext>
+    </p:extLst>
+  </p:cSld>
+  <p:clrMapOvr>
+    <a:masterClrMapping/>
+  </p:clrMapOvr>
+</p:sld>
+</file>
+
+<file path=ppt/slides/slide6.xml><?xml version="1.0" encoding="utf-8"?>
 <p:sld xmlns:a="http://schemas.openxmlformats.org/drawingml/2006/main" xmlns:r="http://schemas.openxmlformats.org/officeDocument/2006/relationships" xmlns:p="http://schemas.openxmlformats.org/presentationml/2006/main">
   <p:cSld>
     <p:spTree>
@@ -6219,7 +6501,7 @@
 </p:sld>
 </file>
 
-<file path=ppt/slides/slide6.xml><?xml version="1.0" encoding="utf-8"?>
+<file path=ppt/slides/slide7.xml><?xml version="1.0" encoding="utf-8"?>
 <p:sld xmlns:a="http://schemas.openxmlformats.org/drawingml/2006/main" xmlns:r="http://schemas.openxmlformats.org/officeDocument/2006/relationships" xmlns:p="http://schemas.openxmlformats.org/presentationml/2006/main">
   <p:cSld>
     <p:spTree>
@@ -6253,7 +6535,15 @@
           <a:p>
             <a:r>
               <a:rPr lang="en-US" dirty="0"/>
-              <a:t>Code Generation Wizard</a:t>
+              <a:t>Code Generation Wizard (</a:t>
+            </a:r>
+            <a:r>
+              <a:rPr lang="en-US" dirty="0" err="1"/>
+              <a:t>cont</a:t>
+            </a:r>
+            <a:r>
+              <a:rPr lang="en-US" dirty="0"/>
+              <a:t>)</a:t>
             </a:r>
           </a:p>
         </p:txBody>
@@ -6406,86 +6696,6 @@
 </p:sld>
 </file>
 
-<file path=ppt/slides/slide7.xml><?xml version="1.0" encoding="utf-8"?>
-<p:sld xmlns:a="http://schemas.openxmlformats.org/drawingml/2006/main" xmlns:r="http://schemas.openxmlformats.org/officeDocument/2006/relationships" xmlns:p="http://schemas.openxmlformats.org/presentationml/2006/main">
-  <p:cSld>
-    <p:spTree>
-      <p:nvGrpSpPr>
-        <p:cNvPr id="1" name=""/>
-        <p:cNvGrpSpPr/>
-        <p:nvPr/>
-      </p:nvGrpSpPr>
-      <p:grpSpPr>
-        <a:xfrm>
-          <a:off x="0" y="0"/>
-          <a:ext cx="0" cy="0"/>
-          <a:chOff x="0" y="0"/>
-          <a:chExt cx="0" cy="0"/>
-        </a:xfrm>
-      </p:grpSpPr>
-      <p:sp>
-        <p:nvSpPr>
-          <p:cNvPr id="8" name="Title 7"/>
-          <p:cNvSpPr>
-            <a:spLocks noGrp="1"/>
-          </p:cNvSpPr>
-          <p:nvPr>
-            <p:ph type="title"/>
-          </p:nvPr>
-        </p:nvSpPr>
-        <p:spPr/>
-        <p:txBody>
-          <a:bodyPr/>
-          <a:lstStyle/>
-          <a:p>
-            <a:r>
-              <a:rPr lang="en-US" dirty="0"/>
-              <a:t>Customization Wizard</a:t>
-            </a:r>
-          </a:p>
-        </p:txBody>
-      </p:sp>
-      <p:sp>
-        <p:nvSpPr>
-          <p:cNvPr id="12" name="Content Placeholder 4"/>
-          <p:cNvSpPr>
-            <a:spLocks noGrp="1"/>
-          </p:cNvSpPr>
-          <p:nvPr>
-            <p:ph idx="1"/>
-          </p:nvPr>
-        </p:nvSpPr>
-        <p:spPr>
-          <a:xfrm>
-            <a:off x="466025" y="1366944"/>
-            <a:ext cx="11571077" cy="5008456"/>
-          </a:xfrm>
-        </p:spPr>
-        <p:txBody>
-          <a:bodyPr numCol="1"/>
-          <a:lstStyle/>
-          <a:p>
-            <a:pPr lvl="1"/>
-            <a:r>
-              <a:rPr lang="en-US" sz="2000" dirty="0"/>
-              <a:t>Global Files updated to 2019</a:t>
-            </a:r>
-          </a:p>
-        </p:txBody>
-      </p:sp>
-    </p:spTree>
-    <p:extLst>
-      <p:ext uri="{BB962C8B-B14F-4D97-AF65-F5344CB8AC3E}">
-        <p14:creationId xmlns:p14="http://schemas.microsoft.com/office/powerpoint/2010/main" val="1510465130"/>
-      </p:ext>
-    </p:extLst>
-  </p:cSld>
-  <p:clrMapOvr>
-    <a:masterClrMapping/>
-  </p:clrMapOvr>
-</p:sld>
-</file>
-
 <file path=ppt/slides/slide8.xml><?xml version="1.0" encoding="utf-8"?>
 <p:sld xmlns:a="http://schemas.openxmlformats.org/drawingml/2006/main" xmlns:r="http://schemas.openxmlformats.org/officeDocument/2006/relationships" xmlns:p="http://schemas.openxmlformats.org/presentationml/2006/main">
   <p:cSld>
@@ -6520,7 +6730,7 @@
           <a:p>
             <a:r>
               <a:rPr lang="en-US" dirty="0"/>
-              <a:t>Upgrade Wizard</a:t>
+              <a:t>Customization Wizard</a:t>
             </a:r>
           </a:p>
         </p:txBody>
@@ -6555,45 +6765,15 @@
             <a:pPr lvl="1"/>
             <a:r>
               <a:rPr lang="en-US" sz="2000" dirty="0"/>
-              <a:t>ExternalContent folder changes</a:t>
-            </a:r>
-          </a:p>
-          <a:p>
-            <a:pPr lvl="1"/>
-            <a:r>
-              <a:rPr lang="en-US" sz="2000" dirty="0"/>
-              <a:t>‘</a:t>
-            </a:r>
-            <a:r>
-              <a:rPr lang="en-US" sz="2000" dirty="0" err="1"/>
-              <a:t>aspnet_client</a:t>
-            </a:r>
-            <a:r>
-              <a:rPr lang="en-US" sz="2000" dirty="0"/>
-              <a:t>’ folder added, if not exists, to Web folder for Reports to work in Debug mode</a:t>
-            </a:r>
-          </a:p>
-          <a:p>
-            <a:pPr lvl="1"/>
-            <a:r>
-              <a:rPr lang="en-US" sz="2000" dirty="0"/>
-              <a:t>Updated MergeISVProject to reflect Minify JavaScript changes</a:t>
-            </a:r>
-          </a:p>
-          <a:p>
-            <a:pPr lvl="1"/>
-            <a:endParaRPr lang="en-US" sz="2000" dirty="0"/>
-          </a:p>
-          <a:p>
-            <a:pPr lvl="1"/>
-            <a:endParaRPr lang="en-US" sz="2000" dirty="0"/>
+              <a:t>Default Compatibility level changed to 6.6A+ (informational property only)</a:t>
+            </a:r>
           </a:p>
         </p:txBody>
       </p:sp>
     </p:spTree>
     <p:extLst>
       <p:ext uri="{BB962C8B-B14F-4D97-AF65-F5344CB8AC3E}">
-        <p14:creationId xmlns:p14="http://schemas.microsoft.com/office/powerpoint/2010/main" val="1884201605"/>
+        <p14:creationId xmlns:p14="http://schemas.microsoft.com/office/powerpoint/2010/main" val="1510465130"/>
       </p:ext>
     </p:extLst>
   </p:cSld>
@@ -6637,7 +6817,7 @@
           <a:p>
             <a:r>
               <a:rPr lang="en-US" dirty="0"/>
-              <a:t>Inquiry Configuration Wizard</a:t>
+              <a:t>Upgrade Wizard</a:t>
             </a:r>
           </a:p>
         </p:txBody>
@@ -6665,22 +6845,66 @@
             <a:pPr lvl="1"/>
             <a:r>
               <a:rPr lang="en-US" sz="2000" dirty="0"/>
-              <a:t>Delayed until 2019.1</a:t>
+              <a:t>Global Files updated to 2019</a:t>
+            </a:r>
+          </a:p>
+          <a:p>
+            <a:pPr lvl="2"/>
+            <a:r>
+              <a:rPr lang="en-US" sz="1600" dirty="0"/>
+              <a:t>Crystal Reports components upgraded from 13.0.2000.0 to 13.0.3500.0</a:t>
             </a:r>
           </a:p>
           <a:p>
             <a:pPr lvl="1"/>
             <a:r>
               <a:rPr lang="en-US" sz="2000" dirty="0"/>
-              <a:t>Wizard allows for the creation of metadata to drive generic inquiry and adhoc inquiry displays</a:t>
-            </a:r>
+              <a:t>ExternalContent folder changes</a:t>
+            </a:r>
+          </a:p>
+          <a:p>
+            <a:pPr lvl="1"/>
+            <a:r>
+              <a:rPr lang="en-US" sz="2000" dirty="0"/>
+              <a:t>‘</a:t>
+            </a:r>
+            <a:r>
+              <a:rPr lang="en-US" sz="2000" dirty="0" err="1"/>
+              <a:t>aspnet_client</a:t>
+            </a:r>
+            <a:r>
+              <a:rPr lang="en-US" sz="2000" dirty="0"/>
+              <a:t>’ folder added, if not exists, to Web folder for Reports to work in Debug mode</a:t>
+            </a:r>
+          </a:p>
+          <a:p>
+            <a:pPr lvl="2"/>
+            <a:r>
+              <a:rPr lang="en-US" sz="1600" dirty="0"/>
+              <a:t>Manual step</a:t>
+            </a:r>
+          </a:p>
+          <a:p>
+            <a:pPr lvl="1"/>
+            <a:r>
+              <a:rPr lang="en-US" sz="2000" dirty="0"/>
+              <a:t>Updated MergeISVProject to reflect Minify JavaScript changes</a:t>
+            </a:r>
+          </a:p>
+          <a:p>
+            <a:pPr lvl="1"/>
+            <a:endParaRPr lang="en-US" sz="2000" dirty="0"/>
+          </a:p>
+          <a:p>
+            <a:pPr lvl="1"/>
+            <a:endParaRPr lang="en-US" sz="2000" dirty="0"/>
           </a:p>
         </p:txBody>
       </p:sp>
     </p:spTree>
     <p:extLst>
       <p:ext uri="{BB962C8B-B14F-4D97-AF65-F5344CB8AC3E}">
-        <p14:creationId xmlns:p14="http://schemas.microsoft.com/office/powerpoint/2010/main" val="1664025022"/>
+        <p14:creationId xmlns:p14="http://schemas.microsoft.com/office/powerpoint/2010/main" val="1884201605"/>
       </p:ext>
     </p:extLst>
   </p:cSld>
